--- a/docs/AERY_생산관리시스템.pptx
+++ b/docs/AERY_생산관리시스템.pptx
@@ -106,6 +106,11 @@
       </a:defRPr>
     </a:lvl9pPr>
   </p:defaultTextStyle>
+  <p:extLst>
+    <p:ext uri="{EFAFB233-063F-42B5-8137-9DF3F51BA10A}">
+      <p15:sldGuideLst xmlns:p15="http://schemas.microsoft.com/office/powerpoint/2012/main"/>
+    </p:ext>
+  </p:extLst>
 </p:presentation>
 </file>
 
@@ -880,18 +885,18 @@
         <a:p>
           <a:pPr latinLnBrk="1"/>
           <a:r>
-            <a:rPr lang="en-US" altLang="ko-KR" dirty="0" smtClean="0"/>
+            <a:rPr lang="en-US" altLang="ko-KR" dirty="0"/>
             <a:t>AERY </a:t>
           </a:r>
           <a:r>
-            <a:rPr lang="ko-KR" altLang="en-US" smtClean="0"/>
+            <a:rPr lang="ko-KR" altLang="en-US" dirty="0"/>
             <a:t>생산관리 시스템 </a:t>
           </a:r>
           <a:r>
-            <a:rPr lang="en-US" altLang="ko-KR" dirty="0" smtClean="0"/>
+            <a:rPr lang="en-US" altLang="ko-KR" dirty="0"/>
             <a:t>Menu Tree</a:t>
           </a:r>
-          <a:endParaRPr lang="ko-KR" altLang="en-US"/>
+          <a:endParaRPr lang="ko-KR" altLang="en-US" dirty="0"/>
         </a:p>
       </dgm:t>
     </dgm:pt>
@@ -928,10 +933,9 @@
         <a:p>
           <a:pPr latinLnBrk="1"/>
           <a:r>
-            <a:rPr lang="ko-KR" altLang="en-US" dirty="0" smtClean="0"/>
+            <a:rPr lang="ko-KR" altLang="en-US" dirty="0"/>
             <a:t>생산관리</a:t>
           </a:r>
-          <a:endParaRPr lang="ko-KR" altLang="en-US" dirty="0"/>
         </a:p>
       </dgm:t>
     </dgm:pt>
@@ -968,10 +972,9 @@
         <a:p>
           <a:pPr latinLnBrk="1"/>
           <a:r>
-            <a:rPr lang="ko-KR" altLang="en-US" dirty="0" smtClean="0"/>
+            <a:rPr lang="ko-KR" altLang="en-US" dirty="0"/>
             <a:t>구매</a:t>
           </a:r>
-          <a:endParaRPr lang="ko-KR" altLang="en-US" dirty="0"/>
         </a:p>
       </dgm:t>
     </dgm:pt>
@@ -1008,10 +1011,9 @@
         <a:p>
           <a:pPr latinLnBrk="1"/>
           <a:r>
-            <a:rPr lang="ko-KR" altLang="en-US" dirty="0" smtClean="0"/>
+            <a:rPr lang="ko-KR" altLang="en-US" dirty="0"/>
             <a:t>자재</a:t>
           </a:r>
-          <a:endParaRPr lang="ko-KR" altLang="en-US" dirty="0"/>
         </a:p>
       </dgm:t>
     </dgm:pt>
@@ -1048,10 +1050,9 @@
         <a:p>
           <a:pPr latinLnBrk="1"/>
           <a:r>
-            <a:rPr lang="ko-KR" altLang="en-US" dirty="0" smtClean="0"/>
+            <a:rPr lang="ko-KR" altLang="en-US" dirty="0"/>
             <a:t>생산</a:t>
           </a:r>
-          <a:endParaRPr lang="ko-KR" altLang="en-US" dirty="0"/>
         </a:p>
       </dgm:t>
     </dgm:pt>
@@ -1088,7 +1089,7 @@
         <a:p>
           <a:pPr latinLnBrk="1"/>
           <a:r>
-            <a:rPr lang="en-US" altLang="ko-KR" dirty="0" smtClean="0"/>
+            <a:rPr lang="en-US" altLang="ko-KR" dirty="0"/>
             <a:t>OQC</a:t>
           </a:r>
           <a:endParaRPr lang="ko-KR" altLang="en-US" dirty="0"/>
@@ -1128,10 +1129,9 @@
         <a:p>
           <a:pPr latinLnBrk="1"/>
           <a:r>
-            <a:rPr lang="ko-KR" altLang="en-US" dirty="0" smtClean="0"/>
+            <a:rPr lang="ko-KR" altLang="en-US" dirty="0"/>
             <a:t>포장</a:t>
           </a:r>
-          <a:endParaRPr lang="ko-KR" altLang="en-US" dirty="0"/>
         </a:p>
       </dgm:t>
     </dgm:pt>
@@ -1168,10 +1168,9 @@
         <a:p>
           <a:pPr latinLnBrk="1"/>
           <a:r>
-            <a:rPr lang="ko-KR" altLang="en-US" dirty="0" smtClean="0"/>
+            <a:rPr lang="ko-KR" altLang="en-US" dirty="0"/>
             <a:t>창고</a:t>
           </a:r>
-          <a:endParaRPr lang="ko-KR" altLang="en-US" dirty="0"/>
         </a:p>
       </dgm:t>
     </dgm:pt>
@@ -1208,27 +1207,27 @@
         <a:p>
           <a:pPr latinLnBrk="1"/>
           <a:r>
-            <a:rPr lang="ko-KR" altLang="en-US" dirty="0" smtClean="0"/>
+            <a:rPr lang="ko-KR" altLang="en-US" dirty="0"/>
             <a:t>리스트조회</a:t>
           </a:r>
           <a:r>
-            <a:rPr lang="en-US" altLang="ko-KR" dirty="0" smtClean="0"/>
+            <a:rPr lang="en-US" altLang="ko-KR" dirty="0"/>
             <a:t>(</a:t>
           </a:r>
           <a:r>
-            <a:rPr lang="ko-KR" altLang="en-US" smtClean="0"/>
+            <a:rPr lang="ko-KR" altLang="en-US"/>
             <a:t>모델별</a:t>
           </a:r>
           <a:r>
-            <a:rPr lang="en-US" altLang="ko-KR" dirty="0" smtClean="0"/>
+            <a:rPr lang="en-US" altLang="ko-KR" dirty="0"/>
             <a:t>/</a:t>
           </a:r>
           <a:r>
-            <a:rPr lang="ko-KR" altLang="en-US" smtClean="0"/>
+            <a:rPr lang="ko-KR" altLang="en-US"/>
             <a:t>거래처별 </a:t>
           </a:r>
           <a:r>
-            <a:rPr lang="en-US" altLang="ko-KR" dirty="0" smtClean="0"/>
+            <a:rPr lang="en-US" altLang="ko-KR" dirty="0"/>
             <a:t>..)</a:t>
           </a:r>
           <a:endParaRPr lang="ko-KR" altLang="en-US" dirty="0"/>
@@ -1268,14 +1267,13 @@
         <a:p>
           <a:pPr latinLnBrk="1"/>
           <a:r>
-            <a:rPr lang="ko-KR" altLang="en-US" dirty="0" err="1" smtClean="0"/>
+            <a:rPr lang="ko-KR" altLang="en-US" dirty="0" err="1"/>
             <a:t>공정별</a:t>
           </a:r>
           <a:r>
-            <a:rPr lang="ko-KR" altLang="en-US" dirty="0" smtClean="0"/>
+            <a:rPr lang="ko-KR" altLang="en-US" dirty="0"/>
             <a:t> 생산현황</a:t>
           </a:r>
-          <a:endParaRPr lang="ko-KR" altLang="en-US" dirty="0"/>
         </a:p>
       </dgm:t>
     </dgm:pt>
@@ -1312,10 +1310,9 @@
         <a:p>
           <a:pPr latinLnBrk="1"/>
           <a:r>
-            <a:rPr lang="ko-KR" altLang="en-US" dirty="0" smtClean="0"/>
+            <a:rPr lang="ko-KR" altLang="en-US" dirty="0"/>
             <a:t>자재리스트조회</a:t>
           </a:r>
-          <a:endParaRPr lang="ko-KR" altLang="en-US" dirty="0"/>
         </a:p>
       </dgm:t>
     </dgm:pt>
@@ -1352,10 +1349,9 @@
         <a:p>
           <a:pPr latinLnBrk="1"/>
           <a:r>
-            <a:rPr lang="ko-KR" altLang="en-US" dirty="0" smtClean="0"/>
+            <a:rPr lang="ko-KR" altLang="en-US" dirty="0"/>
             <a:t>거래처관리</a:t>
           </a:r>
-          <a:endParaRPr lang="ko-KR" altLang="en-US" dirty="0"/>
         </a:p>
       </dgm:t>
     </dgm:pt>
@@ -1392,10 +1388,9 @@
         <a:p>
           <a:pPr latinLnBrk="1"/>
           <a:r>
-            <a:rPr lang="ko-KR" altLang="en-US" dirty="0" smtClean="0"/>
+            <a:rPr lang="ko-KR" altLang="en-US" dirty="0"/>
             <a:t>발주서관리</a:t>
           </a:r>
-          <a:endParaRPr lang="ko-KR" altLang="en-US" dirty="0"/>
         </a:p>
       </dgm:t>
     </dgm:pt>
@@ -1432,10 +1427,9 @@
         <a:p>
           <a:pPr latinLnBrk="1"/>
           <a:r>
-            <a:rPr lang="ko-KR" altLang="en-US" dirty="0" smtClean="0"/>
+            <a:rPr lang="ko-KR" altLang="en-US" dirty="0"/>
             <a:t>불량항목관리</a:t>
           </a:r>
-          <a:endParaRPr lang="ko-KR" altLang="en-US" dirty="0"/>
         </a:p>
       </dgm:t>
     </dgm:pt>
@@ -1472,10 +1466,9 @@
         <a:p>
           <a:pPr latinLnBrk="1"/>
           <a:r>
-            <a:rPr lang="ko-KR" altLang="en-US" dirty="0" smtClean="0"/>
+            <a:rPr lang="ko-KR" altLang="en-US" dirty="0"/>
             <a:t>검수결과등록</a:t>
           </a:r>
-          <a:endParaRPr lang="ko-KR" altLang="en-US" dirty="0"/>
         </a:p>
       </dgm:t>
     </dgm:pt>
@@ -1512,10 +1505,9 @@
         <a:p>
           <a:pPr latinLnBrk="1"/>
           <a:r>
-            <a:rPr lang="ko-KR" altLang="en-US" dirty="0" smtClean="0"/>
+            <a:rPr lang="ko-KR" altLang="en-US" dirty="0"/>
             <a:t>검수결과조회</a:t>
           </a:r>
-          <a:endParaRPr lang="ko-KR" altLang="en-US" dirty="0"/>
         </a:p>
       </dgm:t>
     </dgm:pt>
@@ -1552,10 +1544,9 @@
         <a:p>
           <a:pPr latinLnBrk="1"/>
           <a:r>
-            <a:rPr lang="ko-KR" altLang="en-US" dirty="0" smtClean="0"/>
+            <a:rPr lang="ko-KR" altLang="en-US" dirty="0"/>
             <a:t>포장리스트조회</a:t>
           </a:r>
-          <a:endParaRPr lang="ko-KR" altLang="en-US" dirty="0"/>
         </a:p>
       </dgm:t>
     </dgm:pt>
@@ -1592,10 +1583,9 @@
         <a:p>
           <a:pPr latinLnBrk="1"/>
           <a:r>
-            <a:rPr lang="ko-KR" altLang="en-US" dirty="0" smtClean="0"/>
-            <a:t>생산계획관리</a:t>
+            <a:rPr lang="ko-KR" altLang="en-US" dirty="0"/>
+            <a:t>생산계획</a:t>
           </a:r>
-          <a:endParaRPr lang="ko-KR" altLang="en-US" dirty="0"/>
         </a:p>
       </dgm:t>
     </dgm:pt>
@@ -1612,6 +1602,273 @@
       </dgm:t>
     </dgm:pt>
     <dgm:pt modelId="{138CE10B-CCED-461F-A3F1-69FB909AFAC5}" type="sibTrans" cxnId="{646B9DBD-0259-4CE2-B5F3-D1032372AE40}">
+      <dgm:prSet/>
+      <dgm:spPr/>
+      <dgm:t>
+        <a:bodyPr/>
+        <a:lstStyle/>
+        <a:p>
+          <a:pPr latinLnBrk="1"/>
+          <a:endParaRPr lang="ko-KR" altLang="en-US"/>
+        </a:p>
+      </dgm:t>
+    </dgm:pt>
+    <dgm:pt modelId="{DF1A3AF6-50F5-463A-AEF4-2D935D71619D}" type="asst">
+      <dgm:prSet/>
+      <dgm:spPr/>
+      <dgm:t>
+        <a:bodyPr/>
+        <a:lstStyle/>
+        <a:p>
+          <a:pPr latinLnBrk="1"/>
+          <a:r>
+            <a:rPr lang="ko-KR" altLang="en-US" dirty="0"/>
+            <a:t>생산계획등록</a:t>
+          </a:r>
+        </a:p>
+      </dgm:t>
+    </dgm:pt>
+    <dgm:pt modelId="{CD9CE27C-FE93-4C71-9EC7-913BE4C5EC34}" type="parTrans" cxnId="{7BF0CA59-CF85-40AD-845F-33D06DF88D98}">
+      <dgm:prSet/>
+      <dgm:spPr/>
+      <dgm:t>
+        <a:bodyPr/>
+        <a:lstStyle/>
+        <a:p>
+          <a:pPr latinLnBrk="1"/>
+          <a:endParaRPr lang="ko-KR" altLang="en-US"/>
+        </a:p>
+      </dgm:t>
+    </dgm:pt>
+    <dgm:pt modelId="{859352B7-96B3-4179-8F42-019602426E9C}" type="sibTrans" cxnId="{7BF0CA59-CF85-40AD-845F-33D06DF88D98}">
+      <dgm:prSet/>
+      <dgm:spPr/>
+      <dgm:t>
+        <a:bodyPr/>
+        <a:lstStyle/>
+        <a:p>
+          <a:pPr latinLnBrk="1"/>
+          <a:endParaRPr lang="ko-KR" altLang="en-US"/>
+        </a:p>
+      </dgm:t>
+    </dgm:pt>
+    <dgm:pt modelId="{8CA719FC-2911-480C-BC34-7EC26187DC68}" type="asst">
+      <dgm:prSet/>
+      <dgm:spPr/>
+      <dgm:t>
+        <a:bodyPr/>
+        <a:lstStyle/>
+        <a:p>
+          <a:pPr latinLnBrk="1"/>
+          <a:r>
+            <a:rPr lang="ko-KR" altLang="en-US" dirty="0"/>
+            <a:t>생산계획리스트</a:t>
+          </a:r>
+          <a:r>
+            <a:rPr lang="en-US" altLang="ko-KR" dirty="0"/>
+            <a:t>/</a:t>
+          </a:r>
+          <a:r>
+            <a:rPr lang="ko-KR" altLang="en-US" dirty="0"/>
+            <a:t>수정</a:t>
+          </a:r>
+          <a:r>
+            <a:rPr lang="en-US" altLang="ko-KR" dirty="0"/>
+            <a:t>/</a:t>
+          </a:r>
+          <a:r>
+            <a:rPr lang="ko-KR" altLang="en-US"/>
+            <a:t>삭제</a:t>
+          </a:r>
+          <a:endParaRPr lang="ko-KR" altLang="en-US" dirty="0"/>
+        </a:p>
+      </dgm:t>
+    </dgm:pt>
+    <dgm:pt modelId="{A664D413-2EF5-4CAD-958E-C63737A9BF78}" type="parTrans" cxnId="{6279347F-8B14-4774-A398-948954889659}">
+      <dgm:prSet/>
+      <dgm:spPr/>
+      <dgm:t>
+        <a:bodyPr/>
+        <a:lstStyle/>
+        <a:p>
+          <a:pPr latinLnBrk="1"/>
+          <a:endParaRPr lang="ko-KR" altLang="en-US"/>
+        </a:p>
+      </dgm:t>
+    </dgm:pt>
+    <dgm:pt modelId="{51152E74-B46D-43C0-B8E9-C197DA1FF8F2}" type="sibTrans" cxnId="{6279347F-8B14-4774-A398-948954889659}">
+      <dgm:prSet/>
+      <dgm:spPr/>
+      <dgm:t>
+        <a:bodyPr/>
+        <a:lstStyle/>
+        <a:p>
+          <a:pPr latinLnBrk="1"/>
+          <a:endParaRPr lang="ko-KR" altLang="en-US"/>
+        </a:p>
+      </dgm:t>
+    </dgm:pt>
+    <dgm:pt modelId="{14CFB7FE-B7D5-4174-A5C9-2CD166F565B5}" type="asst">
+      <dgm:prSet/>
+      <dgm:spPr/>
+      <dgm:t>
+        <a:bodyPr/>
+        <a:lstStyle/>
+        <a:p>
+          <a:pPr latinLnBrk="1"/>
+          <a:r>
+            <a:rPr lang="ko-KR" altLang="en-US" dirty="0"/>
+            <a:t>모델</a:t>
+          </a:r>
+        </a:p>
+      </dgm:t>
+    </dgm:pt>
+    <dgm:pt modelId="{CA33EB46-F688-4E97-AF6B-82B7361785A8}" type="parTrans" cxnId="{F585653E-93D9-4F56-8F69-6FB449DD75E5}">
+      <dgm:prSet/>
+      <dgm:spPr/>
+      <dgm:t>
+        <a:bodyPr/>
+        <a:lstStyle/>
+        <a:p>
+          <a:pPr latinLnBrk="1"/>
+          <a:endParaRPr lang="ko-KR" altLang="en-US"/>
+        </a:p>
+      </dgm:t>
+    </dgm:pt>
+    <dgm:pt modelId="{C0867024-991F-4B73-B98C-A950CCDB14D4}" type="sibTrans" cxnId="{F585653E-93D9-4F56-8F69-6FB449DD75E5}">
+      <dgm:prSet/>
+      <dgm:spPr/>
+      <dgm:t>
+        <a:bodyPr/>
+        <a:lstStyle/>
+        <a:p>
+          <a:pPr latinLnBrk="1"/>
+          <a:endParaRPr lang="ko-KR" altLang="en-US"/>
+        </a:p>
+      </dgm:t>
+    </dgm:pt>
+    <dgm:pt modelId="{6DF35FE7-86CD-4796-AC55-60EA5D1DC9E4}" type="asst">
+      <dgm:prSet/>
+      <dgm:spPr/>
+      <dgm:t>
+        <a:bodyPr/>
+        <a:lstStyle/>
+        <a:p>
+          <a:pPr latinLnBrk="1"/>
+          <a:r>
+            <a:rPr lang="ko-KR" altLang="en-US" dirty="0"/>
+            <a:t>모델등록</a:t>
+          </a:r>
+        </a:p>
+      </dgm:t>
+    </dgm:pt>
+    <dgm:pt modelId="{8663B287-7D89-419B-B1E7-2542C5370C35}" type="parTrans" cxnId="{2C9EE4CC-DCBF-4A48-897C-5BAE4DEEBD66}">
+      <dgm:prSet/>
+      <dgm:spPr/>
+      <dgm:t>
+        <a:bodyPr/>
+        <a:lstStyle/>
+        <a:p>
+          <a:pPr latinLnBrk="1"/>
+          <a:endParaRPr lang="ko-KR" altLang="en-US"/>
+        </a:p>
+      </dgm:t>
+    </dgm:pt>
+    <dgm:pt modelId="{116C8B49-9B68-4ECC-9ADE-80850FF0A776}" type="sibTrans" cxnId="{2C9EE4CC-DCBF-4A48-897C-5BAE4DEEBD66}">
+      <dgm:prSet/>
+      <dgm:spPr/>
+      <dgm:t>
+        <a:bodyPr/>
+        <a:lstStyle/>
+        <a:p>
+          <a:pPr latinLnBrk="1"/>
+          <a:endParaRPr lang="ko-KR" altLang="en-US"/>
+        </a:p>
+      </dgm:t>
+    </dgm:pt>
+    <dgm:pt modelId="{50648854-8A34-47D3-8171-BF7E6FDD5089}" type="asst">
+      <dgm:prSet/>
+      <dgm:spPr/>
+      <dgm:t>
+        <a:bodyPr/>
+        <a:lstStyle/>
+        <a:p>
+          <a:pPr latinLnBrk="1"/>
+          <a:r>
+            <a:rPr lang="ko-KR" altLang="en-US" dirty="0"/>
+            <a:t>모델리스트</a:t>
+          </a:r>
+          <a:r>
+            <a:rPr lang="en-US" altLang="ko-KR" dirty="0"/>
+            <a:t>/</a:t>
+          </a:r>
+          <a:r>
+            <a:rPr lang="ko-KR" altLang="en-US" dirty="0"/>
+            <a:t>수정</a:t>
+          </a:r>
+          <a:r>
+            <a:rPr lang="en-US" altLang="ko-KR" dirty="0"/>
+            <a:t>/</a:t>
+          </a:r>
+          <a:r>
+            <a:rPr lang="ko-KR" altLang="en-US" dirty="0"/>
+            <a:t>삭제</a:t>
+          </a:r>
+        </a:p>
+      </dgm:t>
+    </dgm:pt>
+    <dgm:pt modelId="{54C570DF-09C3-47DC-AE41-8ADF35B4EF1C}" type="parTrans" cxnId="{8CDAE316-E54A-4F3D-8151-279DAB018BF7}">
+      <dgm:prSet/>
+      <dgm:spPr/>
+      <dgm:t>
+        <a:bodyPr/>
+        <a:lstStyle/>
+        <a:p>
+          <a:pPr latinLnBrk="1"/>
+          <a:endParaRPr lang="ko-KR" altLang="en-US"/>
+        </a:p>
+      </dgm:t>
+    </dgm:pt>
+    <dgm:pt modelId="{445616F0-9FE5-42FE-9111-F91AC7E35B1F}" type="sibTrans" cxnId="{8CDAE316-E54A-4F3D-8151-279DAB018BF7}">
+      <dgm:prSet/>
+      <dgm:spPr/>
+      <dgm:t>
+        <a:bodyPr/>
+        <a:lstStyle/>
+        <a:p>
+          <a:pPr latinLnBrk="1"/>
+          <a:endParaRPr lang="ko-KR" altLang="en-US"/>
+        </a:p>
+      </dgm:t>
+    </dgm:pt>
+    <dgm:pt modelId="{6D3871C6-B296-41A9-BC0E-18422C766D12}">
+      <dgm:prSet/>
+      <dgm:spPr/>
+      <dgm:t>
+        <a:bodyPr/>
+        <a:lstStyle/>
+        <a:p>
+          <a:pPr latinLnBrk="1"/>
+          <a:r>
+            <a:rPr lang="ko-KR" altLang="en-US" dirty="0"/>
+            <a:t>자재등록</a:t>
+          </a:r>
+        </a:p>
+      </dgm:t>
+    </dgm:pt>
+    <dgm:pt modelId="{E828E7FE-F4D8-46A1-B580-D9111C8475EA}" type="parTrans" cxnId="{55C4E928-ED1A-4126-9F6D-EC258D98809E}">
+      <dgm:prSet/>
+      <dgm:spPr/>
+      <dgm:t>
+        <a:bodyPr/>
+        <a:lstStyle/>
+        <a:p>
+          <a:pPr latinLnBrk="1"/>
+          <a:endParaRPr lang="ko-KR" altLang="en-US"/>
+        </a:p>
+      </dgm:t>
+    </dgm:pt>
+    <dgm:pt modelId="{6A985CEB-0B7C-4579-A274-EBD5CA4784A8}" type="sibTrans" cxnId="{55C4E928-ED1A-4126-9F6D-EC258D98809E}">
       <dgm:prSet/>
       <dgm:spPr/>
       <dgm:t>
@@ -1672,7 +1929,7 @@
       <dgm:spPr/>
     </dgm:pt>
     <dgm:pt modelId="{89A5000A-F279-4F1B-8223-3A1CBE420DF3}" type="pres">
-      <dgm:prSet presAssocID="{2FEE19C4-3BBF-4CFB-AD05-F4B509F10897}" presName="background2" presStyleLbl="asst1" presStyleIdx="0" presStyleCnt="2"/>
+      <dgm:prSet presAssocID="{2FEE19C4-3BBF-4CFB-AD05-F4B509F10897}" presName="background2" presStyleLbl="asst1" presStyleIdx="0" presStyleCnt="7"/>
       <dgm:spPr/>
     </dgm:pt>
     <dgm:pt modelId="{AC5D7C16-21F9-42AF-A36E-0F3A312EED80}" type="pres">
@@ -1688,7 +1945,7 @@
       <dgm:spPr/>
     </dgm:pt>
     <dgm:pt modelId="{9DC5588A-5883-49D2-8D6D-840DB86485AB}" type="pres">
-      <dgm:prSet presAssocID="{D7DA7012-75ED-43B8-B465-5FE983035EFD}" presName="Name17" presStyleLbl="parChTrans1D3" presStyleIdx="0" presStyleCnt="10"/>
+      <dgm:prSet presAssocID="{D7DA7012-75ED-43B8-B465-5FE983035EFD}" presName="Name17" presStyleLbl="parChTrans1D3" presStyleIdx="0" presStyleCnt="12"/>
       <dgm:spPr/>
     </dgm:pt>
     <dgm:pt modelId="{AE9CD898-ABAF-4F85-BF12-A39E9FEDC4DB}" type="pres">
@@ -1700,27 +1957,159 @@
       <dgm:spPr/>
     </dgm:pt>
     <dgm:pt modelId="{3BDADE08-40D6-4DE2-80F9-79871033E79A}" type="pres">
-      <dgm:prSet presAssocID="{914FD2D3-607E-4004-A2FF-678EDCE11748}" presName="background3" presStyleLbl="asst1" presStyleIdx="1" presStyleCnt="2"/>
+      <dgm:prSet presAssocID="{914FD2D3-607E-4004-A2FF-678EDCE11748}" presName="background3" presStyleLbl="asst1" presStyleIdx="1" presStyleCnt="7"/>
       <dgm:spPr/>
     </dgm:pt>
     <dgm:pt modelId="{8B2F7509-A30D-4B02-AE8E-BD3F185691A2}" type="pres">
-      <dgm:prSet presAssocID="{914FD2D3-607E-4004-A2FF-678EDCE11748}" presName="text3" presStyleLbl="fgAcc3" presStyleIdx="0" presStyleCnt="10">
+      <dgm:prSet presAssocID="{914FD2D3-607E-4004-A2FF-678EDCE11748}" presName="text3" presStyleLbl="fgAcc3" presStyleIdx="0" presStyleCnt="12">
         <dgm:presLayoutVars>
           <dgm:chPref val="3"/>
         </dgm:presLayoutVars>
       </dgm:prSet>
       <dgm:spPr/>
-      <dgm:t>
-        <a:bodyPr/>
-        <a:lstStyle/>
-        <a:p>
-          <a:pPr latinLnBrk="1"/>
-          <a:endParaRPr lang="ko-KR" altLang="en-US"/>
-        </a:p>
-      </dgm:t>
     </dgm:pt>
     <dgm:pt modelId="{0A126775-2256-4CA0-A833-83A9710553DC}" type="pres">
       <dgm:prSet presAssocID="{914FD2D3-607E-4004-A2FF-678EDCE11748}" presName="hierChild4" presStyleCnt="0"/>
+      <dgm:spPr/>
+    </dgm:pt>
+    <dgm:pt modelId="{38F8BB8D-C575-48C7-A3F7-183D9633E7EE}" type="pres">
+      <dgm:prSet presAssocID="{CD9CE27C-FE93-4C71-9EC7-913BE4C5EC34}" presName="Name23" presStyleLbl="parChTrans1D4" presStyleIdx="0" presStyleCnt="4"/>
+      <dgm:spPr/>
+    </dgm:pt>
+    <dgm:pt modelId="{CA142485-30DE-4306-AB88-3821E4861F80}" type="pres">
+      <dgm:prSet presAssocID="{DF1A3AF6-50F5-463A-AEF4-2D935D71619D}" presName="hierRoot4" presStyleCnt="0"/>
+      <dgm:spPr/>
+    </dgm:pt>
+    <dgm:pt modelId="{4957B508-70DC-4B2A-9C41-9AB017D01242}" type="pres">
+      <dgm:prSet presAssocID="{DF1A3AF6-50F5-463A-AEF4-2D935D71619D}" presName="composite4" presStyleCnt="0"/>
+      <dgm:spPr/>
+    </dgm:pt>
+    <dgm:pt modelId="{F449993B-E4F8-4B97-8341-02F61FC3FFCB}" type="pres">
+      <dgm:prSet presAssocID="{DF1A3AF6-50F5-463A-AEF4-2D935D71619D}" presName="background4" presStyleLbl="asst1" presStyleIdx="2" presStyleCnt="7"/>
+      <dgm:spPr/>
+    </dgm:pt>
+    <dgm:pt modelId="{F0B4D1F3-EB23-495C-B2C2-169E996FE538}" type="pres">
+      <dgm:prSet presAssocID="{DF1A3AF6-50F5-463A-AEF4-2D935D71619D}" presName="text4" presStyleLbl="fgAcc4" presStyleIdx="0" presStyleCnt="4">
+        <dgm:presLayoutVars>
+          <dgm:chPref val="3"/>
+        </dgm:presLayoutVars>
+      </dgm:prSet>
+      <dgm:spPr/>
+    </dgm:pt>
+    <dgm:pt modelId="{12DFCEFD-846D-4B7B-A1C3-E3CD5E13311A}" type="pres">
+      <dgm:prSet presAssocID="{DF1A3AF6-50F5-463A-AEF4-2D935D71619D}" presName="hierChild5" presStyleCnt="0"/>
+      <dgm:spPr/>
+    </dgm:pt>
+    <dgm:pt modelId="{E280A1DC-80DF-4849-BACF-1DAFB6CDEFFD}" type="pres">
+      <dgm:prSet presAssocID="{A664D413-2EF5-4CAD-958E-C63737A9BF78}" presName="Name23" presStyleLbl="parChTrans1D4" presStyleIdx="1" presStyleCnt="4"/>
+      <dgm:spPr/>
+    </dgm:pt>
+    <dgm:pt modelId="{D8166764-E1DB-46DA-952F-E8CB33992056}" type="pres">
+      <dgm:prSet presAssocID="{8CA719FC-2911-480C-BC34-7EC26187DC68}" presName="hierRoot4" presStyleCnt="0"/>
+      <dgm:spPr/>
+    </dgm:pt>
+    <dgm:pt modelId="{EFF90E09-2C2D-4A12-82E7-D613FFF555A1}" type="pres">
+      <dgm:prSet presAssocID="{8CA719FC-2911-480C-BC34-7EC26187DC68}" presName="composite4" presStyleCnt="0"/>
+      <dgm:spPr/>
+    </dgm:pt>
+    <dgm:pt modelId="{05E6674E-4F02-428F-88B1-8F3958632352}" type="pres">
+      <dgm:prSet presAssocID="{8CA719FC-2911-480C-BC34-7EC26187DC68}" presName="background4" presStyleLbl="asst1" presStyleIdx="3" presStyleCnt="7"/>
+      <dgm:spPr/>
+    </dgm:pt>
+    <dgm:pt modelId="{FA590CD4-2D86-4DB2-A8A0-B78730BFE435}" type="pres">
+      <dgm:prSet presAssocID="{8CA719FC-2911-480C-BC34-7EC26187DC68}" presName="text4" presStyleLbl="fgAcc4" presStyleIdx="1" presStyleCnt="4">
+        <dgm:presLayoutVars>
+          <dgm:chPref val="3"/>
+        </dgm:presLayoutVars>
+      </dgm:prSet>
+      <dgm:spPr/>
+    </dgm:pt>
+    <dgm:pt modelId="{40B434F5-F97F-4BB1-A051-84010ECD1245}" type="pres">
+      <dgm:prSet presAssocID="{8CA719FC-2911-480C-BC34-7EC26187DC68}" presName="hierChild5" presStyleCnt="0"/>
+      <dgm:spPr/>
+    </dgm:pt>
+    <dgm:pt modelId="{86EB4D52-255A-4F70-9774-21804A668D4A}" type="pres">
+      <dgm:prSet presAssocID="{CA33EB46-F688-4E97-AF6B-82B7361785A8}" presName="Name17" presStyleLbl="parChTrans1D3" presStyleIdx="1" presStyleCnt="12"/>
+      <dgm:spPr/>
+    </dgm:pt>
+    <dgm:pt modelId="{C8FA9CB2-A184-4425-92F2-6124B0A4D1D5}" type="pres">
+      <dgm:prSet presAssocID="{14CFB7FE-B7D5-4174-A5C9-2CD166F565B5}" presName="hierRoot3" presStyleCnt="0"/>
+      <dgm:spPr/>
+    </dgm:pt>
+    <dgm:pt modelId="{818ACF40-ABA1-4D83-8E11-7A97AA2872F6}" type="pres">
+      <dgm:prSet presAssocID="{14CFB7FE-B7D5-4174-A5C9-2CD166F565B5}" presName="composite3" presStyleCnt="0"/>
+      <dgm:spPr/>
+    </dgm:pt>
+    <dgm:pt modelId="{9090626E-DD99-48CC-9FF5-8A3A8E42DC8A}" type="pres">
+      <dgm:prSet presAssocID="{14CFB7FE-B7D5-4174-A5C9-2CD166F565B5}" presName="background3" presStyleLbl="asst1" presStyleIdx="4" presStyleCnt="7"/>
+      <dgm:spPr/>
+    </dgm:pt>
+    <dgm:pt modelId="{FEE25C1A-4262-4C2A-932A-76A1C33ED343}" type="pres">
+      <dgm:prSet presAssocID="{14CFB7FE-B7D5-4174-A5C9-2CD166F565B5}" presName="text3" presStyleLbl="fgAcc3" presStyleIdx="1" presStyleCnt="12">
+        <dgm:presLayoutVars>
+          <dgm:chPref val="3"/>
+        </dgm:presLayoutVars>
+      </dgm:prSet>
+      <dgm:spPr/>
+    </dgm:pt>
+    <dgm:pt modelId="{9A5EED4D-0585-491C-9547-362B45ED6B53}" type="pres">
+      <dgm:prSet presAssocID="{14CFB7FE-B7D5-4174-A5C9-2CD166F565B5}" presName="hierChild4" presStyleCnt="0"/>
+      <dgm:spPr/>
+    </dgm:pt>
+    <dgm:pt modelId="{704C047F-5BA0-4C0B-9CA8-ADA19FEE9351}" type="pres">
+      <dgm:prSet presAssocID="{8663B287-7D89-419B-B1E7-2542C5370C35}" presName="Name23" presStyleLbl="parChTrans1D4" presStyleIdx="2" presStyleCnt="4"/>
+      <dgm:spPr/>
+    </dgm:pt>
+    <dgm:pt modelId="{F8D64C43-996C-479C-8602-899B142C0FB0}" type="pres">
+      <dgm:prSet presAssocID="{6DF35FE7-86CD-4796-AC55-60EA5D1DC9E4}" presName="hierRoot4" presStyleCnt="0"/>
+      <dgm:spPr/>
+    </dgm:pt>
+    <dgm:pt modelId="{D6C1C859-23EC-4D01-83EC-E6E079882A33}" type="pres">
+      <dgm:prSet presAssocID="{6DF35FE7-86CD-4796-AC55-60EA5D1DC9E4}" presName="composite4" presStyleCnt="0"/>
+      <dgm:spPr/>
+    </dgm:pt>
+    <dgm:pt modelId="{E431432C-B420-4D44-9A9D-BA8DA5CCF827}" type="pres">
+      <dgm:prSet presAssocID="{6DF35FE7-86CD-4796-AC55-60EA5D1DC9E4}" presName="background4" presStyleLbl="asst1" presStyleIdx="5" presStyleCnt="7"/>
+      <dgm:spPr/>
+    </dgm:pt>
+    <dgm:pt modelId="{5FECA2E8-0A61-4ECE-9282-073F2BD14672}" type="pres">
+      <dgm:prSet presAssocID="{6DF35FE7-86CD-4796-AC55-60EA5D1DC9E4}" presName="text4" presStyleLbl="fgAcc4" presStyleIdx="2" presStyleCnt="4">
+        <dgm:presLayoutVars>
+          <dgm:chPref val="3"/>
+        </dgm:presLayoutVars>
+      </dgm:prSet>
+      <dgm:spPr/>
+    </dgm:pt>
+    <dgm:pt modelId="{23AC6BA7-ACA9-4C44-B5FF-5C8D138CCE46}" type="pres">
+      <dgm:prSet presAssocID="{6DF35FE7-86CD-4796-AC55-60EA5D1DC9E4}" presName="hierChild5" presStyleCnt="0"/>
+      <dgm:spPr/>
+    </dgm:pt>
+    <dgm:pt modelId="{CF2B28C1-5DA7-49C7-83F5-EB9100C583DA}" type="pres">
+      <dgm:prSet presAssocID="{54C570DF-09C3-47DC-AE41-8ADF35B4EF1C}" presName="Name23" presStyleLbl="parChTrans1D4" presStyleIdx="3" presStyleCnt="4"/>
+      <dgm:spPr/>
+    </dgm:pt>
+    <dgm:pt modelId="{5D503C2D-2F51-42CF-A973-83675196AE8B}" type="pres">
+      <dgm:prSet presAssocID="{50648854-8A34-47D3-8171-BF7E6FDD5089}" presName="hierRoot4" presStyleCnt="0"/>
+      <dgm:spPr/>
+    </dgm:pt>
+    <dgm:pt modelId="{78493BE0-EED4-4EBE-91A7-23E9C87D5177}" type="pres">
+      <dgm:prSet presAssocID="{50648854-8A34-47D3-8171-BF7E6FDD5089}" presName="composite4" presStyleCnt="0"/>
+      <dgm:spPr/>
+    </dgm:pt>
+    <dgm:pt modelId="{F99EA833-25C6-487F-9068-D28C030892D2}" type="pres">
+      <dgm:prSet presAssocID="{50648854-8A34-47D3-8171-BF7E6FDD5089}" presName="background4" presStyleLbl="asst1" presStyleIdx="6" presStyleCnt="7"/>
+      <dgm:spPr/>
+    </dgm:pt>
+    <dgm:pt modelId="{E0EA8EB7-6078-421D-9CD9-E92EE822901E}" type="pres">
+      <dgm:prSet presAssocID="{50648854-8A34-47D3-8171-BF7E6FDD5089}" presName="text4" presStyleLbl="fgAcc4" presStyleIdx="3" presStyleCnt="4">
+        <dgm:presLayoutVars>
+          <dgm:chPref val="3"/>
+        </dgm:presLayoutVars>
+      </dgm:prSet>
+      <dgm:spPr/>
+    </dgm:pt>
+    <dgm:pt modelId="{922488C2-A347-49D6-B60D-A39D8ECFDD24}" type="pres">
+      <dgm:prSet presAssocID="{50648854-8A34-47D3-8171-BF7E6FDD5089}" presName="hierChild5" presStyleCnt="0"/>
       <dgm:spPr/>
     </dgm:pt>
     <dgm:pt modelId="{0CD5A9FB-3B7B-4304-84AE-6DF831AF9E1D}" type="pres">
@@ -1752,7 +2141,7 @@
       <dgm:spPr/>
     </dgm:pt>
     <dgm:pt modelId="{CAA09CAF-474D-439A-86E8-D71ED59BB24C}" type="pres">
-      <dgm:prSet presAssocID="{D0065ACB-B499-427F-B5E5-7829EEEDC30C}" presName="Name17" presStyleLbl="parChTrans1D3" presStyleIdx="1" presStyleCnt="10"/>
+      <dgm:prSet presAssocID="{D0065ACB-B499-427F-B5E5-7829EEEDC30C}" presName="Name17" presStyleLbl="parChTrans1D3" presStyleIdx="2" presStyleCnt="12"/>
       <dgm:spPr/>
     </dgm:pt>
     <dgm:pt modelId="{A15BA70F-A4EA-4737-85E1-FD39BFEF0F09}" type="pres">
@@ -1764,11 +2153,11 @@
       <dgm:spPr/>
     </dgm:pt>
     <dgm:pt modelId="{175443DB-84C0-44B0-A029-1674EE9E105A}" type="pres">
-      <dgm:prSet presAssocID="{0235110F-8AEE-4E0A-B8D5-7D72A4DA5AB2}" presName="background3" presStyleLbl="node3" presStyleIdx="0" presStyleCnt="9"/>
+      <dgm:prSet presAssocID="{0235110F-8AEE-4E0A-B8D5-7D72A4DA5AB2}" presName="background3" presStyleLbl="node3" presStyleIdx="0" presStyleCnt="10"/>
       <dgm:spPr/>
     </dgm:pt>
     <dgm:pt modelId="{88271803-7D4A-4CAE-8BB6-6A8D2EAF122B}" type="pres">
-      <dgm:prSet presAssocID="{0235110F-8AEE-4E0A-B8D5-7D72A4DA5AB2}" presName="text3" presStyleLbl="fgAcc3" presStyleIdx="1" presStyleCnt="10">
+      <dgm:prSet presAssocID="{0235110F-8AEE-4E0A-B8D5-7D72A4DA5AB2}" presName="text3" presStyleLbl="fgAcc3" presStyleIdx="2" presStyleCnt="12">
         <dgm:presLayoutVars>
           <dgm:chPref val="3"/>
         </dgm:presLayoutVars>
@@ -1780,7 +2169,7 @@
       <dgm:spPr/>
     </dgm:pt>
     <dgm:pt modelId="{22A8501F-CF23-4D10-B905-5E57EA319681}" type="pres">
-      <dgm:prSet presAssocID="{02D8234E-02AD-4C5A-B58B-E4FBB41B7787}" presName="Name17" presStyleLbl="parChTrans1D3" presStyleIdx="2" presStyleCnt="10"/>
+      <dgm:prSet presAssocID="{02D8234E-02AD-4C5A-B58B-E4FBB41B7787}" presName="Name17" presStyleLbl="parChTrans1D3" presStyleIdx="3" presStyleCnt="12"/>
       <dgm:spPr/>
     </dgm:pt>
     <dgm:pt modelId="{26F6A592-9899-4396-8319-8B70B68DE140}" type="pres">
@@ -1792,11 +2181,11 @@
       <dgm:spPr/>
     </dgm:pt>
     <dgm:pt modelId="{8DC1F1E2-0C1B-4F47-8159-38B71F4A63BA}" type="pres">
-      <dgm:prSet presAssocID="{011E7FEF-B2CE-4191-B554-43B869D969A1}" presName="background3" presStyleLbl="node3" presStyleIdx="1" presStyleCnt="9"/>
+      <dgm:prSet presAssocID="{011E7FEF-B2CE-4191-B554-43B869D969A1}" presName="background3" presStyleLbl="node3" presStyleIdx="1" presStyleCnt="10"/>
       <dgm:spPr/>
     </dgm:pt>
     <dgm:pt modelId="{699FF6EA-1756-46EA-9FEF-2C06CA739277}" type="pres">
-      <dgm:prSet presAssocID="{011E7FEF-B2CE-4191-B554-43B869D969A1}" presName="text3" presStyleLbl="fgAcc3" presStyleIdx="2" presStyleCnt="10">
+      <dgm:prSet presAssocID="{011E7FEF-B2CE-4191-B554-43B869D969A1}" presName="text3" presStyleLbl="fgAcc3" presStyleIdx="3" presStyleCnt="12">
         <dgm:presLayoutVars>
           <dgm:chPref val="3"/>
         </dgm:presLayoutVars>
@@ -1830,21 +2219,13 @@
         </dgm:presLayoutVars>
       </dgm:prSet>
       <dgm:spPr/>
-      <dgm:t>
-        <a:bodyPr/>
-        <a:lstStyle/>
-        <a:p>
-          <a:pPr latinLnBrk="1"/>
-          <a:endParaRPr lang="ko-KR" altLang="en-US"/>
-        </a:p>
-      </dgm:t>
     </dgm:pt>
     <dgm:pt modelId="{2B11C35D-9297-4087-8396-B868B1A0F207}" type="pres">
       <dgm:prSet presAssocID="{1C0DD68F-DEAC-446B-A489-2409EBE901E3}" presName="hierChild3" presStyleCnt="0"/>
       <dgm:spPr/>
     </dgm:pt>
     <dgm:pt modelId="{3A2383FE-E520-4B03-8F7B-60635C056BED}" type="pres">
-      <dgm:prSet presAssocID="{D1DB9379-D82B-4D51-B567-1B904F322ABC}" presName="Name17" presStyleLbl="parChTrans1D3" presStyleIdx="3" presStyleCnt="10"/>
+      <dgm:prSet presAssocID="{D1DB9379-D82B-4D51-B567-1B904F322ABC}" presName="Name17" presStyleLbl="parChTrans1D3" presStyleIdx="4" presStyleCnt="12"/>
       <dgm:spPr/>
     </dgm:pt>
     <dgm:pt modelId="{67411EDB-705C-4432-9779-B477892091E1}" type="pres">
@@ -1856,11 +2237,11 @@
       <dgm:spPr/>
     </dgm:pt>
     <dgm:pt modelId="{C3235ABA-B8ED-419D-ACF6-B4C97A756770}" type="pres">
-      <dgm:prSet presAssocID="{CE6485AE-4E09-44C8-BB73-4101F36550E3}" presName="background3" presStyleLbl="node3" presStyleIdx="2" presStyleCnt="9"/>
+      <dgm:prSet presAssocID="{CE6485AE-4E09-44C8-BB73-4101F36550E3}" presName="background3" presStyleLbl="node3" presStyleIdx="2" presStyleCnt="10"/>
       <dgm:spPr/>
     </dgm:pt>
     <dgm:pt modelId="{B9F2E3C8-2D86-43F5-A4C0-8D3E84CDF505}" type="pres">
-      <dgm:prSet presAssocID="{CE6485AE-4E09-44C8-BB73-4101F36550E3}" presName="text3" presStyleLbl="fgAcc3" presStyleIdx="3" presStyleCnt="10">
+      <dgm:prSet presAssocID="{CE6485AE-4E09-44C8-BB73-4101F36550E3}" presName="text3" presStyleLbl="fgAcc3" presStyleIdx="4" presStyleCnt="12">
         <dgm:presLayoutVars>
           <dgm:chPref val="3"/>
         </dgm:presLayoutVars>
@@ -1869,6 +2250,34 @@
     </dgm:pt>
     <dgm:pt modelId="{703B0F66-07A4-4D06-A21D-653714C6B87D}" type="pres">
       <dgm:prSet presAssocID="{CE6485AE-4E09-44C8-BB73-4101F36550E3}" presName="hierChild4" presStyleCnt="0"/>
+      <dgm:spPr/>
+    </dgm:pt>
+    <dgm:pt modelId="{AE8C093D-DC03-471D-84A7-548CF18CA5E8}" type="pres">
+      <dgm:prSet presAssocID="{E828E7FE-F4D8-46A1-B580-D9111C8475EA}" presName="Name17" presStyleLbl="parChTrans1D3" presStyleIdx="5" presStyleCnt="12"/>
+      <dgm:spPr/>
+    </dgm:pt>
+    <dgm:pt modelId="{B074CA39-78F3-4685-96D6-6A267C43349B}" type="pres">
+      <dgm:prSet presAssocID="{6D3871C6-B296-41A9-BC0E-18422C766D12}" presName="hierRoot3" presStyleCnt="0"/>
+      <dgm:spPr/>
+    </dgm:pt>
+    <dgm:pt modelId="{6924BAD1-66DA-48FE-AF3C-AA5FD2016E95}" type="pres">
+      <dgm:prSet presAssocID="{6D3871C6-B296-41A9-BC0E-18422C766D12}" presName="composite3" presStyleCnt="0"/>
+      <dgm:spPr/>
+    </dgm:pt>
+    <dgm:pt modelId="{5F33A519-9AAC-45AD-BDB1-73B1CE3E54CC}" type="pres">
+      <dgm:prSet presAssocID="{6D3871C6-B296-41A9-BC0E-18422C766D12}" presName="background3" presStyleLbl="node3" presStyleIdx="3" presStyleCnt="10"/>
+      <dgm:spPr/>
+    </dgm:pt>
+    <dgm:pt modelId="{0A00F65D-AEBF-4A20-AD7E-104741C90AC8}" type="pres">
+      <dgm:prSet presAssocID="{6D3871C6-B296-41A9-BC0E-18422C766D12}" presName="text3" presStyleLbl="fgAcc3" presStyleIdx="5" presStyleCnt="12">
+        <dgm:presLayoutVars>
+          <dgm:chPref val="3"/>
+        </dgm:presLayoutVars>
+      </dgm:prSet>
+      <dgm:spPr/>
+    </dgm:pt>
+    <dgm:pt modelId="{FD8D1718-07E9-4E9B-8B14-072E02453175}" type="pres">
+      <dgm:prSet presAssocID="{6D3871C6-B296-41A9-BC0E-18422C766D12}" presName="hierChild4" presStyleCnt="0"/>
       <dgm:spPr/>
     </dgm:pt>
     <dgm:pt modelId="{A7B989AD-23A1-41C2-ABB8-B2E3E5DF4CF2}" type="pres">
@@ -1894,21 +2303,13 @@
         </dgm:presLayoutVars>
       </dgm:prSet>
       <dgm:spPr/>
-      <dgm:t>
-        <a:bodyPr/>
-        <a:lstStyle/>
-        <a:p>
-          <a:pPr latinLnBrk="1"/>
-          <a:endParaRPr lang="ko-KR" altLang="en-US"/>
-        </a:p>
-      </dgm:t>
     </dgm:pt>
     <dgm:pt modelId="{7CFE9069-D78F-431E-81EB-3EB516FF5ED9}" type="pres">
       <dgm:prSet presAssocID="{DEDE8A08-0C84-4882-A19B-97EE5980FADD}" presName="hierChild3" presStyleCnt="0"/>
       <dgm:spPr/>
     </dgm:pt>
     <dgm:pt modelId="{43734B93-4626-496F-8170-C81F107D70B5}" type="pres">
-      <dgm:prSet presAssocID="{A9CCEB1F-6946-4997-9B85-B63D800FE109}" presName="Name17" presStyleLbl="parChTrans1D3" presStyleIdx="4" presStyleCnt="10"/>
+      <dgm:prSet presAssocID="{A9CCEB1F-6946-4997-9B85-B63D800FE109}" presName="Name17" presStyleLbl="parChTrans1D3" presStyleIdx="6" presStyleCnt="12"/>
       <dgm:spPr/>
     </dgm:pt>
     <dgm:pt modelId="{0EFCFE07-B2ED-4156-9413-42599AAAFC64}" type="pres">
@@ -1920,11 +2321,11 @@
       <dgm:spPr/>
     </dgm:pt>
     <dgm:pt modelId="{20C06CC4-2FB4-4C67-BB61-AC453B1BE50C}" type="pres">
-      <dgm:prSet presAssocID="{38F1008E-9428-45A1-B444-995B558E14EC}" presName="background3" presStyleLbl="node3" presStyleIdx="3" presStyleCnt="9"/>
+      <dgm:prSet presAssocID="{38F1008E-9428-45A1-B444-995B558E14EC}" presName="background3" presStyleLbl="node3" presStyleIdx="4" presStyleCnt="10"/>
       <dgm:spPr/>
     </dgm:pt>
     <dgm:pt modelId="{4C0E51B6-CDE6-491E-A287-F778D0842043}" type="pres">
-      <dgm:prSet presAssocID="{38F1008E-9428-45A1-B444-995B558E14EC}" presName="text3" presStyleLbl="fgAcc3" presStyleIdx="4" presStyleCnt="10">
+      <dgm:prSet presAssocID="{38F1008E-9428-45A1-B444-995B558E14EC}" presName="text3" presStyleLbl="fgAcc3" presStyleIdx="6" presStyleCnt="12">
         <dgm:presLayoutVars>
           <dgm:chPref val="3"/>
         </dgm:presLayoutVars>
@@ -1964,7 +2365,7 @@
       <dgm:spPr/>
     </dgm:pt>
     <dgm:pt modelId="{45195FC4-E4F1-4B6C-980E-1A65755F4963}" type="pres">
-      <dgm:prSet presAssocID="{68D62F0B-833B-49DF-864A-71A6B9148FA3}" presName="Name17" presStyleLbl="parChTrans1D3" presStyleIdx="5" presStyleCnt="10"/>
+      <dgm:prSet presAssocID="{68D62F0B-833B-49DF-864A-71A6B9148FA3}" presName="Name17" presStyleLbl="parChTrans1D3" presStyleIdx="7" presStyleCnt="12"/>
       <dgm:spPr/>
     </dgm:pt>
     <dgm:pt modelId="{5175DE92-60DA-48CC-8EC8-6FB88724FB5F}" type="pres">
@@ -1976,11 +2377,11 @@
       <dgm:spPr/>
     </dgm:pt>
     <dgm:pt modelId="{DA7728D7-AA65-4AF8-AD83-5D75248614C5}" type="pres">
-      <dgm:prSet presAssocID="{F8632AE5-7E65-4B9B-97B1-5CF35BAFA569}" presName="background3" presStyleLbl="node3" presStyleIdx="4" presStyleCnt="9"/>
+      <dgm:prSet presAssocID="{F8632AE5-7E65-4B9B-97B1-5CF35BAFA569}" presName="background3" presStyleLbl="node3" presStyleIdx="5" presStyleCnt="10"/>
       <dgm:spPr/>
     </dgm:pt>
     <dgm:pt modelId="{5E27AEBE-2089-4E22-B07E-2FA75A291F5C}" type="pres">
-      <dgm:prSet presAssocID="{F8632AE5-7E65-4B9B-97B1-5CF35BAFA569}" presName="text3" presStyleLbl="fgAcc3" presStyleIdx="5" presStyleCnt="10">
+      <dgm:prSet presAssocID="{F8632AE5-7E65-4B9B-97B1-5CF35BAFA569}" presName="text3" presStyleLbl="fgAcc3" presStyleIdx="7" presStyleCnt="12">
         <dgm:presLayoutVars>
           <dgm:chPref val="3"/>
         </dgm:presLayoutVars>
@@ -1992,7 +2393,7 @@
       <dgm:spPr/>
     </dgm:pt>
     <dgm:pt modelId="{0A6C418C-2E66-410B-B889-22A44B5F7A3E}" type="pres">
-      <dgm:prSet presAssocID="{F47DC3B8-A50E-4F2B-8785-35C6E0D45EC4}" presName="Name17" presStyleLbl="parChTrans1D3" presStyleIdx="6" presStyleCnt="10"/>
+      <dgm:prSet presAssocID="{F47DC3B8-A50E-4F2B-8785-35C6E0D45EC4}" presName="Name17" presStyleLbl="parChTrans1D3" presStyleIdx="8" presStyleCnt="12"/>
       <dgm:spPr/>
     </dgm:pt>
     <dgm:pt modelId="{41CE647B-188A-4412-8E98-2544DBF88D92}" type="pres">
@@ -2004,31 +2405,23 @@
       <dgm:spPr/>
     </dgm:pt>
     <dgm:pt modelId="{462B18F6-2C2B-450C-98CF-15DA7E60BB81}" type="pres">
-      <dgm:prSet presAssocID="{45F593AC-AC76-4CBF-A09D-47C9CCD906B2}" presName="background3" presStyleLbl="node3" presStyleIdx="5" presStyleCnt="9"/>
+      <dgm:prSet presAssocID="{45F593AC-AC76-4CBF-A09D-47C9CCD906B2}" presName="background3" presStyleLbl="node3" presStyleIdx="6" presStyleCnt="10"/>
       <dgm:spPr/>
     </dgm:pt>
     <dgm:pt modelId="{0CF6F964-8836-4474-95C6-91DE64FA15C1}" type="pres">
-      <dgm:prSet presAssocID="{45F593AC-AC76-4CBF-A09D-47C9CCD906B2}" presName="text3" presStyleLbl="fgAcc3" presStyleIdx="6" presStyleCnt="10">
+      <dgm:prSet presAssocID="{45F593AC-AC76-4CBF-A09D-47C9CCD906B2}" presName="text3" presStyleLbl="fgAcc3" presStyleIdx="8" presStyleCnt="12">
         <dgm:presLayoutVars>
           <dgm:chPref val="3"/>
         </dgm:presLayoutVars>
       </dgm:prSet>
       <dgm:spPr/>
-      <dgm:t>
-        <a:bodyPr/>
-        <a:lstStyle/>
-        <a:p>
-          <a:pPr latinLnBrk="1"/>
-          <a:endParaRPr lang="ko-KR" altLang="en-US"/>
-        </a:p>
-      </dgm:t>
     </dgm:pt>
     <dgm:pt modelId="{47B1E1DF-CA56-4674-8111-D8C71BA48DFB}" type="pres">
       <dgm:prSet presAssocID="{45F593AC-AC76-4CBF-A09D-47C9CCD906B2}" presName="hierChild4" presStyleCnt="0"/>
       <dgm:spPr/>
     </dgm:pt>
     <dgm:pt modelId="{51D3A750-AE2A-4E2F-A0BC-1956872873CD}" type="pres">
-      <dgm:prSet presAssocID="{57F3DDED-E186-4D10-B4C6-8124E8FB783F}" presName="Name17" presStyleLbl="parChTrans1D3" presStyleIdx="7" presStyleCnt="10"/>
+      <dgm:prSet presAssocID="{57F3DDED-E186-4D10-B4C6-8124E8FB783F}" presName="Name17" presStyleLbl="parChTrans1D3" presStyleIdx="9" presStyleCnt="12"/>
       <dgm:spPr/>
     </dgm:pt>
     <dgm:pt modelId="{9232C010-7080-4844-A712-AEC6B61018C4}" type="pres">
@@ -2040,11 +2433,11 @@
       <dgm:spPr/>
     </dgm:pt>
     <dgm:pt modelId="{F5149346-3380-43D3-85EF-9A5FAF6883E5}" type="pres">
-      <dgm:prSet presAssocID="{44B71DCB-D098-44F6-88EE-08F9D509657C}" presName="background3" presStyleLbl="node3" presStyleIdx="6" presStyleCnt="9"/>
+      <dgm:prSet presAssocID="{44B71DCB-D098-44F6-88EE-08F9D509657C}" presName="background3" presStyleLbl="node3" presStyleIdx="7" presStyleCnt="10"/>
       <dgm:spPr/>
     </dgm:pt>
     <dgm:pt modelId="{B957DC59-D6F6-4FB6-A143-D1C418037A4D}" type="pres">
-      <dgm:prSet presAssocID="{44B71DCB-D098-44F6-88EE-08F9D509657C}" presName="text3" presStyleLbl="fgAcc3" presStyleIdx="7" presStyleCnt="10">
+      <dgm:prSet presAssocID="{44B71DCB-D098-44F6-88EE-08F9D509657C}" presName="text3" presStyleLbl="fgAcc3" presStyleIdx="9" presStyleCnt="12">
         <dgm:presLayoutVars>
           <dgm:chPref val="3"/>
         </dgm:presLayoutVars>
@@ -2078,21 +2471,13 @@
         </dgm:presLayoutVars>
       </dgm:prSet>
       <dgm:spPr/>
-      <dgm:t>
-        <a:bodyPr/>
-        <a:lstStyle/>
-        <a:p>
-          <a:pPr latinLnBrk="1"/>
-          <a:endParaRPr lang="ko-KR" altLang="en-US"/>
-        </a:p>
-      </dgm:t>
     </dgm:pt>
     <dgm:pt modelId="{D7730092-B849-411C-BC3E-DF1606539F32}" type="pres">
       <dgm:prSet presAssocID="{19FF198A-0597-4D06-8FDD-659F01DEAAB5}" presName="hierChild3" presStyleCnt="0"/>
       <dgm:spPr/>
     </dgm:pt>
     <dgm:pt modelId="{A34C44AE-7115-4D37-B143-B2B3DD150A59}" type="pres">
-      <dgm:prSet presAssocID="{0558896E-9629-4BFE-ACF9-E2B00356C037}" presName="Name17" presStyleLbl="parChTrans1D3" presStyleIdx="8" presStyleCnt="10"/>
+      <dgm:prSet presAssocID="{0558896E-9629-4BFE-ACF9-E2B00356C037}" presName="Name17" presStyleLbl="parChTrans1D3" presStyleIdx="10" presStyleCnt="12"/>
       <dgm:spPr/>
     </dgm:pt>
     <dgm:pt modelId="{F3AA2DD4-A515-46F4-A793-B58FBCFC7B65}" type="pres">
@@ -2104,11 +2489,11 @@
       <dgm:spPr/>
     </dgm:pt>
     <dgm:pt modelId="{8F429A0C-94C5-4EF4-9595-11FF22BD4C27}" type="pres">
-      <dgm:prSet presAssocID="{6C5C0BBE-3DFD-4512-A1FD-A8D889E5A003}" presName="background3" presStyleLbl="node3" presStyleIdx="7" presStyleCnt="9"/>
+      <dgm:prSet presAssocID="{6C5C0BBE-3DFD-4512-A1FD-A8D889E5A003}" presName="background3" presStyleLbl="node3" presStyleIdx="8" presStyleCnt="10"/>
       <dgm:spPr/>
     </dgm:pt>
     <dgm:pt modelId="{CC76AA8D-EDFD-4F00-A123-CCD1459F2D9C}" type="pres">
-      <dgm:prSet presAssocID="{6C5C0BBE-3DFD-4512-A1FD-A8D889E5A003}" presName="text3" presStyleLbl="fgAcc3" presStyleIdx="8" presStyleCnt="10">
+      <dgm:prSet presAssocID="{6C5C0BBE-3DFD-4512-A1FD-A8D889E5A003}" presName="text3" presStyleLbl="fgAcc3" presStyleIdx="10" presStyleCnt="12">
         <dgm:presLayoutVars>
           <dgm:chPref val="3"/>
         </dgm:presLayoutVars>
@@ -2148,7 +2533,7 @@
       <dgm:spPr/>
     </dgm:pt>
     <dgm:pt modelId="{BE2D6E08-6A30-410F-833B-D6E7D0073F8F}" type="pres">
-      <dgm:prSet presAssocID="{CC12A82C-2567-4AA7-8502-4C67B0730E74}" presName="Name17" presStyleLbl="parChTrans1D3" presStyleIdx="9" presStyleCnt="10"/>
+      <dgm:prSet presAssocID="{CC12A82C-2567-4AA7-8502-4C67B0730E74}" presName="Name17" presStyleLbl="parChTrans1D3" presStyleIdx="11" presStyleCnt="12"/>
       <dgm:spPr/>
     </dgm:pt>
     <dgm:pt modelId="{9F40CE06-5FEF-4197-B9B5-BD44979B1D93}" type="pres">
@@ -2160,11 +2545,11 @@
       <dgm:spPr/>
     </dgm:pt>
     <dgm:pt modelId="{07FEA034-3218-43A1-AEBC-16BA0C4BDB1D}" type="pres">
-      <dgm:prSet presAssocID="{8C7EDF22-03AD-4916-9672-E1987838D8F7}" presName="background3" presStyleLbl="node3" presStyleIdx="8" presStyleCnt="9"/>
+      <dgm:prSet presAssocID="{8C7EDF22-03AD-4916-9672-E1987838D8F7}" presName="background3" presStyleLbl="node3" presStyleIdx="9" presStyleCnt="10"/>
       <dgm:spPr/>
     </dgm:pt>
     <dgm:pt modelId="{0A8DA80C-05EA-4675-92CC-51D75EC8B01C}" type="pres">
-      <dgm:prSet presAssocID="{8C7EDF22-03AD-4916-9672-E1987838D8F7}" presName="text3" presStyleLbl="fgAcc3" presStyleIdx="9" presStyleCnt="10">
+      <dgm:prSet presAssocID="{8C7EDF22-03AD-4916-9672-E1987838D8F7}" presName="text3" presStyleLbl="fgAcc3" presStyleIdx="11" presStyleCnt="12">
         <dgm:presLayoutVars>
           <dgm:chPref val="3"/>
         </dgm:presLayoutVars>
@@ -2177,60 +2562,78 @@
     </dgm:pt>
   </dgm:ptLst>
   <dgm:cxnLst>
+    <dgm:cxn modelId="{83812E03-69B7-45A3-96BF-8428A2E601E3}" srcId="{1B12F9DF-B8C4-4534-801E-E53D53A46C72}" destId="{3036F849-53E5-4AD8-88DB-B2DC63B3C5DD}" srcOrd="4" destOrd="0" parTransId="{6D13E805-2D88-407A-B65E-ECED40DB63D5}" sibTransId="{C2DE53AD-882C-4EE9-89D8-F4D7251060D6}"/>
+    <dgm:cxn modelId="{83D0E809-84F5-458B-81ED-F72D36FA6E77}" type="presOf" srcId="{19FF198A-0597-4D06-8FDD-659F01DEAAB5}" destId="{62954BFA-279E-4EA6-BF04-802D4462BACB}" srcOrd="0" destOrd="0" presId="urn:microsoft.com/office/officeart/2005/8/layout/hierarchy1"/>
+    <dgm:cxn modelId="{5C14D50C-A65E-4FF9-92B0-C88BEF5A3C94}" type="presOf" srcId="{E828E7FE-F4D8-46A1-B580-D9111C8475EA}" destId="{AE8C093D-DC03-471D-84A7-548CF18CA5E8}" srcOrd="0" destOrd="0" presId="urn:microsoft.com/office/officeart/2005/8/layout/hierarchy1"/>
+    <dgm:cxn modelId="{43869811-33C5-475B-B8CA-A43DC178FE40}" srcId="{1B12F9DF-B8C4-4534-801E-E53D53A46C72}" destId="{DEDE8A08-0C84-4882-A19B-97EE5980FADD}" srcOrd="3" destOrd="0" parTransId="{72821DCF-2929-43D1-BBE1-0E5EF3D09CA5}" sibTransId="{B555C42D-71F2-40CA-BF5E-8FA9B960BC8B}"/>
+    <dgm:cxn modelId="{C9D0A213-F595-4AF3-B0A7-6A3D73A93751}" type="presOf" srcId="{1B12F9DF-B8C4-4534-801E-E53D53A46C72}" destId="{F381FC0A-B182-4AEE-9249-C265E37AC00D}" srcOrd="0" destOrd="0" presId="urn:microsoft.com/office/officeart/2005/8/layout/hierarchy1"/>
+    <dgm:cxn modelId="{C7D45815-8657-4886-8BEA-2F059B1F04ED}" type="presOf" srcId="{6D13E805-2D88-407A-B65E-ECED40DB63D5}" destId="{939C8BE6-7FCF-4442-95F2-DDFC05A1830C}" srcOrd="0" destOrd="0" presId="urn:microsoft.com/office/officeart/2005/8/layout/hierarchy1"/>
+    <dgm:cxn modelId="{8CDAE316-E54A-4F3D-8151-279DAB018BF7}" srcId="{6DF35FE7-86CD-4796-AC55-60EA5D1DC9E4}" destId="{50648854-8A34-47D3-8171-BF7E6FDD5089}" srcOrd="0" destOrd="0" parTransId="{54C570DF-09C3-47DC-AE41-8ADF35B4EF1C}" sibTransId="{445616F0-9FE5-42FE-9111-F91AC7E35B1F}"/>
+    <dgm:cxn modelId="{9A6E2817-40AA-41A9-830F-A274F6E26161}" srcId="{CA69A4A4-E0E5-4F7D-99F2-597C04414561}" destId="{011E7FEF-B2CE-4191-B554-43B869D969A1}" srcOrd="1" destOrd="0" parTransId="{02D8234E-02AD-4C5A-B58B-E4FBB41B7787}" sibTransId="{D43057DF-380E-4C7A-B36A-FF8C20521C4B}"/>
+    <dgm:cxn modelId="{E7A20918-EE1E-46EC-9112-C8BC41034507}" srcId="{3036F849-53E5-4AD8-88DB-B2DC63B3C5DD}" destId="{F8632AE5-7E65-4B9B-97B1-5CF35BAFA569}" srcOrd="0" destOrd="0" parTransId="{68D62F0B-833B-49DF-864A-71A6B9148FA3}" sibTransId="{C8E91737-B9CA-4E9B-9F0A-F88B195D5705}"/>
+    <dgm:cxn modelId="{72A72D19-5795-4EC3-94BA-8BEBABF69331}" type="presOf" srcId="{CD9CE27C-FE93-4C71-9EC7-913BE4C5EC34}" destId="{38F8BB8D-C575-48C7-A3F7-183D9633E7EE}" srcOrd="0" destOrd="0" presId="urn:microsoft.com/office/officeart/2005/8/layout/hierarchy1"/>
+    <dgm:cxn modelId="{7407381D-E6E1-4AD6-B5CE-2A8374D1524A}" type="presOf" srcId="{57F3DDED-E186-4D10-B4C6-8124E8FB783F}" destId="{51D3A750-AE2A-4E2F-A0BC-1956872873CD}" srcOrd="0" destOrd="0" presId="urn:microsoft.com/office/officeart/2005/8/layout/hierarchy1"/>
+    <dgm:cxn modelId="{A1A3581E-2178-435F-B874-79B979FB47D0}" type="presOf" srcId="{02D8234E-02AD-4C5A-B58B-E4FBB41B7787}" destId="{22A8501F-CF23-4D10-B905-5E57EA319681}" srcOrd="0" destOrd="0" presId="urn:microsoft.com/office/officeart/2005/8/layout/hierarchy1"/>
+    <dgm:cxn modelId="{915AA124-9FAD-468D-A618-8E7583B1FD74}" srcId="{1B12F9DF-B8C4-4534-801E-E53D53A46C72}" destId="{CA69A4A4-E0E5-4F7D-99F2-597C04414561}" srcOrd="1" destOrd="0" parTransId="{2690A779-4D4A-4F7B-950E-BC9C7F88D256}" sibTransId="{645C7407-6FE1-4C90-A062-48F00671A55F}"/>
+    <dgm:cxn modelId="{F889CF24-3BD2-400A-8D2C-470A9D715A06}" srcId="{DEDE8A08-0C84-4882-A19B-97EE5980FADD}" destId="{38F1008E-9428-45A1-B444-995B558E14EC}" srcOrd="0" destOrd="0" parTransId="{A9CCEB1F-6946-4997-9B85-B63D800FE109}" sibTransId="{3672BF69-6030-4568-8597-626CDB944E1D}"/>
+    <dgm:cxn modelId="{55C4E928-ED1A-4126-9F6D-EC258D98809E}" srcId="{1C0DD68F-DEAC-446B-A489-2409EBE901E3}" destId="{6D3871C6-B296-41A9-BC0E-18422C766D12}" srcOrd="1" destOrd="0" parTransId="{E828E7FE-F4D8-46A1-B580-D9111C8475EA}" sibTransId="{6A985CEB-0B7C-4579-A274-EBD5CA4784A8}"/>
+    <dgm:cxn modelId="{E4F49538-B654-4687-ADA8-587AF7A0A23D}" type="presOf" srcId="{3F615406-E23E-48B0-883C-CFA40D149C0F}" destId="{2CBEA2A1-70C0-45CF-A3CE-33A330B5A1C7}" srcOrd="0" destOrd="0" presId="urn:microsoft.com/office/officeart/2005/8/layout/hierarchy1"/>
     <dgm:cxn modelId="{1761813A-975D-4C84-A626-C4B4AC210B0D}" type="presOf" srcId="{D1DB9379-D82B-4D51-B567-1B904F322ABC}" destId="{3A2383FE-E520-4B03-8F7B-60635C056BED}" srcOrd="0" destOrd="0" presId="urn:microsoft.com/office/officeart/2005/8/layout/hierarchy1"/>
-    <dgm:cxn modelId="{A50C3FED-0321-4902-B7F1-702EEAD71B5E}" srcId="{19FF198A-0597-4D06-8FDD-659F01DEAAB5}" destId="{6C5C0BBE-3DFD-4512-A1FD-A8D889E5A003}" srcOrd="0" destOrd="0" parTransId="{0558896E-9629-4BFE-ACF9-E2B00356C037}" sibTransId="{0851FA62-3D3C-4078-8480-45C3C4EFA458}"/>
+    <dgm:cxn modelId="{81F3D73A-3ECA-4787-B6F7-1F58E43A12AF}" type="presOf" srcId="{68D62F0B-833B-49DF-864A-71A6B9148FA3}" destId="{45195FC4-E4F1-4B6C-980E-1A65755F4963}" srcOrd="0" destOrd="0" presId="urn:microsoft.com/office/officeart/2005/8/layout/hierarchy1"/>
+    <dgm:cxn modelId="{263A1B3B-37E8-485E-9D05-255EB45DE754}" srcId="{1B12F9DF-B8C4-4534-801E-E53D53A46C72}" destId="{2FEE19C4-3BBF-4CFB-AD05-F4B509F10897}" srcOrd="0" destOrd="0" parTransId="{846A1F39-2A46-4A42-8221-0FF114434011}" sibTransId="{A5F83508-C92C-4B07-AF8A-88B8D962EBF5}"/>
+    <dgm:cxn modelId="{024A573C-A574-40A3-8E0D-159F633AA347}" type="presOf" srcId="{38F1008E-9428-45A1-B444-995B558E14EC}" destId="{4C0E51B6-CDE6-491E-A287-F778D0842043}" srcOrd="0" destOrd="0" presId="urn:microsoft.com/office/officeart/2005/8/layout/hierarchy1"/>
     <dgm:cxn modelId="{AD08813D-CB89-410C-85E4-408D1E624997}" srcId="{3036F849-53E5-4AD8-88DB-B2DC63B3C5DD}" destId="{45F593AC-AC76-4CBF-A09D-47C9CCD906B2}" srcOrd="1" destOrd="0" parTransId="{F47DC3B8-A50E-4F2B-8785-35C6E0D45EC4}" sibTransId="{BEB18813-A48B-446D-9AC7-0963D338202E}"/>
-    <dgm:cxn modelId="{74091EA2-0D57-4194-81FF-57DDAA582F76}" type="presOf" srcId="{1BC957CA-8B16-47FF-A9A6-45BA9C12C8E9}" destId="{5A7F7797-F4B4-41A7-84D2-C63F2DE02FC0}" srcOrd="0" destOrd="0" presId="urn:microsoft.com/office/officeart/2005/8/layout/hierarchy1"/>
-    <dgm:cxn modelId="{646B9DBD-0259-4CE2-B5F3-D1032372AE40}" srcId="{2FEE19C4-3BBF-4CFB-AD05-F4B509F10897}" destId="{914FD2D3-607E-4004-A2FF-678EDCE11748}" srcOrd="0" destOrd="0" parTransId="{D7DA7012-75ED-43B8-B465-5FE983035EFD}" sibTransId="{138CE10B-CCED-461F-A3F1-69FB909AFAC5}"/>
-    <dgm:cxn modelId="{024A573C-A574-40A3-8E0D-159F633AA347}" type="presOf" srcId="{38F1008E-9428-45A1-B444-995B558E14EC}" destId="{4C0E51B6-CDE6-491E-A287-F778D0842043}" srcOrd="0" destOrd="0" presId="urn:microsoft.com/office/officeart/2005/8/layout/hierarchy1"/>
-    <dgm:cxn modelId="{E149854D-04B6-43DC-883E-7CB56AC837A9}" type="presOf" srcId="{72821DCF-2929-43D1-BBE1-0E5EF3D09CA5}" destId="{A7B989AD-23A1-41C2-ABB8-B2E3E5DF4CF2}" srcOrd="0" destOrd="0" presId="urn:microsoft.com/office/officeart/2005/8/layout/hierarchy1"/>
-    <dgm:cxn modelId="{BB624AD5-6D06-4055-BF7A-BECCF3E117D0}" type="presOf" srcId="{2690A779-4D4A-4F7B-950E-BC9C7F88D256}" destId="{0CD5A9FB-3B7B-4304-84AE-6DF831AF9E1D}" srcOrd="0" destOrd="0" presId="urn:microsoft.com/office/officeart/2005/8/layout/hierarchy1"/>
-    <dgm:cxn modelId="{7EC9C9B0-E62C-4037-A8C2-FFC62C9A915B}" srcId="{1B12F9DF-B8C4-4534-801E-E53D53A46C72}" destId="{19FF198A-0597-4D06-8FDD-659F01DEAAB5}" srcOrd="5" destOrd="0" parTransId="{3F615406-E23E-48B0-883C-CFA40D149C0F}" sibTransId="{944E8ACE-64CB-4583-8DCA-A92E4F117C3C}"/>
-    <dgm:cxn modelId="{263A1B3B-37E8-485E-9D05-255EB45DE754}" srcId="{1B12F9DF-B8C4-4534-801E-E53D53A46C72}" destId="{2FEE19C4-3BBF-4CFB-AD05-F4B509F10897}" srcOrd="0" destOrd="0" parTransId="{846A1F39-2A46-4A42-8221-0FF114434011}" sibTransId="{A5F83508-C92C-4B07-AF8A-88B8D962EBF5}"/>
-    <dgm:cxn modelId="{6480334D-C711-42DE-B088-0BAB459561D6}" type="presOf" srcId="{2FEE19C4-3BBF-4CFB-AD05-F4B509F10897}" destId="{AC5D7C16-21F9-42AF-A36E-0F3A312EED80}" srcOrd="0" destOrd="0" presId="urn:microsoft.com/office/officeart/2005/8/layout/hierarchy1"/>
-    <dgm:cxn modelId="{06B434BF-29F1-46AC-BD38-A8E839CD04A0}" srcId="{54696AC4-E693-4D01-9A83-5D90EDD6E604}" destId="{8C7EDF22-03AD-4916-9672-E1987838D8F7}" srcOrd="0" destOrd="0" parTransId="{CC12A82C-2567-4AA7-8502-4C67B0730E74}" sibTransId="{CCF61954-27E9-4D12-9702-E123805C2795}"/>
-    <dgm:cxn modelId="{BE28FBC8-6A32-4F63-8C7E-694E9D9A3755}" type="presOf" srcId="{846A1F39-2A46-4A42-8221-0FF114434011}" destId="{A41C5EA3-1F1F-45D7-8B07-C48EEC3E0BC7}" srcOrd="0" destOrd="0" presId="urn:microsoft.com/office/officeart/2005/8/layout/hierarchy1"/>
-    <dgm:cxn modelId="{00DDEE4C-BD05-4A3B-B8D2-CB8426F9C441}" type="presOf" srcId="{D0065ACB-B499-427F-B5E5-7829EEEDC30C}" destId="{CAA09CAF-474D-439A-86E8-D71ED59BB24C}" srcOrd="0" destOrd="0" presId="urn:microsoft.com/office/officeart/2005/8/layout/hierarchy1"/>
-    <dgm:cxn modelId="{00AA68FE-3597-49E3-919B-86E5737342C3}" type="presOf" srcId="{6C5C0BBE-3DFD-4512-A1FD-A8D889E5A003}" destId="{CC76AA8D-EDFD-4F00-A123-CCD1459F2D9C}" srcOrd="0" destOrd="0" presId="urn:microsoft.com/office/officeart/2005/8/layout/hierarchy1"/>
-    <dgm:cxn modelId="{597ECBE6-0958-46B6-89BC-86678ED03E5B}" type="presOf" srcId="{F8632AE5-7E65-4B9B-97B1-5CF35BAFA569}" destId="{5E27AEBE-2089-4E22-B07E-2FA75A291F5C}" srcOrd="0" destOrd="0" presId="urn:microsoft.com/office/officeart/2005/8/layout/hierarchy1"/>
-    <dgm:cxn modelId="{06C2C94F-5CA4-40BB-BB50-3CAF5278C340}" type="presOf" srcId="{44B71DCB-D098-44F6-88EE-08F9D509657C}" destId="{B957DC59-D6F6-4FB6-A143-D1C418037A4D}" srcOrd="0" destOrd="0" presId="urn:microsoft.com/office/officeart/2005/8/layout/hierarchy1"/>
+    <dgm:cxn modelId="{F585653E-93D9-4F56-8F69-6FB449DD75E5}" srcId="{2FEE19C4-3BBF-4CFB-AD05-F4B509F10897}" destId="{14CFB7FE-B7D5-4174-A5C9-2CD166F565B5}" srcOrd="1" destOrd="0" parTransId="{CA33EB46-F688-4E97-AF6B-82B7361785A8}" sibTransId="{C0867024-991F-4B73-B98C-A950CCDB14D4}"/>
+    <dgm:cxn modelId="{EDD5A45B-AF1B-435F-B0DA-100BAE482F5C}" type="presOf" srcId="{8C7EDF22-03AD-4916-9672-E1987838D8F7}" destId="{0A8DA80C-05EA-4675-92CC-51D75EC8B01C}" srcOrd="0" destOrd="0" presId="urn:microsoft.com/office/officeart/2005/8/layout/hierarchy1"/>
+    <dgm:cxn modelId="{3740035E-2D88-40A3-9662-F6B980B95BD4}" type="presOf" srcId="{6D3871C6-B296-41A9-BC0E-18422C766D12}" destId="{0A00F65D-AEBF-4A20-AD7E-104741C90AC8}" srcOrd="0" destOrd="0" presId="urn:microsoft.com/office/officeart/2005/8/layout/hierarchy1"/>
+    <dgm:cxn modelId="{0729A263-8BD8-46CB-8881-82815710B4A1}" type="presOf" srcId="{6AD69574-E389-4C0F-876C-4A7B9D2F3B3E}" destId="{1AFCDAFB-222A-4397-8CE7-9461A4B5FBCB}" srcOrd="0" destOrd="0" presId="urn:microsoft.com/office/officeart/2005/8/layout/hierarchy1"/>
+    <dgm:cxn modelId="{A45ABE63-1BB7-4BF3-AE24-421E4691D58B}" type="presOf" srcId="{F47DC3B8-A50E-4F2B-8785-35C6E0D45EC4}" destId="{0A6C418C-2E66-410B-B889-22A44B5F7A3E}" srcOrd="0" destOrd="0" presId="urn:microsoft.com/office/officeart/2005/8/layout/hierarchy1"/>
     <dgm:cxn modelId="{1B596266-60FC-4E7F-89F3-500A8D165431}" type="presOf" srcId="{45F593AC-AC76-4CBF-A09D-47C9CCD906B2}" destId="{0CF6F964-8836-4474-95C6-91DE64FA15C1}" srcOrd="0" destOrd="0" presId="urn:microsoft.com/office/officeart/2005/8/layout/hierarchy1"/>
-    <dgm:cxn modelId="{915AA124-9FAD-468D-A618-8E7583B1FD74}" srcId="{1B12F9DF-B8C4-4534-801E-E53D53A46C72}" destId="{CA69A4A4-E0E5-4F7D-99F2-597C04414561}" srcOrd="1" destOrd="0" parTransId="{2690A779-4D4A-4F7B-950E-BC9C7F88D256}" sibTransId="{645C7407-6FE1-4C90-A062-48F00671A55F}"/>
-    <dgm:cxn modelId="{C3AA85EB-CDFD-4FFA-AB3E-CA1D6984F609}" type="presOf" srcId="{54696AC4-E693-4D01-9A83-5D90EDD6E604}" destId="{FAAE5956-B1AF-4DDB-A330-2E551C5237F9}" srcOrd="0" destOrd="0" presId="urn:microsoft.com/office/officeart/2005/8/layout/hierarchy1"/>
-    <dgm:cxn modelId="{A45ABE63-1BB7-4BF3-AE24-421E4691D58B}" type="presOf" srcId="{F47DC3B8-A50E-4F2B-8785-35C6E0D45EC4}" destId="{0A6C418C-2E66-410B-B889-22A44B5F7A3E}" srcOrd="0" destOrd="0" presId="urn:microsoft.com/office/officeart/2005/8/layout/hierarchy1"/>
-    <dgm:cxn modelId="{83D0E809-84F5-458B-81ED-F72D36FA6E77}" type="presOf" srcId="{19FF198A-0597-4D06-8FDD-659F01DEAAB5}" destId="{62954BFA-279E-4EA6-BF04-802D4462BACB}" srcOrd="0" destOrd="0" presId="urn:microsoft.com/office/officeart/2005/8/layout/hierarchy1"/>
-    <dgm:cxn modelId="{5EB697B2-2203-47F5-90C7-36B01DD50235}" type="presOf" srcId="{3036F849-53E5-4AD8-88DB-B2DC63B3C5DD}" destId="{9BC4579B-97C6-40DE-BBDE-4E1140409B32}" srcOrd="0" destOrd="0" presId="urn:microsoft.com/office/officeart/2005/8/layout/hierarchy1"/>
-    <dgm:cxn modelId="{7407381D-E6E1-4AD6-B5CE-2A8374D1524A}" type="presOf" srcId="{57F3DDED-E186-4D10-B4C6-8124E8FB783F}" destId="{51D3A750-AE2A-4E2F-A0BC-1956872873CD}" srcOrd="0" destOrd="0" presId="urn:microsoft.com/office/officeart/2005/8/layout/hierarchy1"/>
-    <dgm:cxn modelId="{C9D0A213-F595-4AF3-B0A7-6A3D73A93751}" type="presOf" srcId="{1B12F9DF-B8C4-4534-801E-E53D53A46C72}" destId="{F381FC0A-B182-4AEE-9249-C265E37AC00D}" srcOrd="0" destOrd="0" presId="urn:microsoft.com/office/officeart/2005/8/layout/hierarchy1"/>
-    <dgm:cxn modelId="{0CE6DD7E-4522-42CC-A62C-25D4A34EC80B}" type="presOf" srcId="{0235110F-8AEE-4E0A-B8D5-7D72A4DA5AB2}" destId="{88271803-7D4A-4CAE-8BB6-6A8D2EAF122B}" srcOrd="0" destOrd="0" presId="urn:microsoft.com/office/officeart/2005/8/layout/hierarchy1"/>
+    <dgm:cxn modelId="{CD1FD846-C919-463A-AED6-46569F363755}" type="presOf" srcId="{1C0DD68F-DEAC-446B-A489-2409EBE901E3}" destId="{9CBF1651-7C20-4720-9413-518AFA95DABB}" srcOrd="0" destOrd="0" presId="urn:microsoft.com/office/officeart/2005/8/layout/hierarchy1"/>
+    <dgm:cxn modelId="{C58F9368-101A-4399-84A0-E99C8D9FCB39}" type="presOf" srcId="{A664D413-2EF5-4CAD-958E-C63737A9BF78}" destId="{E280A1DC-80DF-4849-BACF-1DAFB6CDEFFD}" srcOrd="0" destOrd="0" presId="urn:microsoft.com/office/officeart/2005/8/layout/hierarchy1"/>
     <dgm:cxn modelId="{DE240E49-E8E8-4B02-A42E-D02C039AE08E}" type="presOf" srcId="{D7DA7012-75ED-43B8-B465-5FE983035EFD}" destId="{9DC5588A-5883-49D2-8D6D-840DB86485AB}" srcOrd="0" destOrd="0" presId="urn:microsoft.com/office/officeart/2005/8/layout/hierarchy1"/>
     <dgm:cxn modelId="{464FE16B-5798-45C6-B678-D2A32CC72DAF}" srcId="{CA69A4A4-E0E5-4F7D-99F2-597C04414561}" destId="{0235110F-8AEE-4E0A-B8D5-7D72A4DA5AB2}" srcOrd="0" destOrd="0" parTransId="{D0065ACB-B499-427F-B5E5-7829EEEDC30C}" sibTransId="{A52D1947-3CDE-4768-A365-ADD73CEB0B3D}"/>
+    <dgm:cxn modelId="{E00AB74C-3874-483F-A920-44760A8F1CBB}" type="presOf" srcId="{CC12A82C-2567-4AA7-8502-4C67B0730E74}" destId="{BE2D6E08-6A30-410F-833B-D6E7D0073F8F}" srcOrd="0" destOrd="0" presId="urn:microsoft.com/office/officeart/2005/8/layout/hierarchy1"/>
+    <dgm:cxn modelId="{00DDEE4C-BD05-4A3B-B8D2-CB8426F9C441}" type="presOf" srcId="{D0065ACB-B499-427F-B5E5-7829EEEDC30C}" destId="{CAA09CAF-474D-439A-86E8-D71ED59BB24C}" srcOrd="0" destOrd="0" presId="urn:microsoft.com/office/officeart/2005/8/layout/hierarchy1"/>
+    <dgm:cxn modelId="{6480334D-C711-42DE-B088-0BAB459561D6}" type="presOf" srcId="{2FEE19C4-3BBF-4CFB-AD05-F4B509F10897}" destId="{AC5D7C16-21F9-42AF-A36E-0F3A312EED80}" srcOrd="0" destOrd="0" presId="urn:microsoft.com/office/officeart/2005/8/layout/hierarchy1"/>
+    <dgm:cxn modelId="{E149854D-04B6-43DC-883E-7CB56AC837A9}" type="presOf" srcId="{72821DCF-2929-43D1-BBE1-0E5EF3D09CA5}" destId="{A7B989AD-23A1-41C2-ABB8-B2E3E5DF4CF2}" srcOrd="0" destOrd="0" presId="urn:microsoft.com/office/officeart/2005/8/layout/hierarchy1"/>
+    <dgm:cxn modelId="{7E37E14E-12F1-4060-B383-FC51C78511B6}" type="presOf" srcId="{14CFB7FE-B7D5-4174-A5C9-2CD166F565B5}" destId="{FEE25C1A-4262-4C2A-932A-76A1C33ED343}" srcOrd="0" destOrd="0" presId="urn:microsoft.com/office/officeart/2005/8/layout/hierarchy1"/>
+    <dgm:cxn modelId="{06C2C94F-5CA4-40BB-BB50-3CAF5278C340}" type="presOf" srcId="{44B71DCB-D098-44F6-88EE-08F9D509657C}" destId="{B957DC59-D6F6-4FB6-A143-D1C418037A4D}" srcOrd="0" destOrd="0" presId="urn:microsoft.com/office/officeart/2005/8/layout/hierarchy1"/>
+    <dgm:cxn modelId="{5F105354-8B9F-4B5D-AE16-7C403F5708DF}" srcId="{1C0DD68F-DEAC-446B-A489-2409EBE901E3}" destId="{CE6485AE-4E09-44C8-BB73-4101F36550E3}" srcOrd="0" destOrd="0" parTransId="{D1DB9379-D82B-4D51-B567-1B904F322ABC}" sibTransId="{E135E261-B78B-4B78-9D84-BB8E48643ECC}"/>
+    <dgm:cxn modelId="{9E35AE74-939C-4267-827E-9463DF598AFF}" type="presOf" srcId="{8CA719FC-2911-480C-BC34-7EC26187DC68}" destId="{FA590CD4-2D86-4DB2-A8A0-B78730BFE435}" srcOrd="0" destOrd="0" presId="urn:microsoft.com/office/officeart/2005/8/layout/hierarchy1"/>
+    <dgm:cxn modelId="{A4DF2B59-C892-4E08-BADB-8A95926049B7}" type="presOf" srcId="{6DF35FE7-86CD-4796-AC55-60EA5D1DC9E4}" destId="{5FECA2E8-0A61-4ECE-9282-073F2BD14672}" srcOrd="0" destOrd="0" presId="urn:microsoft.com/office/officeart/2005/8/layout/hierarchy1"/>
+    <dgm:cxn modelId="{7BF0CA59-CF85-40AD-845F-33D06DF88D98}" srcId="{914FD2D3-607E-4004-A2FF-678EDCE11748}" destId="{DF1A3AF6-50F5-463A-AEF4-2D935D71619D}" srcOrd="0" destOrd="0" parTransId="{CD9CE27C-FE93-4C71-9EC7-913BE4C5EC34}" sibTransId="{859352B7-96B3-4179-8F42-019602426E9C}"/>
+    <dgm:cxn modelId="{0CE6DD7E-4522-42CC-A62C-25D4A34EC80B}" type="presOf" srcId="{0235110F-8AEE-4E0A-B8D5-7D72A4DA5AB2}" destId="{88271803-7D4A-4CAE-8BB6-6A8D2EAF122B}" srcOrd="0" destOrd="0" presId="urn:microsoft.com/office/officeart/2005/8/layout/hierarchy1"/>
+    <dgm:cxn modelId="{6279347F-8B14-4774-A398-948954889659}" srcId="{DF1A3AF6-50F5-463A-AEF4-2D935D71619D}" destId="{8CA719FC-2911-480C-BC34-7EC26187DC68}" srcOrd="0" destOrd="0" parTransId="{A664D413-2EF5-4CAD-958E-C63737A9BF78}" sibTransId="{51152E74-B46D-43C0-B8E9-C197DA1FF8F2}"/>
+    <dgm:cxn modelId="{F6A48989-FB22-4B6E-94B1-C3ED4041106F}" type="presOf" srcId="{914FD2D3-607E-4004-A2FF-678EDCE11748}" destId="{8B2F7509-A30D-4B02-AE8E-BD3F185691A2}" srcOrd="0" destOrd="0" presId="urn:microsoft.com/office/officeart/2005/8/layout/hierarchy1"/>
+    <dgm:cxn modelId="{5B09D999-F8C0-489F-B107-6083C2975A61}" type="presOf" srcId="{54C570DF-09C3-47DC-AE41-8ADF35B4EF1C}" destId="{CF2B28C1-5DA7-49C7-83F5-EB9100C583DA}" srcOrd="0" destOrd="0" presId="urn:microsoft.com/office/officeart/2005/8/layout/hierarchy1"/>
+    <dgm:cxn modelId="{7339C29E-B915-4D91-A54D-96AEDFFA1570}" type="presOf" srcId="{50648854-8A34-47D3-8171-BF7E6FDD5089}" destId="{E0EA8EB7-6078-421D-9CD9-E92EE822901E}" srcOrd="0" destOrd="0" presId="urn:microsoft.com/office/officeart/2005/8/layout/hierarchy1"/>
+    <dgm:cxn modelId="{74091EA2-0D57-4194-81FF-57DDAA582F76}" type="presOf" srcId="{1BC957CA-8B16-47FF-A9A6-45BA9C12C8E9}" destId="{5A7F7797-F4B4-41A7-84D2-C63F2DE02FC0}" srcOrd="0" destOrd="0" presId="urn:microsoft.com/office/officeart/2005/8/layout/hierarchy1"/>
+    <dgm:cxn modelId="{75C56EAB-DD38-4F15-A7FC-C408FC9F8FC5}" type="presOf" srcId="{CA33EB46-F688-4E97-AF6B-82B7361785A8}" destId="{86EB4D52-255A-4F70-9774-21804A668D4A}" srcOrd="0" destOrd="0" presId="urn:microsoft.com/office/officeart/2005/8/layout/hierarchy1"/>
+    <dgm:cxn modelId="{12D8C4AE-3610-4394-B5FA-9AF0E10C0AAF}" type="presOf" srcId="{06F273AB-FA04-49C0-9862-1FA487DA1507}" destId="{C725AA47-A4A7-4E00-AD9C-02E4824A2FEE}" srcOrd="0" destOrd="0" presId="urn:microsoft.com/office/officeart/2005/8/layout/hierarchy1"/>
+    <dgm:cxn modelId="{9980D0AF-AEF2-4C48-B391-DD2C24E0A676}" srcId="{1BC957CA-8B16-47FF-A9A6-45BA9C12C8E9}" destId="{1B12F9DF-B8C4-4534-801E-E53D53A46C72}" srcOrd="0" destOrd="0" parTransId="{92A2CEAB-31CF-480B-99EB-C104A9A9DB82}" sibTransId="{E59ACA7A-DA9A-4485-8E7E-EC93DCB6FE3E}"/>
+    <dgm:cxn modelId="{7EC9C9B0-E62C-4037-A8C2-FFC62C9A915B}" srcId="{1B12F9DF-B8C4-4534-801E-E53D53A46C72}" destId="{19FF198A-0597-4D06-8FDD-659F01DEAAB5}" srcOrd="5" destOrd="0" parTransId="{3F615406-E23E-48B0-883C-CFA40D149C0F}" sibTransId="{944E8ACE-64CB-4583-8DCA-A92E4F117C3C}"/>
+    <dgm:cxn modelId="{5EB697B2-2203-47F5-90C7-36B01DD50235}" type="presOf" srcId="{3036F849-53E5-4AD8-88DB-B2DC63B3C5DD}" destId="{9BC4579B-97C6-40DE-BBDE-4E1140409B32}" srcOrd="0" destOrd="0" presId="urn:microsoft.com/office/officeart/2005/8/layout/hierarchy1"/>
+    <dgm:cxn modelId="{30A34EB7-00F4-44E1-BA08-9739D19926AE}" type="presOf" srcId="{DF1A3AF6-50F5-463A-AEF4-2D935D71619D}" destId="{F0B4D1F3-EB23-495C-B2C2-169E996FE538}" srcOrd="0" destOrd="0" presId="urn:microsoft.com/office/officeart/2005/8/layout/hierarchy1"/>
+    <dgm:cxn modelId="{35C14CBA-A830-48CD-85E3-ED679D055288}" srcId="{1B12F9DF-B8C4-4534-801E-E53D53A46C72}" destId="{1C0DD68F-DEAC-446B-A489-2409EBE901E3}" srcOrd="2" destOrd="0" parTransId="{6AD69574-E389-4C0F-876C-4A7B9D2F3B3E}" sibTransId="{DC194B87-C231-45E8-9A6E-BC0A160872A6}"/>
+    <dgm:cxn modelId="{D53E85BD-B0D5-48AE-9024-FB65E2635CF0}" srcId="{3036F849-53E5-4AD8-88DB-B2DC63B3C5DD}" destId="{44B71DCB-D098-44F6-88EE-08F9D509657C}" srcOrd="2" destOrd="0" parTransId="{57F3DDED-E186-4D10-B4C6-8124E8FB783F}" sibTransId="{C901B20F-59A0-4392-BA0E-A1229BE317DB}"/>
+    <dgm:cxn modelId="{646B9DBD-0259-4CE2-B5F3-D1032372AE40}" srcId="{2FEE19C4-3BBF-4CFB-AD05-F4B509F10897}" destId="{914FD2D3-607E-4004-A2FF-678EDCE11748}" srcOrd="0" destOrd="0" parTransId="{D7DA7012-75ED-43B8-B465-5FE983035EFD}" sibTransId="{138CE10B-CCED-461F-A3F1-69FB909AFAC5}"/>
+    <dgm:cxn modelId="{511EEABE-172D-4A6A-9FE7-0FD4245F6E38}" type="presOf" srcId="{CE6485AE-4E09-44C8-BB73-4101F36550E3}" destId="{B9F2E3C8-2D86-43F5-A4C0-8D3E84CDF505}" srcOrd="0" destOrd="0" presId="urn:microsoft.com/office/officeart/2005/8/layout/hierarchy1"/>
+    <dgm:cxn modelId="{06B434BF-29F1-46AC-BD38-A8E839CD04A0}" srcId="{54696AC4-E693-4D01-9A83-5D90EDD6E604}" destId="{8C7EDF22-03AD-4916-9672-E1987838D8F7}" srcOrd="0" destOrd="0" parTransId="{CC12A82C-2567-4AA7-8502-4C67B0730E74}" sibTransId="{CCF61954-27E9-4D12-9702-E123805C2795}"/>
+    <dgm:cxn modelId="{FCDBEDC1-2FE5-400D-A9FB-939F89356386}" type="presOf" srcId="{DEDE8A08-0C84-4882-A19B-97EE5980FADD}" destId="{9DA46FE7-1035-4D7A-B375-58D2EDA7257F}" srcOrd="0" destOrd="0" presId="urn:microsoft.com/office/officeart/2005/8/layout/hierarchy1"/>
+    <dgm:cxn modelId="{BD7FE0C3-4D2A-44A4-9368-EFD65156B2C8}" type="presOf" srcId="{A9CCEB1F-6946-4997-9B85-B63D800FE109}" destId="{43734B93-4626-496F-8170-C81F107D70B5}" srcOrd="0" destOrd="0" presId="urn:microsoft.com/office/officeart/2005/8/layout/hierarchy1"/>
+    <dgm:cxn modelId="{BE28FBC8-6A32-4F63-8C7E-694E9D9A3755}" type="presOf" srcId="{846A1F39-2A46-4A42-8221-0FF114434011}" destId="{A41C5EA3-1F1F-45D7-8B07-C48EEC3E0BC7}" srcOrd="0" destOrd="0" presId="urn:microsoft.com/office/officeart/2005/8/layout/hierarchy1"/>
+    <dgm:cxn modelId="{DD4F8ACB-DBD5-47D4-BDAA-6763079BB4D1}" srcId="{1B12F9DF-B8C4-4534-801E-E53D53A46C72}" destId="{54696AC4-E693-4D01-9A83-5D90EDD6E604}" srcOrd="6" destOrd="0" parTransId="{06F273AB-FA04-49C0-9862-1FA487DA1507}" sibTransId="{E64676A9-D39E-49B1-953F-F08016807B19}"/>
+    <dgm:cxn modelId="{2C9EE4CC-DCBF-4A48-897C-5BAE4DEEBD66}" srcId="{14CFB7FE-B7D5-4174-A5C9-2CD166F565B5}" destId="{6DF35FE7-86CD-4796-AC55-60EA5D1DC9E4}" srcOrd="0" destOrd="0" parTransId="{8663B287-7D89-419B-B1E7-2542C5370C35}" sibTransId="{116C8B49-9B68-4ECC-9ADE-80850FF0A776}"/>
+    <dgm:cxn modelId="{BB624AD5-6D06-4055-BF7A-BECCF3E117D0}" type="presOf" srcId="{2690A779-4D4A-4F7B-950E-BC9C7F88D256}" destId="{0CD5A9FB-3B7B-4304-84AE-6DF831AF9E1D}" srcOrd="0" destOrd="0" presId="urn:microsoft.com/office/officeart/2005/8/layout/hierarchy1"/>
+    <dgm:cxn modelId="{D68F01D6-7BB2-4AA0-80EA-408393362B20}" type="presOf" srcId="{8663B287-7D89-419B-B1E7-2542C5370C35}" destId="{704C047F-5BA0-4C0B-9CA8-ADA19FEE9351}" srcOrd="0" destOrd="0" presId="urn:microsoft.com/office/officeart/2005/8/layout/hierarchy1"/>
     <dgm:cxn modelId="{809D5DD6-D902-4E0F-9D27-86079B134B26}" type="presOf" srcId="{011E7FEF-B2CE-4191-B554-43B869D969A1}" destId="{699FF6EA-1756-46EA-9FEF-2C06CA739277}" srcOrd="0" destOrd="0" presId="urn:microsoft.com/office/officeart/2005/8/layout/hierarchy1"/>
-    <dgm:cxn modelId="{EDD5A45B-AF1B-435F-B0DA-100BAE482F5C}" type="presOf" srcId="{8C7EDF22-03AD-4916-9672-E1987838D8F7}" destId="{0A8DA80C-05EA-4675-92CC-51D75EC8B01C}" srcOrd="0" destOrd="0" presId="urn:microsoft.com/office/officeart/2005/8/layout/hierarchy1"/>
-    <dgm:cxn modelId="{D53E85BD-B0D5-48AE-9024-FB65E2635CF0}" srcId="{3036F849-53E5-4AD8-88DB-B2DC63B3C5DD}" destId="{44B71DCB-D098-44F6-88EE-08F9D509657C}" srcOrd="2" destOrd="0" parTransId="{57F3DDED-E186-4D10-B4C6-8124E8FB783F}" sibTransId="{C901B20F-59A0-4392-BA0E-A1229BE317DB}"/>
-    <dgm:cxn modelId="{511EEABE-172D-4A6A-9FE7-0FD4245F6E38}" type="presOf" srcId="{CE6485AE-4E09-44C8-BB73-4101F36550E3}" destId="{B9F2E3C8-2D86-43F5-A4C0-8D3E84CDF505}" srcOrd="0" destOrd="0" presId="urn:microsoft.com/office/officeart/2005/8/layout/hierarchy1"/>
-    <dgm:cxn modelId="{BD7FE0C3-4D2A-44A4-9368-EFD65156B2C8}" type="presOf" srcId="{A9CCEB1F-6946-4997-9B85-B63D800FE109}" destId="{43734B93-4626-496F-8170-C81F107D70B5}" srcOrd="0" destOrd="0" presId="urn:microsoft.com/office/officeart/2005/8/layout/hierarchy1"/>
-    <dgm:cxn modelId="{F6A48989-FB22-4B6E-94B1-C3ED4041106F}" type="presOf" srcId="{914FD2D3-607E-4004-A2FF-678EDCE11748}" destId="{8B2F7509-A30D-4B02-AE8E-BD3F185691A2}" srcOrd="0" destOrd="0" presId="urn:microsoft.com/office/officeart/2005/8/layout/hierarchy1"/>
-    <dgm:cxn modelId="{12D8C4AE-3610-4394-B5FA-9AF0E10C0AAF}" type="presOf" srcId="{06F273AB-FA04-49C0-9862-1FA487DA1507}" destId="{C725AA47-A4A7-4E00-AD9C-02E4824A2FEE}" srcOrd="0" destOrd="0" presId="urn:microsoft.com/office/officeart/2005/8/layout/hierarchy1"/>
-    <dgm:cxn modelId="{5F105354-8B9F-4B5D-AE16-7C403F5708DF}" srcId="{1C0DD68F-DEAC-446B-A489-2409EBE901E3}" destId="{CE6485AE-4E09-44C8-BB73-4101F36550E3}" srcOrd="0" destOrd="0" parTransId="{D1DB9379-D82B-4D51-B567-1B904F322ABC}" sibTransId="{E135E261-B78B-4B78-9D84-BB8E48643ECC}"/>
-    <dgm:cxn modelId="{FCDBEDC1-2FE5-400D-A9FB-939F89356386}" type="presOf" srcId="{DEDE8A08-0C84-4882-A19B-97EE5980FADD}" destId="{9DA46FE7-1035-4D7A-B375-58D2EDA7257F}" srcOrd="0" destOrd="0" presId="urn:microsoft.com/office/officeart/2005/8/layout/hierarchy1"/>
-    <dgm:cxn modelId="{E4F49538-B654-4687-ADA8-587AF7A0A23D}" type="presOf" srcId="{3F615406-E23E-48B0-883C-CFA40D149C0F}" destId="{2CBEA2A1-70C0-45CF-A3CE-33A330B5A1C7}" srcOrd="0" destOrd="0" presId="urn:microsoft.com/office/officeart/2005/8/layout/hierarchy1"/>
-    <dgm:cxn modelId="{DD4F8ACB-DBD5-47D4-BDAA-6763079BB4D1}" srcId="{1B12F9DF-B8C4-4534-801E-E53D53A46C72}" destId="{54696AC4-E693-4D01-9A83-5D90EDD6E604}" srcOrd="6" destOrd="0" parTransId="{06F273AB-FA04-49C0-9862-1FA487DA1507}" sibTransId="{E64676A9-D39E-49B1-953F-F08016807B19}"/>
-    <dgm:cxn modelId="{43869811-33C5-475B-B8CA-A43DC178FE40}" srcId="{1B12F9DF-B8C4-4534-801E-E53D53A46C72}" destId="{DEDE8A08-0C84-4882-A19B-97EE5980FADD}" srcOrd="3" destOrd="0" parTransId="{72821DCF-2929-43D1-BBE1-0E5EF3D09CA5}" sibTransId="{B555C42D-71F2-40CA-BF5E-8FA9B960BC8B}"/>
-    <dgm:cxn modelId="{E00AB74C-3874-483F-A920-44760A8F1CBB}" type="presOf" srcId="{CC12A82C-2567-4AA7-8502-4C67B0730E74}" destId="{BE2D6E08-6A30-410F-833B-D6E7D0073F8F}" srcOrd="0" destOrd="0" presId="urn:microsoft.com/office/officeart/2005/8/layout/hierarchy1"/>
-    <dgm:cxn modelId="{CD1FD846-C919-463A-AED6-46569F363755}" type="presOf" srcId="{1C0DD68F-DEAC-446B-A489-2409EBE901E3}" destId="{9CBF1651-7C20-4720-9413-518AFA95DABB}" srcOrd="0" destOrd="0" presId="urn:microsoft.com/office/officeart/2005/8/layout/hierarchy1"/>
-    <dgm:cxn modelId="{9A6E2817-40AA-41A9-830F-A274F6E26161}" srcId="{CA69A4A4-E0E5-4F7D-99F2-597C04414561}" destId="{011E7FEF-B2CE-4191-B554-43B869D969A1}" srcOrd="1" destOrd="0" parTransId="{02D8234E-02AD-4C5A-B58B-E4FBB41B7787}" sibTransId="{D43057DF-380E-4C7A-B36A-FF8C20521C4B}"/>
-    <dgm:cxn modelId="{9980D0AF-AEF2-4C48-B391-DD2C24E0A676}" srcId="{1BC957CA-8B16-47FF-A9A6-45BA9C12C8E9}" destId="{1B12F9DF-B8C4-4534-801E-E53D53A46C72}" srcOrd="0" destOrd="0" parTransId="{92A2CEAB-31CF-480B-99EB-C104A9A9DB82}" sibTransId="{E59ACA7A-DA9A-4485-8E7E-EC93DCB6FE3E}"/>
-    <dgm:cxn modelId="{A1A3581E-2178-435F-B874-79B979FB47D0}" type="presOf" srcId="{02D8234E-02AD-4C5A-B58B-E4FBB41B7787}" destId="{22A8501F-CF23-4D10-B905-5E57EA319681}" srcOrd="0" destOrd="0" presId="urn:microsoft.com/office/officeart/2005/8/layout/hierarchy1"/>
-    <dgm:cxn modelId="{C7D45815-8657-4886-8BEA-2F059B1F04ED}" type="presOf" srcId="{6D13E805-2D88-407A-B65E-ECED40DB63D5}" destId="{939C8BE6-7FCF-4442-95F2-DDFC05A1830C}" srcOrd="0" destOrd="0" presId="urn:microsoft.com/office/officeart/2005/8/layout/hierarchy1"/>
-    <dgm:cxn modelId="{E7A20918-EE1E-46EC-9112-C8BC41034507}" srcId="{3036F849-53E5-4AD8-88DB-B2DC63B3C5DD}" destId="{F8632AE5-7E65-4B9B-97B1-5CF35BAFA569}" srcOrd="0" destOrd="0" parTransId="{68D62F0B-833B-49DF-864A-71A6B9148FA3}" sibTransId="{C8E91737-B9CA-4E9B-9F0A-F88B195D5705}"/>
-    <dgm:cxn modelId="{83812E03-69B7-45A3-96BF-8428A2E601E3}" srcId="{1B12F9DF-B8C4-4534-801E-E53D53A46C72}" destId="{3036F849-53E5-4AD8-88DB-B2DC63B3C5DD}" srcOrd="4" destOrd="0" parTransId="{6D13E805-2D88-407A-B65E-ECED40DB63D5}" sibTransId="{C2DE53AD-882C-4EE9-89D8-F4D7251060D6}"/>
-    <dgm:cxn modelId="{81F3D73A-3ECA-4787-B6F7-1F58E43A12AF}" type="presOf" srcId="{68D62F0B-833B-49DF-864A-71A6B9148FA3}" destId="{45195FC4-E4F1-4B6C-980E-1A65755F4963}" srcOrd="0" destOrd="0" presId="urn:microsoft.com/office/officeart/2005/8/layout/hierarchy1"/>
+    <dgm:cxn modelId="{597ECBE6-0958-46B6-89BC-86678ED03E5B}" type="presOf" srcId="{F8632AE5-7E65-4B9B-97B1-5CF35BAFA569}" destId="{5E27AEBE-2089-4E22-B07E-2FA75A291F5C}" srcOrd="0" destOrd="0" presId="urn:microsoft.com/office/officeart/2005/8/layout/hierarchy1"/>
+    <dgm:cxn modelId="{C3AA85EB-CDFD-4FFA-AB3E-CA1D6984F609}" type="presOf" srcId="{54696AC4-E693-4D01-9A83-5D90EDD6E604}" destId="{FAAE5956-B1AF-4DDB-A330-2E551C5237F9}" srcOrd="0" destOrd="0" presId="urn:microsoft.com/office/officeart/2005/8/layout/hierarchy1"/>
+    <dgm:cxn modelId="{A50C3FED-0321-4902-B7F1-702EEAD71B5E}" srcId="{19FF198A-0597-4D06-8FDD-659F01DEAAB5}" destId="{6C5C0BBE-3DFD-4512-A1FD-A8D889E5A003}" srcOrd="0" destOrd="0" parTransId="{0558896E-9629-4BFE-ACF9-E2B00356C037}" sibTransId="{0851FA62-3D3C-4078-8480-45C3C4EFA458}"/>
+    <dgm:cxn modelId="{DB638DF0-DEC9-4B0C-95CD-1B59191785A4}" type="presOf" srcId="{0558896E-9629-4BFE-ACF9-E2B00356C037}" destId="{A34C44AE-7115-4D37-B143-B2B3DD150A59}" srcOrd="0" destOrd="0" presId="urn:microsoft.com/office/officeart/2005/8/layout/hierarchy1"/>
     <dgm:cxn modelId="{320CF5FB-63A7-4D7D-B07D-6990F28C3284}" type="presOf" srcId="{CA69A4A4-E0E5-4F7D-99F2-597C04414561}" destId="{F4870254-948F-45F2-A2A6-ACCB0EAA991E}" srcOrd="0" destOrd="0" presId="urn:microsoft.com/office/officeart/2005/8/layout/hierarchy1"/>
-    <dgm:cxn modelId="{0729A263-8BD8-46CB-8881-82815710B4A1}" type="presOf" srcId="{6AD69574-E389-4C0F-876C-4A7B9D2F3B3E}" destId="{1AFCDAFB-222A-4397-8CE7-9461A4B5FBCB}" srcOrd="0" destOrd="0" presId="urn:microsoft.com/office/officeart/2005/8/layout/hierarchy1"/>
-    <dgm:cxn modelId="{F889CF24-3BD2-400A-8D2C-470A9D715A06}" srcId="{DEDE8A08-0C84-4882-A19B-97EE5980FADD}" destId="{38F1008E-9428-45A1-B444-995B558E14EC}" srcOrd="0" destOrd="0" parTransId="{A9CCEB1F-6946-4997-9B85-B63D800FE109}" sibTransId="{3672BF69-6030-4568-8597-626CDB944E1D}"/>
-    <dgm:cxn modelId="{DB638DF0-DEC9-4B0C-95CD-1B59191785A4}" type="presOf" srcId="{0558896E-9629-4BFE-ACF9-E2B00356C037}" destId="{A34C44AE-7115-4D37-B143-B2B3DD150A59}" srcOrd="0" destOrd="0" presId="urn:microsoft.com/office/officeart/2005/8/layout/hierarchy1"/>
-    <dgm:cxn modelId="{35C14CBA-A830-48CD-85E3-ED679D055288}" srcId="{1B12F9DF-B8C4-4534-801E-E53D53A46C72}" destId="{1C0DD68F-DEAC-446B-A489-2409EBE901E3}" srcOrd="2" destOrd="0" parTransId="{6AD69574-E389-4C0F-876C-4A7B9D2F3B3E}" sibTransId="{DC194B87-C231-45E8-9A6E-BC0A160872A6}"/>
+    <dgm:cxn modelId="{00AA68FE-3597-49E3-919B-86E5737342C3}" type="presOf" srcId="{6C5C0BBE-3DFD-4512-A1FD-A8D889E5A003}" destId="{CC76AA8D-EDFD-4F00-A123-CCD1459F2D9C}" srcOrd="0" destOrd="0" presId="urn:microsoft.com/office/officeart/2005/8/layout/hierarchy1"/>
     <dgm:cxn modelId="{C5F06BE5-A7A5-4928-BB04-EFCE1A0D0D28}" type="presParOf" srcId="{5A7F7797-F4B4-41A7-84D2-C63F2DE02FC0}" destId="{895C8ED4-B721-4463-9EE5-B849AF2DEC4A}" srcOrd="0" destOrd="0" presId="urn:microsoft.com/office/officeart/2005/8/layout/hierarchy1"/>
     <dgm:cxn modelId="{C567B56F-9C28-4269-B3D1-97DB573FD9D6}" type="presParOf" srcId="{895C8ED4-B721-4463-9EE5-B849AF2DEC4A}" destId="{55BD2AA0-2BC5-447F-9E50-38F94857E81C}" srcOrd="0" destOrd="0" presId="urn:microsoft.com/office/officeart/2005/8/layout/hierarchy1"/>
     <dgm:cxn modelId="{8117BD34-E620-45FC-BB87-C910D7CF0B01}" type="presParOf" srcId="{55BD2AA0-2BC5-447F-9E50-38F94857E81C}" destId="{42A077D0-A3A8-497D-BA99-92277543B44F}" srcOrd="0" destOrd="0" presId="urn:microsoft.com/office/officeart/2005/8/layout/hierarchy1"/>
@@ -2248,6 +2651,36 @@
     <dgm:cxn modelId="{9B63364F-093A-4931-B518-6A785DF30FED}" type="presParOf" srcId="{A6CF2823-C26D-4B03-8651-6F2937BB12CD}" destId="{3BDADE08-40D6-4DE2-80F9-79871033E79A}" srcOrd="0" destOrd="0" presId="urn:microsoft.com/office/officeart/2005/8/layout/hierarchy1"/>
     <dgm:cxn modelId="{848D7E8B-ED4D-45F6-8E08-431348E9C83D}" type="presParOf" srcId="{A6CF2823-C26D-4B03-8651-6F2937BB12CD}" destId="{8B2F7509-A30D-4B02-AE8E-BD3F185691A2}" srcOrd="1" destOrd="0" presId="urn:microsoft.com/office/officeart/2005/8/layout/hierarchy1"/>
     <dgm:cxn modelId="{3DE1038C-7924-4503-9F8C-2465952455E4}" type="presParOf" srcId="{AE9CD898-ABAF-4F85-BF12-A39E9FEDC4DB}" destId="{0A126775-2256-4CA0-A833-83A9710553DC}" srcOrd="1" destOrd="0" presId="urn:microsoft.com/office/officeart/2005/8/layout/hierarchy1"/>
+    <dgm:cxn modelId="{4D0743A5-5DF6-4E71-861D-FBA10D1BB3B9}" type="presParOf" srcId="{0A126775-2256-4CA0-A833-83A9710553DC}" destId="{38F8BB8D-C575-48C7-A3F7-183D9633E7EE}" srcOrd="0" destOrd="0" presId="urn:microsoft.com/office/officeart/2005/8/layout/hierarchy1"/>
+    <dgm:cxn modelId="{6B2699BA-3D31-4211-80D0-B24A281A1D0C}" type="presParOf" srcId="{0A126775-2256-4CA0-A833-83A9710553DC}" destId="{CA142485-30DE-4306-AB88-3821E4861F80}" srcOrd="1" destOrd="0" presId="urn:microsoft.com/office/officeart/2005/8/layout/hierarchy1"/>
+    <dgm:cxn modelId="{A901338C-C85D-44A9-86A7-338F472C3A06}" type="presParOf" srcId="{CA142485-30DE-4306-AB88-3821E4861F80}" destId="{4957B508-70DC-4B2A-9C41-9AB017D01242}" srcOrd="0" destOrd="0" presId="urn:microsoft.com/office/officeart/2005/8/layout/hierarchy1"/>
+    <dgm:cxn modelId="{1C77C6A9-3C6B-4C36-ACF1-89E89F464004}" type="presParOf" srcId="{4957B508-70DC-4B2A-9C41-9AB017D01242}" destId="{F449993B-E4F8-4B97-8341-02F61FC3FFCB}" srcOrd="0" destOrd="0" presId="urn:microsoft.com/office/officeart/2005/8/layout/hierarchy1"/>
+    <dgm:cxn modelId="{7F8875C4-B6D7-496D-BF31-84D44E07BA7D}" type="presParOf" srcId="{4957B508-70DC-4B2A-9C41-9AB017D01242}" destId="{F0B4D1F3-EB23-495C-B2C2-169E996FE538}" srcOrd="1" destOrd="0" presId="urn:microsoft.com/office/officeart/2005/8/layout/hierarchy1"/>
+    <dgm:cxn modelId="{26E19B44-DEBE-405C-8B4D-942E39A2A2EB}" type="presParOf" srcId="{CA142485-30DE-4306-AB88-3821E4861F80}" destId="{12DFCEFD-846D-4B7B-A1C3-E3CD5E13311A}" srcOrd="1" destOrd="0" presId="urn:microsoft.com/office/officeart/2005/8/layout/hierarchy1"/>
+    <dgm:cxn modelId="{99F750A6-FF1E-4348-B20B-8576049AEF32}" type="presParOf" srcId="{12DFCEFD-846D-4B7B-A1C3-E3CD5E13311A}" destId="{E280A1DC-80DF-4849-BACF-1DAFB6CDEFFD}" srcOrd="0" destOrd="0" presId="urn:microsoft.com/office/officeart/2005/8/layout/hierarchy1"/>
+    <dgm:cxn modelId="{72543C2A-C76D-43B6-BEDA-168D147577D5}" type="presParOf" srcId="{12DFCEFD-846D-4B7B-A1C3-E3CD5E13311A}" destId="{D8166764-E1DB-46DA-952F-E8CB33992056}" srcOrd="1" destOrd="0" presId="urn:microsoft.com/office/officeart/2005/8/layout/hierarchy1"/>
+    <dgm:cxn modelId="{136BA08A-5F21-4F58-98B5-9B0D2DB9DECC}" type="presParOf" srcId="{D8166764-E1DB-46DA-952F-E8CB33992056}" destId="{EFF90E09-2C2D-4A12-82E7-D613FFF555A1}" srcOrd="0" destOrd="0" presId="urn:microsoft.com/office/officeart/2005/8/layout/hierarchy1"/>
+    <dgm:cxn modelId="{C74BA6C7-EDA4-4510-967E-3A3887BECC9E}" type="presParOf" srcId="{EFF90E09-2C2D-4A12-82E7-D613FFF555A1}" destId="{05E6674E-4F02-428F-88B1-8F3958632352}" srcOrd="0" destOrd="0" presId="urn:microsoft.com/office/officeart/2005/8/layout/hierarchy1"/>
+    <dgm:cxn modelId="{F29A6F38-359E-4FC1-A2DB-6018C69C45EE}" type="presParOf" srcId="{EFF90E09-2C2D-4A12-82E7-D613FFF555A1}" destId="{FA590CD4-2D86-4DB2-A8A0-B78730BFE435}" srcOrd="1" destOrd="0" presId="urn:microsoft.com/office/officeart/2005/8/layout/hierarchy1"/>
+    <dgm:cxn modelId="{C7B5657D-22EB-47F4-8CC9-8B39E03AB255}" type="presParOf" srcId="{D8166764-E1DB-46DA-952F-E8CB33992056}" destId="{40B434F5-F97F-4BB1-A051-84010ECD1245}" srcOrd="1" destOrd="0" presId="urn:microsoft.com/office/officeart/2005/8/layout/hierarchy1"/>
+    <dgm:cxn modelId="{CA961DF7-FBE6-4C78-950B-E10306BE7ED5}" type="presParOf" srcId="{88856EAC-9117-42FF-BBA9-9EA339431168}" destId="{86EB4D52-255A-4F70-9774-21804A668D4A}" srcOrd="2" destOrd="0" presId="urn:microsoft.com/office/officeart/2005/8/layout/hierarchy1"/>
+    <dgm:cxn modelId="{CBC35629-22EB-492E-98A6-20B8BD5029ED}" type="presParOf" srcId="{88856EAC-9117-42FF-BBA9-9EA339431168}" destId="{C8FA9CB2-A184-4425-92F2-6124B0A4D1D5}" srcOrd="3" destOrd="0" presId="urn:microsoft.com/office/officeart/2005/8/layout/hierarchy1"/>
+    <dgm:cxn modelId="{30843C63-18ED-4080-A740-C6025A9B45B5}" type="presParOf" srcId="{C8FA9CB2-A184-4425-92F2-6124B0A4D1D5}" destId="{818ACF40-ABA1-4D83-8E11-7A97AA2872F6}" srcOrd="0" destOrd="0" presId="urn:microsoft.com/office/officeart/2005/8/layout/hierarchy1"/>
+    <dgm:cxn modelId="{EBC69C66-6342-4BBB-BED4-EE138C33C7B6}" type="presParOf" srcId="{818ACF40-ABA1-4D83-8E11-7A97AA2872F6}" destId="{9090626E-DD99-48CC-9FF5-8A3A8E42DC8A}" srcOrd="0" destOrd="0" presId="urn:microsoft.com/office/officeart/2005/8/layout/hierarchy1"/>
+    <dgm:cxn modelId="{CBA86FF8-4A7F-401D-8EFC-1F6C6A4CF7C0}" type="presParOf" srcId="{818ACF40-ABA1-4D83-8E11-7A97AA2872F6}" destId="{FEE25C1A-4262-4C2A-932A-76A1C33ED343}" srcOrd="1" destOrd="0" presId="urn:microsoft.com/office/officeart/2005/8/layout/hierarchy1"/>
+    <dgm:cxn modelId="{D3D1C4E7-3811-4FD7-9107-420311B26584}" type="presParOf" srcId="{C8FA9CB2-A184-4425-92F2-6124B0A4D1D5}" destId="{9A5EED4D-0585-491C-9547-362B45ED6B53}" srcOrd="1" destOrd="0" presId="urn:microsoft.com/office/officeart/2005/8/layout/hierarchy1"/>
+    <dgm:cxn modelId="{53F71EF8-4685-493D-B10D-980DF7BC3E69}" type="presParOf" srcId="{9A5EED4D-0585-491C-9547-362B45ED6B53}" destId="{704C047F-5BA0-4C0B-9CA8-ADA19FEE9351}" srcOrd="0" destOrd="0" presId="urn:microsoft.com/office/officeart/2005/8/layout/hierarchy1"/>
+    <dgm:cxn modelId="{F5319448-9AD5-48ED-89A8-0D4CF42FCABD}" type="presParOf" srcId="{9A5EED4D-0585-491C-9547-362B45ED6B53}" destId="{F8D64C43-996C-479C-8602-899B142C0FB0}" srcOrd="1" destOrd="0" presId="urn:microsoft.com/office/officeart/2005/8/layout/hierarchy1"/>
+    <dgm:cxn modelId="{BBC35157-FEBB-40B8-A3E3-362EBE0D4C0C}" type="presParOf" srcId="{F8D64C43-996C-479C-8602-899B142C0FB0}" destId="{D6C1C859-23EC-4D01-83EC-E6E079882A33}" srcOrd="0" destOrd="0" presId="urn:microsoft.com/office/officeart/2005/8/layout/hierarchy1"/>
+    <dgm:cxn modelId="{0386C9BD-AFC9-4BE8-A1D2-6ACB15BFC261}" type="presParOf" srcId="{D6C1C859-23EC-4D01-83EC-E6E079882A33}" destId="{E431432C-B420-4D44-9A9D-BA8DA5CCF827}" srcOrd="0" destOrd="0" presId="urn:microsoft.com/office/officeart/2005/8/layout/hierarchy1"/>
+    <dgm:cxn modelId="{3B90E1A2-9F95-491F-AFC7-A0F00A7E4BC8}" type="presParOf" srcId="{D6C1C859-23EC-4D01-83EC-E6E079882A33}" destId="{5FECA2E8-0A61-4ECE-9282-073F2BD14672}" srcOrd="1" destOrd="0" presId="urn:microsoft.com/office/officeart/2005/8/layout/hierarchy1"/>
+    <dgm:cxn modelId="{88155E5B-C243-44C5-97EF-5AC61404D03B}" type="presParOf" srcId="{F8D64C43-996C-479C-8602-899B142C0FB0}" destId="{23AC6BA7-ACA9-4C44-B5FF-5C8D138CCE46}" srcOrd="1" destOrd="0" presId="urn:microsoft.com/office/officeart/2005/8/layout/hierarchy1"/>
+    <dgm:cxn modelId="{0B8608D1-DBC0-44E8-9E15-A8DDCF5DFB1E}" type="presParOf" srcId="{23AC6BA7-ACA9-4C44-B5FF-5C8D138CCE46}" destId="{CF2B28C1-5DA7-49C7-83F5-EB9100C583DA}" srcOrd="0" destOrd="0" presId="urn:microsoft.com/office/officeart/2005/8/layout/hierarchy1"/>
+    <dgm:cxn modelId="{6C6ECA94-CF91-4B7C-83AA-8B19AC096F27}" type="presParOf" srcId="{23AC6BA7-ACA9-4C44-B5FF-5C8D138CCE46}" destId="{5D503C2D-2F51-42CF-A973-83675196AE8B}" srcOrd="1" destOrd="0" presId="urn:microsoft.com/office/officeart/2005/8/layout/hierarchy1"/>
+    <dgm:cxn modelId="{83F2087F-C621-465F-AA21-37E8F193F519}" type="presParOf" srcId="{5D503C2D-2F51-42CF-A973-83675196AE8B}" destId="{78493BE0-EED4-4EBE-91A7-23E9C87D5177}" srcOrd="0" destOrd="0" presId="urn:microsoft.com/office/officeart/2005/8/layout/hierarchy1"/>
+    <dgm:cxn modelId="{67640D63-0824-434C-8E0B-34DEAD87DEDE}" type="presParOf" srcId="{78493BE0-EED4-4EBE-91A7-23E9C87D5177}" destId="{F99EA833-25C6-487F-9068-D28C030892D2}" srcOrd="0" destOrd="0" presId="urn:microsoft.com/office/officeart/2005/8/layout/hierarchy1"/>
+    <dgm:cxn modelId="{1DF5BA33-FDAC-4DE4-9B29-9D0EDD576F06}" type="presParOf" srcId="{78493BE0-EED4-4EBE-91A7-23E9C87D5177}" destId="{E0EA8EB7-6078-421D-9CD9-E92EE822901E}" srcOrd="1" destOrd="0" presId="urn:microsoft.com/office/officeart/2005/8/layout/hierarchy1"/>
+    <dgm:cxn modelId="{CF8B63EE-F5E8-4117-BA36-FFDEDB1D2C02}" type="presParOf" srcId="{5D503C2D-2F51-42CF-A973-83675196AE8B}" destId="{922488C2-A347-49D6-B60D-A39D8ECFDD24}" srcOrd="1" destOrd="0" presId="urn:microsoft.com/office/officeart/2005/8/layout/hierarchy1"/>
     <dgm:cxn modelId="{9D641974-AE5B-4FA2-B65B-C444B0499068}" type="presParOf" srcId="{6079B406-2C5B-479F-B655-7F94772C2C25}" destId="{0CD5A9FB-3B7B-4304-84AE-6DF831AF9E1D}" srcOrd="2" destOrd="0" presId="urn:microsoft.com/office/officeart/2005/8/layout/hierarchy1"/>
     <dgm:cxn modelId="{5FECB4B4-570A-40A7-96CC-DF6A4058B5BD}" type="presParOf" srcId="{6079B406-2C5B-479F-B655-7F94772C2C25}" destId="{A66B8529-A1E3-4891-86D0-A77B6E360B3C}" srcOrd="3" destOrd="0" presId="urn:microsoft.com/office/officeart/2005/8/layout/hierarchy1"/>
     <dgm:cxn modelId="{E37FEB0C-F971-4D58-A6B0-F8C7A7B1B18F}" type="presParOf" srcId="{A66B8529-A1E3-4891-86D0-A77B6E360B3C}" destId="{B06E06ED-CFEC-4744-B93E-183F83BEBE58}" srcOrd="0" destOrd="0" presId="urn:microsoft.com/office/officeart/2005/8/layout/hierarchy1"/>
@@ -2278,6 +2711,12 @@
     <dgm:cxn modelId="{D4589CE9-EA49-4BB8-BC40-A973561D5822}" type="presParOf" srcId="{B7CA49FF-C7D5-48FF-A20C-4F51DB5A3749}" destId="{C3235ABA-B8ED-419D-ACF6-B4C97A756770}" srcOrd="0" destOrd="0" presId="urn:microsoft.com/office/officeart/2005/8/layout/hierarchy1"/>
     <dgm:cxn modelId="{8C47199D-76E8-474E-8359-EBF93CD771EB}" type="presParOf" srcId="{B7CA49FF-C7D5-48FF-A20C-4F51DB5A3749}" destId="{B9F2E3C8-2D86-43F5-A4C0-8D3E84CDF505}" srcOrd="1" destOrd="0" presId="urn:microsoft.com/office/officeart/2005/8/layout/hierarchy1"/>
     <dgm:cxn modelId="{114F9985-E8BE-4E2C-9628-A91AB6E5BD74}" type="presParOf" srcId="{67411EDB-705C-4432-9779-B477892091E1}" destId="{703B0F66-07A4-4D06-A21D-653714C6B87D}" srcOrd="1" destOrd="0" presId="urn:microsoft.com/office/officeart/2005/8/layout/hierarchy1"/>
+    <dgm:cxn modelId="{F27AE0F7-F08E-4F43-A99F-4E88645E8983}" type="presParOf" srcId="{2B11C35D-9297-4087-8396-B868B1A0F207}" destId="{AE8C093D-DC03-471D-84A7-548CF18CA5E8}" srcOrd="2" destOrd="0" presId="urn:microsoft.com/office/officeart/2005/8/layout/hierarchy1"/>
+    <dgm:cxn modelId="{111B9922-6EF3-4578-A85D-450A1A151892}" type="presParOf" srcId="{2B11C35D-9297-4087-8396-B868B1A0F207}" destId="{B074CA39-78F3-4685-96D6-6A267C43349B}" srcOrd="3" destOrd="0" presId="urn:microsoft.com/office/officeart/2005/8/layout/hierarchy1"/>
+    <dgm:cxn modelId="{0FD61F97-D25F-44CA-A3B8-A66A9BA81743}" type="presParOf" srcId="{B074CA39-78F3-4685-96D6-6A267C43349B}" destId="{6924BAD1-66DA-48FE-AF3C-AA5FD2016E95}" srcOrd="0" destOrd="0" presId="urn:microsoft.com/office/officeart/2005/8/layout/hierarchy1"/>
+    <dgm:cxn modelId="{B25C8D15-8FA8-4D92-9E3A-BDD229F4C8F0}" type="presParOf" srcId="{6924BAD1-66DA-48FE-AF3C-AA5FD2016E95}" destId="{5F33A519-9AAC-45AD-BDB1-73B1CE3E54CC}" srcOrd="0" destOrd="0" presId="urn:microsoft.com/office/officeart/2005/8/layout/hierarchy1"/>
+    <dgm:cxn modelId="{39A3A119-BC5B-4F6A-9FC7-157861206A89}" type="presParOf" srcId="{6924BAD1-66DA-48FE-AF3C-AA5FD2016E95}" destId="{0A00F65D-AEBF-4A20-AD7E-104741C90AC8}" srcOrd="1" destOrd="0" presId="urn:microsoft.com/office/officeart/2005/8/layout/hierarchy1"/>
+    <dgm:cxn modelId="{58DA3370-89C4-4F76-999E-587178BF73FE}" type="presParOf" srcId="{B074CA39-78F3-4685-96D6-6A267C43349B}" destId="{FD8D1718-07E9-4E9B-8B14-072E02453175}" srcOrd="1" destOrd="0" presId="urn:microsoft.com/office/officeart/2005/8/layout/hierarchy1"/>
     <dgm:cxn modelId="{E0B48A43-1EEE-44D1-A9AA-4FD8276D335F}" type="presParOf" srcId="{6079B406-2C5B-479F-B655-7F94772C2C25}" destId="{A7B989AD-23A1-41C2-ABB8-B2E3E5DF4CF2}" srcOrd="6" destOrd="0" presId="urn:microsoft.com/office/officeart/2005/8/layout/hierarchy1"/>
     <dgm:cxn modelId="{8CAEF3D1-C0F3-44F8-9708-F7582CCF9B32}" type="presParOf" srcId="{6079B406-2C5B-479F-B655-7F94772C2C25}" destId="{ED6284D8-0778-4B63-811A-78AC25A26D16}" srcOrd="7" destOrd="0" presId="urn:microsoft.com/office/officeart/2005/8/layout/hierarchy1"/>
     <dgm:cxn modelId="{F8EF66AF-7E82-4BC2-8A0E-E9B351CCCD54}" type="presParOf" srcId="{ED6284D8-0778-4B63-811A-78AC25A26D16}" destId="{7E8AD561-A2C1-45BB-A879-7AFB12BD57E8}" srcOrd="0" destOrd="0" presId="urn:microsoft.com/office/officeart/2005/8/layout/hierarchy1"/>
@@ -2364,8 +2803,8 @@
       </dsp:nvSpPr>
       <dsp:spPr>
         <a:xfrm>
-          <a:off x="11033806" y="3390905"/>
-          <a:ext cx="91440" cy="280089"/>
+          <a:off x="11133688" y="2606094"/>
+          <a:ext cx="91440" cy="233097"/>
         </a:xfrm>
         <a:custGeom>
           <a:avLst/>
@@ -2379,7 +2818,7 @@
                 <a:pt x="45720" y="0"/>
               </a:moveTo>
               <a:lnTo>
-                <a:pt x="45720" y="280089"/>
+                <a:pt x="45720" y="233097"/>
               </a:lnTo>
             </a:path>
           </a:pathLst>
@@ -2420,8 +2859,8 @@
       </dsp:nvSpPr>
       <dsp:spPr>
         <a:xfrm>
-          <a:off x="5782700" y="2499272"/>
-          <a:ext cx="5296825" cy="280089"/>
+          <a:off x="6036574" y="1864056"/>
+          <a:ext cx="5142834" cy="233097"/>
         </a:xfrm>
         <a:custGeom>
           <a:avLst/>
@@ -2435,13 +2874,13 @@
                 <a:pt x="0" y="0"/>
               </a:moveTo>
               <a:lnTo>
-                <a:pt x="0" y="190872"/>
+                <a:pt x="0" y="158849"/>
               </a:lnTo>
               <a:lnTo>
-                <a:pt x="5296825" y="190872"/>
+                <a:pt x="5142834" y="158849"/>
               </a:lnTo>
               <a:lnTo>
-                <a:pt x="5296825" y="280089"/>
+                <a:pt x="5142834" y="233097"/>
               </a:lnTo>
             </a:path>
           </a:pathLst>
@@ -2482,8 +2921,8 @@
       </dsp:nvSpPr>
       <dsp:spPr>
         <a:xfrm>
-          <a:off x="9856733" y="3390905"/>
-          <a:ext cx="91440" cy="280089"/>
+          <a:off x="10154100" y="2606094"/>
+          <a:ext cx="91440" cy="233097"/>
         </a:xfrm>
         <a:custGeom>
           <a:avLst/>
@@ -2497,7 +2936,7 @@
                 <a:pt x="45720" y="0"/>
               </a:moveTo>
               <a:lnTo>
-                <a:pt x="45720" y="280089"/>
+                <a:pt x="45720" y="233097"/>
               </a:lnTo>
             </a:path>
           </a:pathLst>
@@ -2538,8 +2977,8 @@
       </dsp:nvSpPr>
       <dsp:spPr>
         <a:xfrm>
-          <a:off x="5782700" y="2499272"/>
-          <a:ext cx="4119753" cy="280089"/>
+          <a:off x="6036574" y="1864056"/>
+          <a:ext cx="4163246" cy="233097"/>
         </a:xfrm>
         <a:custGeom>
           <a:avLst/>
@@ -2553,13 +2992,13 @@
                 <a:pt x="0" y="0"/>
               </a:moveTo>
               <a:lnTo>
-                <a:pt x="0" y="190872"/>
+                <a:pt x="0" y="158849"/>
               </a:lnTo>
               <a:lnTo>
-                <a:pt x="4119753" y="190872"/>
+                <a:pt x="4163246" y="158849"/>
               </a:lnTo>
               <a:lnTo>
-                <a:pt x="4119753" y="280089"/>
+                <a:pt x="4163246" y="233097"/>
               </a:lnTo>
             </a:path>
           </a:pathLst>
@@ -2600,8 +3039,8 @@
       </dsp:nvSpPr>
       <dsp:spPr>
         <a:xfrm>
-          <a:off x="7548309" y="3390905"/>
-          <a:ext cx="1177072" cy="280089"/>
+          <a:off x="8240645" y="2606094"/>
+          <a:ext cx="979587" cy="233097"/>
         </a:xfrm>
         <a:custGeom>
           <a:avLst/>
@@ -2615,13 +3054,13 @@
                 <a:pt x="0" y="0"/>
               </a:moveTo>
               <a:lnTo>
-                <a:pt x="0" y="190872"/>
+                <a:pt x="0" y="158849"/>
               </a:lnTo>
               <a:lnTo>
-                <a:pt x="1177072" y="190872"/>
+                <a:pt x="979587" y="158849"/>
               </a:lnTo>
               <a:lnTo>
-                <a:pt x="1177072" y="280089"/>
+                <a:pt x="979587" y="233097"/>
               </a:lnTo>
             </a:path>
           </a:pathLst>
@@ -2662,8 +3101,8 @@
       </dsp:nvSpPr>
       <dsp:spPr>
         <a:xfrm>
-          <a:off x="7502589" y="3390905"/>
-          <a:ext cx="91440" cy="280089"/>
+          <a:off x="8194925" y="2606094"/>
+          <a:ext cx="91440" cy="233097"/>
         </a:xfrm>
         <a:custGeom>
           <a:avLst/>
@@ -2677,7 +3116,7 @@
                 <a:pt x="45720" y="0"/>
               </a:moveTo>
               <a:lnTo>
-                <a:pt x="45720" y="280089"/>
+                <a:pt x="45720" y="233097"/>
               </a:lnTo>
             </a:path>
           </a:pathLst>
@@ -2718,8 +3157,8 @@
       </dsp:nvSpPr>
       <dsp:spPr>
         <a:xfrm>
-          <a:off x="6371236" y="3390905"/>
-          <a:ext cx="1177072" cy="280089"/>
+          <a:off x="7261058" y="2606094"/>
+          <a:ext cx="979587" cy="233097"/>
         </a:xfrm>
         <a:custGeom>
           <a:avLst/>
@@ -2730,16 +3169,16 @@
           <a:pathLst>
             <a:path>
               <a:moveTo>
-                <a:pt x="1177072" y="0"/>
+                <a:pt x="979587" y="0"/>
               </a:moveTo>
               <a:lnTo>
-                <a:pt x="1177072" y="190872"/>
+                <a:pt x="979587" y="158849"/>
               </a:lnTo>
               <a:lnTo>
-                <a:pt x="0" y="190872"/>
+                <a:pt x="0" y="158849"/>
               </a:lnTo>
               <a:lnTo>
-                <a:pt x="0" y="280089"/>
+                <a:pt x="0" y="233097"/>
               </a:lnTo>
             </a:path>
           </a:pathLst>
@@ -2780,8 +3219,8 @@
       </dsp:nvSpPr>
       <dsp:spPr>
         <a:xfrm>
-          <a:off x="5782700" y="2499272"/>
-          <a:ext cx="1765608" cy="280089"/>
+          <a:off x="6036574" y="1864056"/>
+          <a:ext cx="2204071" cy="233097"/>
         </a:xfrm>
         <a:custGeom>
           <a:avLst/>
@@ -2795,13 +3234,13 @@
                 <a:pt x="0" y="0"/>
               </a:moveTo>
               <a:lnTo>
-                <a:pt x="0" y="190872"/>
+                <a:pt x="0" y="158849"/>
               </a:lnTo>
               <a:lnTo>
-                <a:pt x="1765608" y="190872"/>
+                <a:pt x="2204071" y="158849"/>
               </a:lnTo>
               <a:lnTo>
-                <a:pt x="1765608" y="280089"/>
+                <a:pt x="2204071" y="233097"/>
               </a:lnTo>
             </a:path>
           </a:pathLst>
@@ -2842,8 +3281,8 @@
       </dsp:nvSpPr>
       <dsp:spPr>
         <a:xfrm>
-          <a:off x="5148444" y="3390905"/>
-          <a:ext cx="91440" cy="280089"/>
+          <a:off x="6235751" y="2606094"/>
+          <a:ext cx="91440" cy="233097"/>
         </a:xfrm>
         <a:custGeom>
           <a:avLst/>
@@ -2857,7 +3296,7 @@
                 <a:pt x="45720" y="0"/>
               </a:moveTo>
               <a:lnTo>
-                <a:pt x="45720" y="280089"/>
+                <a:pt x="45720" y="233097"/>
               </a:lnTo>
             </a:path>
           </a:pathLst>
@@ -2898,8 +3337,8 @@
       </dsp:nvSpPr>
       <dsp:spPr>
         <a:xfrm>
-          <a:off x="5194164" y="2499272"/>
-          <a:ext cx="588536" cy="280089"/>
+          <a:off x="6036574" y="1864056"/>
+          <a:ext cx="244896" cy="233097"/>
         </a:xfrm>
         <a:custGeom>
           <a:avLst/>
@@ -2910,16 +3349,16 @@
           <a:pathLst>
             <a:path>
               <a:moveTo>
-                <a:pt x="588536" y="0"/>
+                <a:pt x="0" y="0"/>
               </a:moveTo>
               <a:lnTo>
-                <a:pt x="588536" y="190872"/>
+                <a:pt x="0" y="158849"/>
               </a:lnTo>
               <a:lnTo>
-                <a:pt x="0" y="190872"/>
+                <a:pt x="244896" y="158849"/>
               </a:lnTo>
               <a:lnTo>
-                <a:pt x="0" y="280089"/>
+                <a:pt x="244896" y="233097"/>
               </a:lnTo>
             </a:path>
           </a:pathLst>
@@ -2953,15 +3392,15 @@
         <a:fontRef idx="minor"/>
       </dsp:style>
     </dsp:sp>
-    <dsp:sp modelId="{3A2383FE-E520-4B03-8F7B-60635C056BED}">
+    <dsp:sp modelId="{AE8C093D-DC03-471D-84A7-548CF18CA5E8}">
       <dsp:nvSpPr>
         <dsp:cNvPr id="0" name=""/>
         <dsp:cNvSpPr/>
       </dsp:nvSpPr>
       <dsp:spPr>
         <a:xfrm>
-          <a:off x="3971372" y="3390905"/>
-          <a:ext cx="91440" cy="280089"/>
+          <a:off x="4812089" y="2606094"/>
+          <a:ext cx="489793" cy="233097"/>
         </a:xfrm>
         <a:custGeom>
           <a:avLst/>
@@ -2972,10 +3411,16 @@
           <a:pathLst>
             <a:path>
               <a:moveTo>
-                <a:pt x="45720" y="0"/>
+                <a:pt x="0" y="0"/>
               </a:moveTo>
               <a:lnTo>
-                <a:pt x="45720" y="280089"/>
+                <a:pt x="0" y="158849"/>
+              </a:lnTo>
+              <a:lnTo>
+                <a:pt x="489793" y="158849"/>
+              </a:lnTo>
+              <a:lnTo>
+                <a:pt x="489793" y="233097"/>
               </a:lnTo>
             </a:path>
           </a:pathLst>
@@ -3009,15 +3454,15 @@
         <a:fontRef idx="minor"/>
       </dsp:style>
     </dsp:sp>
-    <dsp:sp modelId="{1AFCDAFB-222A-4397-8CE7-9461A4B5FBCB}">
+    <dsp:sp modelId="{3A2383FE-E520-4B03-8F7B-60635C056BED}">
       <dsp:nvSpPr>
         <dsp:cNvPr id="0" name=""/>
         <dsp:cNvSpPr/>
       </dsp:nvSpPr>
       <dsp:spPr>
         <a:xfrm>
-          <a:off x="4017092" y="2499272"/>
-          <a:ext cx="1765608" cy="280089"/>
+          <a:off x="4322296" y="2606094"/>
+          <a:ext cx="489793" cy="233097"/>
         </a:xfrm>
         <a:custGeom>
           <a:avLst/>
@@ -3028,16 +3473,78 @@
           <a:pathLst>
             <a:path>
               <a:moveTo>
-                <a:pt x="1765608" y="0"/>
+                <a:pt x="489793" y="0"/>
               </a:moveTo>
               <a:lnTo>
-                <a:pt x="1765608" y="190872"/>
+                <a:pt x="489793" y="158849"/>
               </a:lnTo>
               <a:lnTo>
-                <a:pt x="0" y="190872"/>
+                <a:pt x="0" y="158849"/>
               </a:lnTo>
               <a:lnTo>
-                <a:pt x="0" y="280089"/>
+                <a:pt x="0" y="233097"/>
+              </a:lnTo>
+            </a:path>
+          </a:pathLst>
+        </a:custGeom>
+        <a:noFill/>
+        <a:ln w="12700" cap="flat" cmpd="sng" algn="ctr">
+          <a:solidFill>
+            <a:schemeClr val="accent1">
+              <a:shade val="80000"/>
+              <a:hueOff val="0"/>
+              <a:satOff val="0"/>
+              <a:lumOff val="0"/>
+              <a:alphaOff val="0"/>
+            </a:schemeClr>
+          </a:solidFill>
+          <a:prstDash val="solid"/>
+          <a:miter lim="800000"/>
+        </a:ln>
+        <a:effectLst/>
+      </dsp:spPr>
+      <dsp:style>
+        <a:lnRef idx="2">
+          <a:scrgbClr r="0" g="0" b="0"/>
+        </a:lnRef>
+        <a:fillRef idx="0">
+          <a:scrgbClr r="0" g="0" b="0"/>
+        </a:fillRef>
+        <a:effectRef idx="0">
+          <a:scrgbClr r="0" g="0" b="0"/>
+        </a:effectRef>
+        <a:fontRef idx="minor"/>
+      </dsp:style>
+    </dsp:sp>
+    <dsp:sp modelId="{1AFCDAFB-222A-4397-8CE7-9461A4B5FBCB}">
+      <dsp:nvSpPr>
+        <dsp:cNvPr id="0" name=""/>
+        <dsp:cNvSpPr/>
+      </dsp:nvSpPr>
+      <dsp:spPr>
+        <a:xfrm>
+          <a:off x="4812089" y="1864056"/>
+          <a:ext cx="1224484" cy="233097"/>
+        </a:xfrm>
+        <a:custGeom>
+          <a:avLst/>
+          <a:gdLst/>
+          <a:ahLst/>
+          <a:cxnLst/>
+          <a:rect l="0" t="0" r="0" b="0"/>
+          <a:pathLst>
+            <a:path>
+              <a:moveTo>
+                <a:pt x="1224484" y="0"/>
+              </a:moveTo>
+              <a:lnTo>
+                <a:pt x="1224484" y="158849"/>
+              </a:lnTo>
+              <a:lnTo>
+                <a:pt x="0" y="158849"/>
+              </a:lnTo>
+              <a:lnTo>
+                <a:pt x="0" y="233097"/>
               </a:lnTo>
             </a:path>
           </a:pathLst>
@@ -3078,8 +3585,8 @@
       </dsp:nvSpPr>
       <dsp:spPr>
         <a:xfrm>
-          <a:off x="2251483" y="3390905"/>
-          <a:ext cx="588536" cy="280089"/>
+          <a:off x="2852914" y="2606094"/>
+          <a:ext cx="489793" cy="233097"/>
         </a:xfrm>
         <a:custGeom>
           <a:avLst/>
@@ -3093,13 +3600,13 @@
                 <a:pt x="0" y="0"/>
               </a:moveTo>
               <a:lnTo>
-                <a:pt x="0" y="190872"/>
+                <a:pt x="0" y="158849"/>
               </a:lnTo>
               <a:lnTo>
-                <a:pt x="588536" y="190872"/>
+                <a:pt x="489793" y="158849"/>
               </a:lnTo>
               <a:lnTo>
-                <a:pt x="588536" y="280089"/>
+                <a:pt x="489793" y="233097"/>
               </a:lnTo>
             </a:path>
           </a:pathLst>
@@ -3140,8 +3647,8 @@
       </dsp:nvSpPr>
       <dsp:spPr>
         <a:xfrm>
-          <a:off x="1662947" y="3390905"/>
-          <a:ext cx="588536" cy="280089"/>
+          <a:off x="2363121" y="2606094"/>
+          <a:ext cx="489793" cy="233097"/>
         </a:xfrm>
         <a:custGeom>
           <a:avLst/>
@@ -3152,16 +3659,16 @@
           <a:pathLst>
             <a:path>
               <a:moveTo>
-                <a:pt x="588536" y="0"/>
+                <a:pt x="489793" y="0"/>
               </a:moveTo>
               <a:lnTo>
-                <a:pt x="588536" y="190872"/>
+                <a:pt x="489793" y="158849"/>
               </a:lnTo>
               <a:lnTo>
-                <a:pt x="0" y="190872"/>
+                <a:pt x="0" y="158849"/>
               </a:lnTo>
               <a:lnTo>
-                <a:pt x="0" y="280089"/>
+                <a:pt x="0" y="233097"/>
               </a:lnTo>
             </a:path>
           </a:pathLst>
@@ -3202,8 +3709,8 @@
       </dsp:nvSpPr>
       <dsp:spPr>
         <a:xfrm>
-          <a:off x="2251483" y="2499272"/>
-          <a:ext cx="3531216" cy="280089"/>
+          <a:off x="2852914" y="1864056"/>
+          <a:ext cx="3183659" cy="233097"/>
         </a:xfrm>
         <a:custGeom>
           <a:avLst/>
@@ -3214,16 +3721,16 @@
           <a:pathLst>
             <a:path>
               <a:moveTo>
-                <a:pt x="3531216" y="0"/>
+                <a:pt x="3183659" y="0"/>
               </a:moveTo>
               <a:lnTo>
-                <a:pt x="3531216" y="190872"/>
+                <a:pt x="3183659" y="158849"/>
               </a:lnTo>
               <a:lnTo>
-                <a:pt x="0" y="190872"/>
+                <a:pt x="0" y="158849"/>
               </a:lnTo>
               <a:lnTo>
-                <a:pt x="0" y="280089"/>
+                <a:pt x="0" y="233097"/>
               </a:lnTo>
             </a:path>
           </a:pathLst>
@@ -3257,15 +3764,15 @@
         <a:fontRef idx="minor"/>
       </dsp:style>
     </dsp:sp>
-    <dsp:sp modelId="{9DC5588A-5883-49D2-8D6D-840DB86485AB}">
+    <dsp:sp modelId="{CF2B28C1-5DA7-49C7-83F5-EB9100C583DA}">
       <dsp:nvSpPr>
         <dsp:cNvPr id="0" name=""/>
         <dsp:cNvSpPr/>
       </dsp:nvSpPr>
       <dsp:spPr>
         <a:xfrm>
-          <a:off x="440155" y="3390905"/>
-          <a:ext cx="91440" cy="280089"/>
+          <a:off x="1337813" y="4090169"/>
+          <a:ext cx="91440" cy="233097"/>
         </a:xfrm>
         <a:custGeom>
           <a:avLst/>
@@ -3279,7 +3786,7 @@
                 <a:pt x="45720" y="0"/>
               </a:moveTo>
               <a:lnTo>
-                <a:pt x="45720" y="280089"/>
+                <a:pt x="45720" y="233097"/>
               </a:lnTo>
             </a:path>
           </a:pathLst>
@@ -3313,15 +3820,15 @@
         <a:fontRef idx="minor"/>
       </dsp:style>
     </dsp:sp>
-    <dsp:sp modelId="{A41C5EA3-1F1F-45D7-8B07-C48EEC3E0BC7}">
+    <dsp:sp modelId="{704C047F-5BA0-4C0B-9CA8-ADA19FEE9351}">
       <dsp:nvSpPr>
         <dsp:cNvPr id="0" name=""/>
         <dsp:cNvSpPr/>
       </dsp:nvSpPr>
       <dsp:spPr>
         <a:xfrm>
-          <a:off x="485875" y="2499272"/>
-          <a:ext cx="5296825" cy="280089"/>
+          <a:off x="1337813" y="3348131"/>
+          <a:ext cx="91440" cy="233097"/>
         </a:xfrm>
         <a:custGeom>
           <a:avLst/>
@@ -3332,16 +3839,308 @@
           <a:pathLst>
             <a:path>
               <a:moveTo>
-                <a:pt x="5296825" y="0"/>
+                <a:pt x="45720" y="0"/>
               </a:moveTo>
               <a:lnTo>
-                <a:pt x="5296825" y="190872"/>
+                <a:pt x="45720" y="233097"/>
+              </a:lnTo>
+            </a:path>
+          </a:pathLst>
+        </a:custGeom>
+        <a:noFill/>
+        <a:ln w="12700" cap="flat" cmpd="sng" algn="ctr">
+          <a:solidFill>
+            <a:schemeClr val="accent1">
+              <a:shade val="80000"/>
+              <a:hueOff val="0"/>
+              <a:satOff val="0"/>
+              <a:lumOff val="0"/>
+              <a:alphaOff val="0"/>
+            </a:schemeClr>
+          </a:solidFill>
+          <a:prstDash val="solid"/>
+          <a:miter lim="800000"/>
+        </a:ln>
+        <a:effectLst/>
+      </dsp:spPr>
+      <dsp:style>
+        <a:lnRef idx="2">
+          <a:scrgbClr r="0" g="0" b="0"/>
+        </a:lnRef>
+        <a:fillRef idx="0">
+          <a:scrgbClr r="0" g="0" b="0"/>
+        </a:fillRef>
+        <a:effectRef idx="0">
+          <a:scrgbClr r="0" g="0" b="0"/>
+        </a:effectRef>
+        <a:fontRef idx="minor"/>
+      </dsp:style>
+    </dsp:sp>
+    <dsp:sp modelId="{86EB4D52-255A-4F70-9774-21804A668D4A}">
+      <dsp:nvSpPr>
+        <dsp:cNvPr id="0" name=""/>
+        <dsp:cNvSpPr/>
+      </dsp:nvSpPr>
+      <dsp:spPr>
+        <a:xfrm>
+          <a:off x="893739" y="2606094"/>
+          <a:ext cx="489793" cy="233097"/>
+        </a:xfrm>
+        <a:custGeom>
+          <a:avLst/>
+          <a:gdLst/>
+          <a:ahLst/>
+          <a:cxnLst/>
+          <a:rect l="0" t="0" r="0" b="0"/>
+          <a:pathLst>
+            <a:path>
+              <a:moveTo>
+                <a:pt x="0" y="0"/>
+              </a:moveTo>
+              <a:lnTo>
+                <a:pt x="0" y="158849"/>
               </a:lnTo>
               <a:lnTo>
-                <a:pt x="0" y="190872"/>
+                <a:pt x="489793" y="158849"/>
               </a:lnTo>
               <a:lnTo>
-                <a:pt x="0" y="280089"/>
+                <a:pt x="489793" y="233097"/>
+              </a:lnTo>
+            </a:path>
+          </a:pathLst>
+        </a:custGeom>
+        <a:noFill/>
+        <a:ln w="12700" cap="flat" cmpd="sng" algn="ctr">
+          <a:solidFill>
+            <a:schemeClr val="accent1">
+              <a:shade val="80000"/>
+              <a:hueOff val="0"/>
+              <a:satOff val="0"/>
+              <a:lumOff val="0"/>
+              <a:alphaOff val="0"/>
+            </a:schemeClr>
+          </a:solidFill>
+          <a:prstDash val="solid"/>
+          <a:miter lim="800000"/>
+        </a:ln>
+        <a:effectLst/>
+      </dsp:spPr>
+      <dsp:style>
+        <a:lnRef idx="2">
+          <a:scrgbClr r="0" g="0" b="0"/>
+        </a:lnRef>
+        <a:fillRef idx="0">
+          <a:scrgbClr r="0" g="0" b="0"/>
+        </a:fillRef>
+        <a:effectRef idx="0">
+          <a:scrgbClr r="0" g="0" b="0"/>
+        </a:effectRef>
+        <a:fontRef idx="minor"/>
+      </dsp:style>
+    </dsp:sp>
+    <dsp:sp modelId="{E280A1DC-80DF-4849-BACF-1DAFB6CDEFFD}">
+      <dsp:nvSpPr>
+        <dsp:cNvPr id="0" name=""/>
+        <dsp:cNvSpPr/>
+      </dsp:nvSpPr>
+      <dsp:spPr>
+        <a:xfrm>
+          <a:off x="358226" y="4090169"/>
+          <a:ext cx="91440" cy="233097"/>
+        </a:xfrm>
+        <a:custGeom>
+          <a:avLst/>
+          <a:gdLst/>
+          <a:ahLst/>
+          <a:cxnLst/>
+          <a:rect l="0" t="0" r="0" b="0"/>
+          <a:pathLst>
+            <a:path>
+              <a:moveTo>
+                <a:pt x="45720" y="0"/>
+              </a:moveTo>
+              <a:lnTo>
+                <a:pt x="45720" y="233097"/>
+              </a:lnTo>
+            </a:path>
+          </a:pathLst>
+        </a:custGeom>
+        <a:noFill/>
+        <a:ln w="12700" cap="flat" cmpd="sng" algn="ctr">
+          <a:solidFill>
+            <a:schemeClr val="accent1">
+              <a:shade val="80000"/>
+              <a:hueOff val="0"/>
+              <a:satOff val="0"/>
+              <a:lumOff val="0"/>
+              <a:alphaOff val="0"/>
+            </a:schemeClr>
+          </a:solidFill>
+          <a:prstDash val="solid"/>
+          <a:miter lim="800000"/>
+        </a:ln>
+        <a:effectLst/>
+      </dsp:spPr>
+      <dsp:style>
+        <a:lnRef idx="2">
+          <a:scrgbClr r="0" g="0" b="0"/>
+        </a:lnRef>
+        <a:fillRef idx="0">
+          <a:scrgbClr r="0" g="0" b="0"/>
+        </a:fillRef>
+        <a:effectRef idx="0">
+          <a:scrgbClr r="0" g="0" b="0"/>
+        </a:effectRef>
+        <a:fontRef idx="minor"/>
+      </dsp:style>
+    </dsp:sp>
+    <dsp:sp modelId="{38F8BB8D-C575-48C7-A3F7-183D9633E7EE}">
+      <dsp:nvSpPr>
+        <dsp:cNvPr id="0" name=""/>
+        <dsp:cNvSpPr/>
+      </dsp:nvSpPr>
+      <dsp:spPr>
+        <a:xfrm>
+          <a:off x="358226" y="3348131"/>
+          <a:ext cx="91440" cy="233097"/>
+        </a:xfrm>
+        <a:custGeom>
+          <a:avLst/>
+          <a:gdLst/>
+          <a:ahLst/>
+          <a:cxnLst/>
+          <a:rect l="0" t="0" r="0" b="0"/>
+          <a:pathLst>
+            <a:path>
+              <a:moveTo>
+                <a:pt x="45720" y="0"/>
+              </a:moveTo>
+              <a:lnTo>
+                <a:pt x="45720" y="233097"/>
+              </a:lnTo>
+            </a:path>
+          </a:pathLst>
+        </a:custGeom>
+        <a:noFill/>
+        <a:ln w="12700" cap="flat" cmpd="sng" algn="ctr">
+          <a:solidFill>
+            <a:schemeClr val="accent1">
+              <a:shade val="80000"/>
+              <a:hueOff val="0"/>
+              <a:satOff val="0"/>
+              <a:lumOff val="0"/>
+              <a:alphaOff val="0"/>
+            </a:schemeClr>
+          </a:solidFill>
+          <a:prstDash val="solid"/>
+          <a:miter lim="800000"/>
+        </a:ln>
+        <a:effectLst/>
+      </dsp:spPr>
+      <dsp:style>
+        <a:lnRef idx="2">
+          <a:scrgbClr r="0" g="0" b="0"/>
+        </a:lnRef>
+        <a:fillRef idx="0">
+          <a:scrgbClr r="0" g="0" b="0"/>
+        </a:fillRef>
+        <a:effectRef idx="0">
+          <a:scrgbClr r="0" g="0" b="0"/>
+        </a:effectRef>
+        <a:fontRef idx="minor"/>
+      </dsp:style>
+    </dsp:sp>
+    <dsp:sp modelId="{9DC5588A-5883-49D2-8D6D-840DB86485AB}">
+      <dsp:nvSpPr>
+        <dsp:cNvPr id="0" name=""/>
+        <dsp:cNvSpPr/>
+      </dsp:nvSpPr>
+      <dsp:spPr>
+        <a:xfrm>
+          <a:off x="403946" y="2606094"/>
+          <a:ext cx="489793" cy="233097"/>
+        </a:xfrm>
+        <a:custGeom>
+          <a:avLst/>
+          <a:gdLst/>
+          <a:ahLst/>
+          <a:cxnLst/>
+          <a:rect l="0" t="0" r="0" b="0"/>
+          <a:pathLst>
+            <a:path>
+              <a:moveTo>
+                <a:pt x="489793" y="0"/>
+              </a:moveTo>
+              <a:lnTo>
+                <a:pt x="489793" y="158849"/>
+              </a:lnTo>
+              <a:lnTo>
+                <a:pt x="0" y="158849"/>
+              </a:lnTo>
+              <a:lnTo>
+                <a:pt x="0" y="233097"/>
+              </a:lnTo>
+            </a:path>
+          </a:pathLst>
+        </a:custGeom>
+        <a:noFill/>
+        <a:ln w="12700" cap="flat" cmpd="sng" algn="ctr">
+          <a:solidFill>
+            <a:schemeClr val="accent1">
+              <a:shade val="80000"/>
+              <a:hueOff val="0"/>
+              <a:satOff val="0"/>
+              <a:lumOff val="0"/>
+              <a:alphaOff val="0"/>
+            </a:schemeClr>
+          </a:solidFill>
+          <a:prstDash val="solid"/>
+          <a:miter lim="800000"/>
+        </a:ln>
+        <a:effectLst/>
+      </dsp:spPr>
+      <dsp:style>
+        <a:lnRef idx="2">
+          <a:scrgbClr r="0" g="0" b="0"/>
+        </a:lnRef>
+        <a:fillRef idx="0">
+          <a:scrgbClr r="0" g="0" b="0"/>
+        </a:fillRef>
+        <a:effectRef idx="0">
+          <a:scrgbClr r="0" g="0" b="0"/>
+        </a:effectRef>
+        <a:fontRef idx="minor"/>
+      </dsp:style>
+    </dsp:sp>
+    <dsp:sp modelId="{A41C5EA3-1F1F-45D7-8B07-C48EEC3E0BC7}">
+      <dsp:nvSpPr>
+        <dsp:cNvPr id="0" name=""/>
+        <dsp:cNvSpPr/>
+      </dsp:nvSpPr>
+      <dsp:spPr>
+        <a:xfrm>
+          <a:off x="893739" y="1864056"/>
+          <a:ext cx="5142834" cy="233097"/>
+        </a:xfrm>
+        <a:custGeom>
+          <a:avLst/>
+          <a:gdLst/>
+          <a:ahLst/>
+          <a:cxnLst/>
+          <a:rect l="0" t="0" r="0" b="0"/>
+          <a:pathLst>
+            <a:path>
+              <a:moveTo>
+                <a:pt x="5142834" y="0"/>
+              </a:moveTo>
+              <a:lnTo>
+                <a:pt x="5142834" y="158849"/>
+              </a:lnTo>
+              <a:lnTo>
+                <a:pt x="0" y="158849"/>
+              </a:lnTo>
+              <a:lnTo>
+                <a:pt x="0" y="233097"/>
               </a:lnTo>
             </a:path>
           </a:pathLst>
@@ -3382,8 +4181,8 @@
       </dsp:nvSpPr>
       <dsp:spPr>
         <a:xfrm>
-          <a:off x="2765084" y="1887730"/>
-          <a:ext cx="6035231" cy="611542"/>
+          <a:off x="3525242" y="1355116"/>
+          <a:ext cx="5022662" cy="508940"/>
         </a:xfrm>
         <a:prstGeom prst="roundRect">
           <a:avLst>
@@ -3434,8 +4233,8 @@
       </dsp:nvSpPr>
       <dsp:spPr>
         <a:xfrm>
-          <a:off x="2872091" y="1989386"/>
-          <a:ext cx="6035231" cy="611542"/>
+          <a:off x="3614296" y="1439717"/>
+          <a:ext cx="5022662" cy="508940"/>
         </a:xfrm>
         <a:prstGeom prst="roundRect">
           <a:avLst>
@@ -3478,12 +4277,12 @@
         <a:fontRef idx="minor"/>
       </dsp:style>
       <dsp:txBody>
-        <a:bodyPr spcFirstLastPara="0" vert="horz" wrap="square" lIns="34290" tIns="34290" rIns="34290" bIns="34290" numCol="1" spcCol="1270" anchor="ctr" anchorCtr="0">
+        <a:bodyPr spcFirstLastPara="0" vert="horz" wrap="square" lIns="26670" tIns="26670" rIns="26670" bIns="26670" numCol="1" spcCol="1270" anchor="ctr" anchorCtr="0">
           <a:noAutofit/>
         </a:bodyPr>
         <a:lstStyle/>
         <a:p>
-          <a:pPr lvl="0" algn="ctr" defTabSz="400050" latinLnBrk="1">
+          <a:pPr marL="0" lvl="0" indent="0" algn="ctr" defTabSz="311150" latinLnBrk="1">
             <a:lnSpc>
               <a:spcPct val="90000"/>
             </a:lnSpc>
@@ -3493,25 +4292,26 @@
             <a:spcAft>
               <a:spcPct val="35000"/>
             </a:spcAft>
+            <a:buNone/>
           </a:pPr>
           <a:r>
-            <a:rPr lang="en-US" altLang="ko-KR" sz="900" kern="1200" dirty="0" smtClean="0"/>
+            <a:rPr lang="en-US" altLang="ko-KR" sz="700" kern="1200" dirty="0"/>
             <a:t>AERY </a:t>
           </a:r>
           <a:r>
-            <a:rPr lang="ko-KR" altLang="en-US" sz="900" kern="1200" smtClean="0"/>
+            <a:rPr lang="ko-KR" altLang="en-US" sz="700" kern="1200" dirty="0"/>
             <a:t>생산관리 시스템 </a:t>
           </a:r>
           <a:r>
-            <a:rPr lang="en-US" altLang="ko-KR" sz="900" kern="1200" dirty="0" smtClean="0"/>
+            <a:rPr lang="en-US" altLang="ko-KR" sz="700" kern="1200" dirty="0"/>
             <a:t>Menu Tree</a:t>
           </a:r>
-          <a:endParaRPr lang="ko-KR" altLang="en-US" sz="900" kern="1200"/>
+          <a:endParaRPr lang="ko-KR" altLang="en-US" sz="700" kern="1200" dirty="0"/>
         </a:p>
       </dsp:txBody>
       <dsp:txXfrm>
-        <a:off x="2890002" y="2007297"/>
-        <a:ext cx="5999409" cy="575720"/>
+        <a:off x="3629202" y="1454623"/>
+        <a:ext cx="4992850" cy="479128"/>
       </dsp:txXfrm>
     </dsp:sp>
     <dsp:sp modelId="{89A5000A-F279-4F1B-8223-3A1CBE420DF3}">
@@ -3521,8 +4321,8 @@
       </dsp:nvSpPr>
       <dsp:spPr>
         <a:xfrm>
-          <a:off x="4345" y="2779362"/>
-          <a:ext cx="963059" cy="611542"/>
+          <a:off x="492999" y="2097154"/>
+          <a:ext cx="801480" cy="508940"/>
         </a:xfrm>
         <a:prstGeom prst="roundRect">
           <a:avLst>
@@ -3573,8 +4373,8 @@
       </dsp:nvSpPr>
       <dsp:spPr>
         <a:xfrm>
-          <a:off x="111352" y="2881018"/>
-          <a:ext cx="963059" cy="611542"/>
+          <a:off x="582053" y="2181754"/>
+          <a:ext cx="801480" cy="508940"/>
         </a:xfrm>
         <a:prstGeom prst="roundRect">
           <a:avLst>
@@ -3617,12 +4417,12 @@
         <a:fontRef idx="minor"/>
       </dsp:style>
       <dsp:txBody>
-        <a:bodyPr spcFirstLastPara="0" vert="horz" wrap="square" lIns="34290" tIns="34290" rIns="34290" bIns="34290" numCol="1" spcCol="1270" anchor="ctr" anchorCtr="0">
+        <a:bodyPr spcFirstLastPara="0" vert="horz" wrap="square" lIns="26670" tIns="26670" rIns="26670" bIns="26670" numCol="1" spcCol="1270" anchor="ctr" anchorCtr="0">
           <a:noAutofit/>
         </a:bodyPr>
         <a:lstStyle/>
         <a:p>
-          <a:pPr lvl="0" algn="ctr" defTabSz="400050" latinLnBrk="1">
+          <a:pPr marL="0" lvl="0" indent="0" algn="ctr" defTabSz="311150" latinLnBrk="1">
             <a:lnSpc>
               <a:spcPct val="90000"/>
             </a:lnSpc>
@@ -3632,17 +4432,17 @@
             <a:spcAft>
               <a:spcPct val="35000"/>
             </a:spcAft>
+            <a:buNone/>
           </a:pPr>
           <a:r>
-            <a:rPr lang="ko-KR" altLang="en-US" sz="900" kern="1200" dirty="0" smtClean="0"/>
+            <a:rPr lang="ko-KR" altLang="en-US" sz="700" kern="1200" dirty="0"/>
             <a:t>생산관리</a:t>
           </a:r>
-          <a:endParaRPr lang="ko-KR" altLang="en-US" sz="900" kern="1200" dirty="0"/>
         </a:p>
       </dsp:txBody>
       <dsp:txXfrm>
-        <a:off x="129263" y="2898929"/>
-        <a:ext cx="927237" cy="575720"/>
+        <a:off x="596959" y="2196660"/>
+        <a:ext cx="771668" cy="479128"/>
       </dsp:txXfrm>
     </dsp:sp>
     <dsp:sp modelId="{3BDADE08-40D6-4DE2-80F9-79871033E79A}">
@@ -3652,8 +4452,8 @@
       </dsp:nvSpPr>
       <dsp:spPr>
         <a:xfrm>
-          <a:off x="4345" y="3670994"/>
-          <a:ext cx="963059" cy="611542"/>
+          <a:off x="3205" y="2839191"/>
+          <a:ext cx="801480" cy="508940"/>
         </a:xfrm>
         <a:prstGeom prst="roundRect">
           <a:avLst>
@@ -3704,8 +4504,8 @@
       </dsp:nvSpPr>
       <dsp:spPr>
         <a:xfrm>
-          <a:off x="111352" y="3772651"/>
-          <a:ext cx="963059" cy="611542"/>
+          <a:off x="92259" y="2923792"/>
+          <a:ext cx="801480" cy="508940"/>
         </a:xfrm>
         <a:prstGeom prst="roundRect">
           <a:avLst>
@@ -3748,12 +4548,12 @@
         <a:fontRef idx="minor"/>
       </dsp:style>
       <dsp:txBody>
-        <a:bodyPr spcFirstLastPara="0" vert="horz" wrap="square" lIns="34290" tIns="34290" rIns="34290" bIns="34290" numCol="1" spcCol="1270" anchor="ctr" anchorCtr="0">
+        <a:bodyPr spcFirstLastPara="0" vert="horz" wrap="square" lIns="26670" tIns="26670" rIns="26670" bIns="26670" numCol="1" spcCol="1270" anchor="ctr" anchorCtr="0">
           <a:noAutofit/>
         </a:bodyPr>
         <a:lstStyle/>
         <a:p>
-          <a:pPr lvl="0" algn="ctr" defTabSz="400050" latinLnBrk="1">
+          <a:pPr marL="0" lvl="0" indent="0" algn="ctr" defTabSz="311150" latinLnBrk="1">
             <a:lnSpc>
               <a:spcPct val="90000"/>
             </a:lnSpc>
@@ -3763,28 +4563,28 @@
             <a:spcAft>
               <a:spcPct val="35000"/>
             </a:spcAft>
+            <a:buNone/>
           </a:pPr>
           <a:r>
-            <a:rPr lang="ko-KR" altLang="en-US" sz="900" kern="1200" dirty="0" smtClean="0"/>
-            <a:t>생산계획관리</a:t>
+            <a:rPr lang="ko-KR" altLang="en-US" sz="700" kern="1200" dirty="0"/>
+            <a:t>생산계획</a:t>
           </a:r>
-          <a:endParaRPr lang="ko-KR" altLang="en-US" sz="900" kern="1200" dirty="0"/>
         </a:p>
       </dsp:txBody>
       <dsp:txXfrm>
-        <a:off x="129263" y="3790562"/>
-        <a:ext cx="927237" cy="575720"/>
+        <a:off x="107165" y="2938698"/>
+        <a:ext cx="771668" cy="479128"/>
       </dsp:txXfrm>
     </dsp:sp>
-    <dsp:sp modelId="{140C3D48-961E-4C3E-AD2F-9A8C7588BD8E}">
+    <dsp:sp modelId="{F449993B-E4F8-4B97-8341-02F61FC3FFCB}">
       <dsp:nvSpPr>
         <dsp:cNvPr id="0" name=""/>
         <dsp:cNvSpPr/>
       </dsp:nvSpPr>
       <dsp:spPr>
         <a:xfrm>
-          <a:off x="1769954" y="2779362"/>
-          <a:ext cx="963059" cy="611542"/>
+          <a:off x="3205" y="3581229"/>
+          <a:ext cx="801480" cy="508940"/>
         </a:xfrm>
         <a:prstGeom prst="roundRect">
           <a:avLst>
@@ -3828,15 +4628,15 @@
         </a:fontRef>
       </dsp:style>
     </dsp:sp>
-    <dsp:sp modelId="{F4870254-948F-45F2-A2A6-ACCB0EAA991E}">
+    <dsp:sp modelId="{F0B4D1F3-EB23-495C-B2C2-169E996FE538}">
       <dsp:nvSpPr>
         <dsp:cNvPr id="0" name=""/>
         <dsp:cNvSpPr/>
       </dsp:nvSpPr>
       <dsp:spPr>
         <a:xfrm>
-          <a:off x="1876960" y="2881018"/>
-          <a:ext cx="963059" cy="611542"/>
+          <a:off x="92259" y="3665829"/>
+          <a:ext cx="801480" cy="508940"/>
         </a:xfrm>
         <a:prstGeom prst="roundRect">
           <a:avLst>
@@ -3879,12 +4679,12 @@
         <a:fontRef idx="minor"/>
       </dsp:style>
       <dsp:txBody>
-        <a:bodyPr spcFirstLastPara="0" vert="horz" wrap="square" lIns="34290" tIns="34290" rIns="34290" bIns="34290" numCol="1" spcCol="1270" anchor="ctr" anchorCtr="0">
+        <a:bodyPr spcFirstLastPara="0" vert="horz" wrap="square" lIns="26670" tIns="26670" rIns="26670" bIns="26670" numCol="1" spcCol="1270" anchor="ctr" anchorCtr="0">
           <a:noAutofit/>
         </a:bodyPr>
         <a:lstStyle/>
         <a:p>
-          <a:pPr lvl="0" algn="ctr" defTabSz="400050" latinLnBrk="1">
+          <a:pPr marL="0" lvl="0" indent="0" algn="ctr" defTabSz="311150" latinLnBrk="1">
             <a:lnSpc>
               <a:spcPct val="90000"/>
             </a:lnSpc>
@@ -3894,28 +4694,28 @@
             <a:spcAft>
               <a:spcPct val="35000"/>
             </a:spcAft>
+            <a:buNone/>
           </a:pPr>
           <a:r>
-            <a:rPr lang="ko-KR" altLang="en-US" sz="900" kern="1200" dirty="0" smtClean="0"/>
-            <a:t>구매</a:t>
+            <a:rPr lang="ko-KR" altLang="en-US" sz="700" kern="1200" dirty="0"/>
+            <a:t>생산계획등록</a:t>
           </a:r>
-          <a:endParaRPr lang="ko-KR" altLang="en-US" sz="900" kern="1200" dirty="0"/>
         </a:p>
       </dsp:txBody>
       <dsp:txXfrm>
-        <a:off x="1894871" y="2898929"/>
-        <a:ext cx="927237" cy="575720"/>
+        <a:off x="107165" y="3680735"/>
+        <a:ext cx="771668" cy="479128"/>
       </dsp:txXfrm>
     </dsp:sp>
-    <dsp:sp modelId="{175443DB-84C0-44B0-A029-1674EE9E105A}">
+    <dsp:sp modelId="{05E6674E-4F02-428F-88B1-8F3958632352}">
       <dsp:nvSpPr>
         <dsp:cNvPr id="0" name=""/>
         <dsp:cNvSpPr/>
       </dsp:nvSpPr>
       <dsp:spPr>
         <a:xfrm>
-          <a:off x="1181418" y="3670994"/>
-          <a:ext cx="963059" cy="611542"/>
+          <a:off x="3205" y="4323266"/>
+          <a:ext cx="801480" cy="508940"/>
         </a:xfrm>
         <a:prstGeom prst="roundRect">
           <a:avLst>
@@ -3959,15 +4759,15 @@
         </a:fontRef>
       </dsp:style>
     </dsp:sp>
-    <dsp:sp modelId="{88271803-7D4A-4CAE-8BB6-6A8D2EAF122B}">
+    <dsp:sp modelId="{FA590CD4-2D86-4DB2-A8A0-B78730BFE435}">
       <dsp:nvSpPr>
         <dsp:cNvPr id="0" name=""/>
         <dsp:cNvSpPr/>
       </dsp:nvSpPr>
       <dsp:spPr>
         <a:xfrm>
-          <a:off x="1288424" y="3772651"/>
-          <a:ext cx="963059" cy="611542"/>
+          <a:off x="92259" y="4407867"/>
+          <a:ext cx="801480" cy="508940"/>
         </a:xfrm>
         <a:prstGeom prst="roundRect">
           <a:avLst>
@@ -4010,12 +4810,12 @@
         <a:fontRef idx="minor"/>
       </dsp:style>
       <dsp:txBody>
-        <a:bodyPr spcFirstLastPara="0" vert="horz" wrap="square" lIns="34290" tIns="34290" rIns="34290" bIns="34290" numCol="1" spcCol="1270" anchor="ctr" anchorCtr="0">
+        <a:bodyPr spcFirstLastPara="0" vert="horz" wrap="square" lIns="26670" tIns="26670" rIns="26670" bIns="26670" numCol="1" spcCol="1270" anchor="ctr" anchorCtr="0">
           <a:noAutofit/>
         </a:bodyPr>
         <a:lstStyle/>
         <a:p>
-          <a:pPr lvl="0" algn="ctr" defTabSz="400050" latinLnBrk="1">
+          <a:pPr marL="0" lvl="0" indent="0" algn="ctr" defTabSz="311150" latinLnBrk="1">
             <a:lnSpc>
               <a:spcPct val="90000"/>
             </a:lnSpc>
@@ -4025,28 +4825,45 @@
             <a:spcAft>
               <a:spcPct val="35000"/>
             </a:spcAft>
+            <a:buNone/>
           </a:pPr>
           <a:r>
-            <a:rPr lang="ko-KR" altLang="en-US" sz="900" kern="1200" dirty="0" smtClean="0"/>
-            <a:t>거래처관리</a:t>
+            <a:rPr lang="ko-KR" altLang="en-US" sz="700" kern="1200" dirty="0"/>
+            <a:t>생산계획리스트</a:t>
           </a:r>
-          <a:endParaRPr lang="ko-KR" altLang="en-US" sz="900" kern="1200" dirty="0"/>
+          <a:r>
+            <a:rPr lang="en-US" altLang="ko-KR" sz="700" kern="1200" dirty="0"/>
+            <a:t>/</a:t>
+          </a:r>
+          <a:r>
+            <a:rPr lang="ko-KR" altLang="en-US" sz="700" kern="1200" dirty="0"/>
+            <a:t>수정</a:t>
+          </a:r>
+          <a:r>
+            <a:rPr lang="en-US" altLang="ko-KR" sz="700" kern="1200" dirty="0"/>
+            <a:t>/</a:t>
+          </a:r>
+          <a:r>
+            <a:rPr lang="ko-KR" altLang="en-US" sz="700" kern="1200"/>
+            <a:t>삭제</a:t>
+          </a:r>
+          <a:endParaRPr lang="ko-KR" altLang="en-US" sz="700" kern="1200" dirty="0"/>
         </a:p>
       </dsp:txBody>
       <dsp:txXfrm>
-        <a:off x="1306335" y="3790562"/>
-        <a:ext cx="927237" cy="575720"/>
+        <a:off x="107165" y="4422773"/>
+        <a:ext cx="771668" cy="479128"/>
       </dsp:txXfrm>
     </dsp:sp>
-    <dsp:sp modelId="{8DC1F1E2-0C1B-4F47-8159-38B71F4A63BA}">
+    <dsp:sp modelId="{9090626E-DD99-48CC-9FF5-8A3A8E42DC8A}">
       <dsp:nvSpPr>
         <dsp:cNvPr id="0" name=""/>
         <dsp:cNvSpPr/>
       </dsp:nvSpPr>
       <dsp:spPr>
         <a:xfrm>
-          <a:off x="2358490" y="3670994"/>
-          <a:ext cx="963059" cy="611542"/>
+          <a:off x="982793" y="2839191"/>
+          <a:ext cx="801480" cy="508940"/>
         </a:xfrm>
         <a:prstGeom prst="roundRect">
           <a:avLst>
@@ -4090,15 +4907,15 @@
         </a:fontRef>
       </dsp:style>
     </dsp:sp>
-    <dsp:sp modelId="{699FF6EA-1756-46EA-9FEF-2C06CA739277}">
+    <dsp:sp modelId="{FEE25C1A-4262-4C2A-932A-76A1C33ED343}">
       <dsp:nvSpPr>
         <dsp:cNvPr id="0" name=""/>
         <dsp:cNvSpPr/>
       </dsp:nvSpPr>
       <dsp:spPr>
         <a:xfrm>
-          <a:off x="2465496" y="3772651"/>
-          <a:ext cx="963059" cy="611542"/>
+          <a:off x="1071846" y="2923792"/>
+          <a:ext cx="801480" cy="508940"/>
         </a:xfrm>
         <a:prstGeom prst="roundRect">
           <a:avLst>
@@ -4141,12 +4958,12 @@
         <a:fontRef idx="minor"/>
       </dsp:style>
       <dsp:txBody>
-        <a:bodyPr spcFirstLastPara="0" vert="horz" wrap="square" lIns="34290" tIns="34290" rIns="34290" bIns="34290" numCol="1" spcCol="1270" anchor="ctr" anchorCtr="0">
+        <a:bodyPr spcFirstLastPara="0" vert="horz" wrap="square" lIns="26670" tIns="26670" rIns="26670" bIns="26670" numCol="1" spcCol="1270" anchor="ctr" anchorCtr="0">
           <a:noAutofit/>
         </a:bodyPr>
         <a:lstStyle/>
         <a:p>
-          <a:pPr lvl="0" algn="ctr" defTabSz="400050" latinLnBrk="1">
+          <a:pPr marL="0" lvl="0" indent="0" algn="ctr" defTabSz="311150" latinLnBrk="1">
             <a:lnSpc>
               <a:spcPct val="90000"/>
             </a:lnSpc>
@@ -4156,28 +4973,28 @@
             <a:spcAft>
               <a:spcPct val="35000"/>
             </a:spcAft>
+            <a:buNone/>
           </a:pPr>
           <a:r>
-            <a:rPr lang="ko-KR" altLang="en-US" sz="900" kern="1200" dirty="0" smtClean="0"/>
-            <a:t>발주서관리</a:t>
+            <a:rPr lang="ko-KR" altLang="en-US" sz="700" kern="1200" dirty="0"/>
+            <a:t>모델</a:t>
           </a:r>
-          <a:endParaRPr lang="ko-KR" altLang="en-US" sz="900" kern="1200" dirty="0"/>
         </a:p>
       </dsp:txBody>
       <dsp:txXfrm>
-        <a:off x="2483407" y="3790562"/>
-        <a:ext cx="927237" cy="575720"/>
+        <a:off x="1086752" y="2938698"/>
+        <a:ext cx="771668" cy="479128"/>
       </dsp:txXfrm>
     </dsp:sp>
-    <dsp:sp modelId="{A5E80501-48E8-4FD5-A573-43A48F53EB17}">
+    <dsp:sp modelId="{E431432C-B420-4D44-9A9D-BA8DA5CCF827}">
       <dsp:nvSpPr>
         <dsp:cNvPr id="0" name=""/>
         <dsp:cNvSpPr/>
       </dsp:nvSpPr>
       <dsp:spPr>
         <a:xfrm>
-          <a:off x="3535562" y="2779362"/>
-          <a:ext cx="963059" cy="611542"/>
+          <a:off x="982793" y="3581229"/>
+          <a:ext cx="801480" cy="508940"/>
         </a:xfrm>
         <a:prstGeom prst="roundRect">
           <a:avLst>
@@ -4221,15 +5038,15 @@
         </a:fontRef>
       </dsp:style>
     </dsp:sp>
-    <dsp:sp modelId="{9CBF1651-7C20-4720-9413-518AFA95DABB}">
+    <dsp:sp modelId="{5FECA2E8-0A61-4ECE-9282-073F2BD14672}">
       <dsp:nvSpPr>
         <dsp:cNvPr id="0" name=""/>
         <dsp:cNvSpPr/>
       </dsp:nvSpPr>
       <dsp:spPr>
         <a:xfrm>
-          <a:off x="3642569" y="2881018"/>
-          <a:ext cx="963059" cy="611542"/>
+          <a:off x="1071846" y="3665829"/>
+          <a:ext cx="801480" cy="508940"/>
         </a:xfrm>
         <a:prstGeom prst="roundRect">
           <a:avLst>
@@ -4272,12 +5089,12 @@
         <a:fontRef idx="minor"/>
       </dsp:style>
       <dsp:txBody>
-        <a:bodyPr spcFirstLastPara="0" vert="horz" wrap="square" lIns="34290" tIns="34290" rIns="34290" bIns="34290" numCol="1" spcCol="1270" anchor="ctr" anchorCtr="0">
+        <a:bodyPr spcFirstLastPara="0" vert="horz" wrap="square" lIns="26670" tIns="26670" rIns="26670" bIns="26670" numCol="1" spcCol="1270" anchor="ctr" anchorCtr="0">
           <a:noAutofit/>
         </a:bodyPr>
         <a:lstStyle/>
         <a:p>
-          <a:pPr lvl="0" algn="ctr" defTabSz="400050" latinLnBrk="1">
+          <a:pPr marL="0" lvl="0" indent="0" algn="ctr" defTabSz="311150" latinLnBrk="1">
             <a:lnSpc>
               <a:spcPct val="90000"/>
             </a:lnSpc>
@@ -4287,28 +5104,28 @@
             <a:spcAft>
               <a:spcPct val="35000"/>
             </a:spcAft>
+            <a:buNone/>
           </a:pPr>
           <a:r>
-            <a:rPr lang="ko-KR" altLang="en-US" sz="900" kern="1200" dirty="0" smtClean="0"/>
-            <a:t>자재</a:t>
+            <a:rPr lang="ko-KR" altLang="en-US" sz="700" kern="1200" dirty="0"/>
+            <a:t>모델등록</a:t>
           </a:r>
-          <a:endParaRPr lang="ko-KR" altLang="en-US" sz="900" kern="1200" dirty="0"/>
         </a:p>
       </dsp:txBody>
       <dsp:txXfrm>
-        <a:off x="3660480" y="2898929"/>
-        <a:ext cx="927237" cy="575720"/>
+        <a:off x="1086752" y="3680735"/>
+        <a:ext cx="771668" cy="479128"/>
       </dsp:txXfrm>
     </dsp:sp>
-    <dsp:sp modelId="{C3235ABA-B8ED-419D-ACF6-B4C97A756770}">
+    <dsp:sp modelId="{F99EA833-25C6-487F-9068-D28C030892D2}">
       <dsp:nvSpPr>
         <dsp:cNvPr id="0" name=""/>
         <dsp:cNvSpPr/>
       </dsp:nvSpPr>
       <dsp:spPr>
         <a:xfrm>
-          <a:off x="3535562" y="3670994"/>
-          <a:ext cx="963059" cy="611542"/>
+          <a:off x="982793" y="4323266"/>
+          <a:ext cx="801480" cy="508940"/>
         </a:xfrm>
         <a:prstGeom prst="roundRect">
           <a:avLst>
@@ -4352,15 +5169,15 @@
         </a:fontRef>
       </dsp:style>
     </dsp:sp>
-    <dsp:sp modelId="{B9F2E3C8-2D86-43F5-A4C0-8D3E84CDF505}">
+    <dsp:sp modelId="{E0EA8EB7-6078-421D-9CD9-E92EE822901E}">
       <dsp:nvSpPr>
         <dsp:cNvPr id="0" name=""/>
         <dsp:cNvSpPr/>
       </dsp:nvSpPr>
       <dsp:spPr>
         <a:xfrm>
-          <a:off x="3642569" y="3772651"/>
-          <a:ext cx="963059" cy="611542"/>
+          <a:off x="1071846" y="4407867"/>
+          <a:ext cx="801480" cy="508940"/>
         </a:xfrm>
         <a:prstGeom prst="roundRect">
           <a:avLst>
@@ -4403,12 +5220,12 @@
         <a:fontRef idx="minor"/>
       </dsp:style>
       <dsp:txBody>
-        <a:bodyPr spcFirstLastPara="0" vert="horz" wrap="square" lIns="34290" tIns="34290" rIns="34290" bIns="34290" numCol="1" spcCol="1270" anchor="ctr" anchorCtr="0">
+        <a:bodyPr spcFirstLastPara="0" vert="horz" wrap="square" lIns="26670" tIns="26670" rIns="26670" bIns="26670" numCol="1" spcCol="1270" anchor="ctr" anchorCtr="0">
           <a:noAutofit/>
         </a:bodyPr>
         <a:lstStyle/>
         <a:p>
-          <a:pPr lvl="0" algn="ctr" defTabSz="400050" latinLnBrk="1">
+          <a:pPr marL="0" lvl="0" indent="0" algn="ctr" defTabSz="311150" latinLnBrk="1">
             <a:lnSpc>
               <a:spcPct val="90000"/>
             </a:lnSpc>
@@ -4418,28 +5235,44 @@
             <a:spcAft>
               <a:spcPct val="35000"/>
             </a:spcAft>
+            <a:buNone/>
           </a:pPr>
           <a:r>
-            <a:rPr lang="ko-KR" altLang="en-US" sz="900" kern="1200" dirty="0" smtClean="0"/>
-            <a:t>자재리스트조회</a:t>
+            <a:rPr lang="ko-KR" altLang="en-US" sz="700" kern="1200" dirty="0"/>
+            <a:t>모델리스트</a:t>
           </a:r>
-          <a:endParaRPr lang="ko-KR" altLang="en-US" sz="900" kern="1200" dirty="0"/>
+          <a:r>
+            <a:rPr lang="en-US" altLang="ko-KR" sz="700" kern="1200" dirty="0"/>
+            <a:t>/</a:t>
+          </a:r>
+          <a:r>
+            <a:rPr lang="ko-KR" altLang="en-US" sz="700" kern="1200" dirty="0"/>
+            <a:t>수정</a:t>
+          </a:r>
+          <a:r>
+            <a:rPr lang="en-US" altLang="ko-KR" sz="700" kern="1200" dirty="0"/>
+            <a:t>/</a:t>
+          </a:r>
+          <a:r>
+            <a:rPr lang="ko-KR" altLang="en-US" sz="700" kern="1200" dirty="0"/>
+            <a:t>삭제</a:t>
+          </a:r>
         </a:p>
       </dsp:txBody>
       <dsp:txXfrm>
-        <a:off x="3660480" y="3790562"/>
-        <a:ext cx="927237" cy="575720"/>
+        <a:off x="1086752" y="4422773"/>
+        <a:ext cx="771668" cy="479128"/>
       </dsp:txXfrm>
     </dsp:sp>
-    <dsp:sp modelId="{15F26E11-76D4-4918-9E7D-551343B73B2D}">
+    <dsp:sp modelId="{140C3D48-961E-4C3E-AD2F-9A8C7588BD8E}">
       <dsp:nvSpPr>
         <dsp:cNvPr id="0" name=""/>
         <dsp:cNvSpPr/>
       </dsp:nvSpPr>
       <dsp:spPr>
         <a:xfrm>
-          <a:off x="4712634" y="2779362"/>
-          <a:ext cx="963059" cy="611542"/>
+          <a:off x="2452174" y="2097154"/>
+          <a:ext cx="801480" cy="508940"/>
         </a:xfrm>
         <a:prstGeom prst="roundRect">
           <a:avLst>
@@ -4483,15 +5316,15 @@
         </a:fontRef>
       </dsp:style>
     </dsp:sp>
-    <dsp:sp modelId="{9DA46FE7-1035-4D7A-B375-58D2EDA7257F}">
+    <dsp:sp modelId="{F4870254-948F-45F2-A2A6-ACCB0EAA991E}">
       <dsp:nvSpPr>
         <dsp:cNvPr id="0" name=""/>
         <dsp:cNvSpPr/>
       </dsp:nvSpPr>
       <dsp:spPr>
         <a:xfrm>
-          <a:off x="4819641" y="2881018"/>
-          <a:ext cx="963059" cy="611542"/>
+          <a:off x="2541227" y="2181754"/>
+          <a:ext cx="801480" cy="508940"/>
         </a:xfrm>
         <a:prstGeom prst="roundRect">
           <a:avLst>
@@ -4534,12 +5367,12 @@
         <a:fontRef idx="minor"/>
       </dsp:style>
       <dsp:txBody>
-        <a:bodyPr spcFirstLastPara="0" vert="horz" wrap="square" lIns="34290" tIns="34290" rIns="34290" bIns="34290" numCol="1" spcCol="1270" anchor="ctr" anchorCtr="0">
+        <a:bodyPr spcFirstLastPara="0" vert="horz" wrap="square" lIns="26670" tIns="26670" rIns="26670" bIns="26670" numCol="1" spcCol="1270" anchor="ctr" anchorCtr="0">
           <a:noAutofit/>
         </a:bodyPr>
         <a:lstStyle/>
         <a:p>
-          <a:pPr lvl="0" algn="ctr" defTabSz="400050" latinLnBrk="1">
+          <a:pPr marL="0" lvl="0" indent="0" algn="ctr" defTabSz="311150" latinLnBrk="1">
             <a:lnSpc>
               <a:spcPct val="90000"/>
             </a:lnSpc>
@@ -4549,28 +5382,28 @@
             <a:spcAft>
               <a:spcPct val="35000"/>
             </a:spcAft>
+            <a:buNone/>
           </a:pPr>
           <a:r>
-            <a:rPr lang="ko-KR" altLang="en-US" sz="900" kern="1200" dirty="0" smtClean="0"/>
-            <a:t>생산</a:t>
+            <a:rPr lang="ko-KR" altLang="en-US" sz="700" kern="1200" dirty="0"/>
+            <a:t>구매</a:t>
           </a:r>
-          <a:endParaRPr lang="ko-KR" altLang="en-US" sz="900" kern="1200" dirty="0"/>
         </a:p>
       </dsp:txBody>
       <dsp:txXfrm>
-        <a:off x="4837552" y="2898929"/>
-        <a:ext cx="927237" cy="575720"/>
+        <a:off x="2556133" y="2196660"/>
+        <a:ext cx="771668" cy="479128"/>
       </dsp:txXfrm>
     </dsp:sp>
-    <dsp:sp modelId="{20C06CC4-2FB4-4C67-BB61-AC453B1BE50C}">
+    <dsp:sp modelId="{175443DB-84C0-44B0-A029-1674EE9E105A}">
       <dsp:nvSpPr>
         <dsp:cNvPr id="0" name=""/>
         <dsp:cNvSpPr/>
       </dsp:nvSpPr>
       <dsp:spPr>
         <a:xfrm>
-          <a:off x="4712634" y="3670994"/>
-          <a:ext cx="963059" cy="611542"/>
+          <a:off x="1962380" y="2839191"/>
+          <a:ext cx="801480" cy="508940"/>
         </a:xfrm>
         <a:prstGeom prst="roundRect">
           <a:avLst>
@@ -4614,15 +5447,15 @@
         </a:fontRef>
       </dsp:style>
     </dsp:sp>
-    <dsp:sp modelId="{4C0E51B6-CDE6-491E-A287-F778D0842043}">
+    <dsp:sp modelId="{88271803-7D4A-4CAE-8BB6-6A8D2EAF122B}">
       <dsp:nvSpPr>
         <dsp:cNvPr id="0" name=""/>
         <dsp:cNvSpPr/>
       </dsp:nvSpPr>
       <dsp:spPr>
         <a:xfrm>
-          <a:off x="4819641" y="3772651"/>
-          <a:ext cx="963059" cy="611542"/>
+          <a:off x="2051434" y="2923792"/>
+          <a:ext cx="801480" cy="508940"/>
         </a:xfrm>
         <a:prstGeom prst="roundRect">
           <a:avLst>
@@ -4665,12 +5498,12 @@
         <a:fontRef idx="minor"/>
       </dsp:style>
       <dsp:txBody>
-        <a:bodyPr spcFirstLastPara="0" vert="horz" wrap="square" lIns="34290" tIns="34290" rIns="34290" bIns="34290" numCol="1" spcCol="1270" anchor="ctr" anchorCtr="0">
+        <a:bodyPr spcFirstLastPara="0" vert="horz" wrap="square" lIns="26670" tIns="26670" rIns="26670" bIns="26670" numCol="1" spcCol="1270" anchor="ctr" anchorCtr="0">
           <a:noAutofit/>
         </a:bodyPr>
         <a:lstStyle/>
         <a:p>
-          <a:pPr lvl="0" algn="ctr" defTabSz="400050" latinLnBrk="1">
+          <a:pPr marL="0" lvl="0" indent="0" algn="ctr" defTabSz="311150" latinLnBrk="1">
             <a:lnSpc>
               <a:spcPct val="90000"/>
             </a:lnSpc>
@@ -4680,32 +5513,28 @@
             <a:spcAft>
               <a:spcPct val="35000"/>
             </a:spcAft>
+            <a:buNone/>
           </a:pPr>
           <a:r>
-            <a:rPr lang="ko-KR" altLang="en-US" sz="900" kern="1200" dirty="0" err="1" smtClean="0"/>
-            <a:t>공정별</a:t>
+            <a:rPr lang="ko-KR" altLang="en-US" sz="700" kern="1200" dirty="0"/>
+            <a:t>거래처관리</a:t>
           </a:r>
-          <a:r>
-            <a:rPr lang="ko-KR" altLang="en-US" sz="900" kern="1200" dirty="0" smtClean="0"/>
-            <a:t> 생산현황</a:t>
-          </a:r>
-          <a:endParaRPr lang="ko-KR" altLang="en-US" sz="900" kern="1200" dirty="0"/>
         </a:p>
       </dsp:txBody>
       <dsp:txXfrm>
-        <a:off x="4837552" y="3790562"/>
-        <a:ext cx="927237" cy="575720"/>
+        <a:off x="2066340" y="2938698"/>
+        <a:ext cx="771668" cy="479128"/>
       </dsp:txXfrm>
     </dsp:sp>
-    <dsp:sp modelId="{A34A3EE9-E5FF-42AE-95A0-5E17293608E0}">
+    <dsp:sp modelId="{8DC1F1E2-0C1B-4F47-8159-38B71F4A63BA}">
       <dsp:nvSpPr>
         <dsp:cNvPr id="0" name=""/>
         <dsp:cNvSpPr/>
       </dsp:nvSpPr>
       <dsp:spPr>
         <a:xfrm>
-          <a:off x="7066779" y="2779362"/>
-          <a:ext cx="963059" cy="611542"/>
+          <a:off x="2941968" y="2839191"/>
+          <a:ext cx="801480" cy="508940"/>
         </a:xfrm>
         <a:prstGeom prst="roundRect">
           <a:avLst>
@@ -4749,15 +5578,15 @@
         </a:fontRef>
       </dsp:style>
     </dsp:sp>
-    <dsp:sp modelId="{9BC4579B-97C6-40DE-BBDE-4E1140409B32}">
+    <dsp:sp modelId="{699FF6EA-1756-46EA-9FEF-2C06CA739277}">
       <dsp:nvSpPr>
         <dsp:cNvPr id="0" name=""/>
         <dsp:cNvSpPr/>
       </dsp:nvSpPr>
       <dsp:spPr>
         <a:xfrm>
-          <a:off x="7173786" y="2881018"/>
-          <a:ext cx="963059" cy="611542"/>
+          <a:off x="3031021" y="2923792"/>
+          <a:ext cx="801480" cy="508940"/>
         </a:xfrm>
         <a:prstGeom prst="roundRect">
           <a:avLst>
@@ -4800,12 +5629,12 @@
         <a:fontRef idx="minor"/>
       </dsp:style>
       <dsp:txBody>
-        <a:bodyPr spcFirstLastPara="0" vert="horz" wrap="square" lIns="34290" tIns="34290" rIns="34290" bIns="34290" numCol="1" spcCol="1270" anchor="ctr" anchorCtr="0">
+        <a:bodyPr spcFirstLastPara="0" vert="horz" wrap="square" lIns="26670" tIns="26670" rIns="26670" bIns="26670" numCol="1" spcCol="1270" anchor="ctr" anchorCtr="0">
           <a:noAutofit/>
         </a:bodyPr>
         <a:lstStyle/>
         <a:p>
-          <a:pPr lvl="0" algn="ctr" defTabSz="400050" latinLnBrk="1">
+          <a:pPr marL="0" lvl="0" indent="0" algn="ctr" defTabSz="311150" latinLnBrk="1">
             <a:lnSpc>
               <a:spcPct val="90000"/>
             </a:lnSpc>
@@ -4815,28 +5644,28 @@
             <a:spcAft>
               <a:spcPct val="35000"/>
             </a:spcAft>
+            <a:buNone/>
           </a:pPr>
           <a:r>
-            <a:rPr lang="en-US" altLang="ko-KR" sz="900" kern="1200" dirty="0" smtClean="0"/>
-            <a:t>OQC</a:t>
+            <a:rPr lang="ko-KR" altLang="en-US" sz="700" kern="1200" dirty="0"/>
+            <a:t>발주서관리</a:t>
           </a:r>
-          <a:endParaRPr lang="ko-KR" altLang="en-US" sz="900" kern="1200" dirty="0"/>
         </a:p>
       </dsp:txBody>
       <dsp:txXfrm>
-        <a:off x="7191697" y="2898929"/>
-        <a:ext cx="927237" cy="575720"/>
+        <a:off x="3045927" y="2938698"/>
+        <a:ext cx="771668" cy="479128"/>
       </dsp:txXfrm>
     </dsp:sp>
-    <dsp:sp modelId="{DA7728D7-AA65-4AF8-AD83-5D75248614C5}">
+    <dsp:sp modelId="{A5E80501-48E8-4FD5-A573-43A48F53EB17}">
       <dsp:nvSpPr>
         <dsp:cNvPr id="0" name=""/>
         <dsp:cNvSpPr/>
       </dsp:nvSpPr>
       <dsp:spPr>
         <a:xfrm>
-          <a:off x="5889707" y="3670994"/>
-          <a:ext cx="963059" cy="611542"/>
+          <a:off x="4411349" y="2097154"/>
+          <a:ext cx="801480" cy="508940"/>
         </a:xfrm>
         <a:prstGeom prst="roundRect">
           <a:avLst>
@@ -4880,15 +5709,15 @@
         </a:fontRef>
       </dsp:style>
     </dsp:sp>
-    <dsp:sp modelId="{5E27AEBE-2089-4E22-B07E-2FA75A291F5C}">
+    <dsp:sp modelId="{9CBF1651-7C20-4720-9413-518AFA95DABB}">
       <dsp:nvSpPr>
         <dsp:cNvPr id="0" name=""/>
         <dsp:cNvSpPr/>
       </dsp:nvSpPr>
       <dsp:spPr>
         <a:xfrm>
-          <a:off x="5996713" y="3772651"/>
-          <a:ext cx="963059" cy="611542"/>
+          <a:off x="4500402" y="2181754"/>
+          <a:ext cx="801480" cy="508940"/>
         </a:xfrm>
         <a:prstGeom prst="roundRect">
           <a:avLst>
@@ -4931,12 +5760,12 @@
         <a:fontRef idx="minor"/>
       </dsp:style>
       <dsp:txBody>
-        <a:bodyPr spcFirstLastPara="0" vert="horz" wrap="square" lIns="34290" tIns="34290" rIns="34290" bIns="34290" numCol="1" spcCol="1270" anchor="ctr" anchorCtr="0">
+        <a:bodyPr spcFirstLastPara="0" vert="horz" wrap="square" lIns="26670" tIns="26670" rIns="26670" bIns="26670" numCol="1" spcCol="1270" anchor="ctr" anchorCtr="0">
           <a:noAutofit/>
         </a:bodyPr>
         <a:lstStyle/>
         <a:p>
-          <a:pPr lvl="0" algn="ctr" defTabSz="400050" latinLnBrk="1">
+          <a:pPr marL="0" lvl="0" indent="0" algn="ctr" defTabSz="311150" latinLnBrk="1">
             <a:lnSpc>
               <a:spcPct val="90000"/>
             </a:lnSpc>
@@ -4946,28 +5775,28 @@
             <a:spcAft>
               <a:spcPct val="35000"/>
             </a:spcAft>
+            <a:buNone/>
           </a:pPr>
           <a:r>
-            <a:rPr lang="ko-KR" altLang="en-US" sz="900" kern="1200" dirty="0" smtClean="0"/>
-            <a:t>불량항목관리</a:t>
+            <a:rPr lang="ko-KR" altLang="en-US" sz="700" kern="1200" dirty="0"/>
+            <a:t>자재</a:t>
           </a:r>
-          <a:endParaRPr lang="ko-KR" altLang="en-US" sz="900" kern="1200" dirty="0"/>
         </a:p>
       </dsp:txBody>
       <dsp:txXfrm>
-        <a:off x="6014624" y="3790562"/>
-        <a:ext cx="927237" cy="575720"/>
+        <a:off x="4515308" y="2196660"/>
+        <a:ext cx="771668" cy="479128"/>
       </dsp:txXfrm>
     </dsp:sp>
-    <dsp:sp modelId="{462B18F6-2C2B-450C-98CF-15DA7E60BB81}">
+    <dsp:sp modelId="{C3235ABA-B8ED-419D-ACF6-B4C97A756770}">
       <dsp:nvSpPr>
         <dsp:cNvPr id="0" name=""/>
         <dsp:cNvSpPr/>
       </dsp:nvSpPr>
       <dsp:spPr>
         <a:xfrm>
-          <a:off x="7066779" y="3670994"/>
-          <a:ext cx="963059" cy="611542"/>
+          <a:off x="3921555" y="2839191"/>
+          <a:ext cx="801480" cy="508940"/>
         </a:xfrm>
         <a:prstGeom prst="roundRect">
           <a:avLst>
@@ -5011,15 +5840,15 @@
         </a:fontRef>
       </dsp:style>
     </dsp:sp>
-    <dsp:sp modelId="{0CF6F964-8836-4474-95C6-91DE64FA15C1}">
+    <dsp:sp modelId="{B9F2E3C8-2D86-43F5-A4C0-8D3E84CDF505}">
       <dsp:nvSpPr>
         <dsp:cNvPr id="0" name=""/>
         <dsp:cNvSpPr/>
       </dsp:nvSpPr>
       <dsp:spPr>
         <a:xfrm>
-          <a:off x="7173786" y="3772651"/>
-          <a:ext cx="963059" cy="611542"/>
+          <a:off x="4010609" y="2923792"/>
+          <a:ext cx="801480" cy="508940"/>
         </a:xfrm>
         <a:prstGeom prst="roundRect">
           <a:avLst>
@@ -5062,12 +5891,12 @@
         <a:fontRef idx="minor"/>
       </dsp:style>
       <dsp:txBody>
-        <a:bodyPr spcFirstLastPara="0" vert="horz" wrap="square" lIns="34290" tIns="34290" rIns="34290" bIns="34290" numCol="1" spcCol="1270" anchor="ctr" anchorCtr="0">
+        <a:bodyPr spcFirstLastPara="0" vert="horz" wrap="square" lIns="26670" tIns="26670" rIns="26670" bIns="26670" numCol="1" spcCol="1270" anchor="ctr" anchorCtr="0">
           <a:noAutofit/>
         </a:bodyPr>
         <a:lstStyle/>
         <a:p>
-          <a:pPr lvl="0" algn="ctr" defTabSz="400050" latinLnBrk="1">
+          <a:pPr marL="0" lvl="0" indent="0" algn="ctr" defTabSz="311150" latinLnBrk="1">
             <a:lnSpc>
               <a:spcPct val="90000"/>
             </a:lnSpc>
@@ -5077,28 +5906,28 @@
             <a:spcAft>
               <a:spcPct val="35000"/>
             </a:spcAft>
+            <a:buNone/>
           </a:pPr>
           <a:r>
-            <a:rPr lang="ko-KR" altLang="en-US" sz="900" kern="1200" dirty="0" smtClean="0"/>
-            <a:t>검수결과등록</a:t>
+            <a:rPr lang="ko-KR" altLang="en-US" sz="700" kern="1200" dirty="0"/>
+            <a:t>자재리스트조회</a:t>
           </a:r>
-          <a:endParaRPr lang="ko-KR" altLang="en-US" sz="900" kern="1200" dirty="0"/>
         </a:p>
       </dsp:txBody>
       <dsp:txXfrm>
-        <a:off x="7191697" y="3790562"/>
-        <a:ext cx="927237" cy="575720"/>
+        <a:off x="4025515" y="2938698"/>
+        <a:ext cx="771668" cy="479128"/>
       </dsp:txXfrm>
     </dsp:sp>
-    <dsp:sp modelId="{F5149346-3380-43D3-85EF-9A5FAF6883E5}">
+    <dsp:sp modelId="{5F33A519-9AAC-45AD-BDB1-73B1CE3E54CC}">
       <dsp:nvSpPr>
         <dsp:cNvPr id="0" name=""/>
         <dsp:cNvSpPr/>
       </dsp:nvSpPr>
       <dsp:spPr>
         <a:xfrm>
-          <a:off x="8243851" y="3670994"/>
-          <a:ext cx="963059" cy="611542"/>
+          <a:off x="4901143" y="2839191"/>
+          <a:ext cx="801480" cy="508940"/>
         </a:xfrm>
         <a:prstGeom prst="roundRect">
           <a:avLst>
@@ -5142,15 +5971,15 @@
         </a:fontRef>
       </dsp:style>
     </dsp:sp>
-    <dsp:sp modelId="{B957DC59-D6F6-4FB6-A143-D1C418037A4D}">
+    <dsp:sp modelId="{0A00F65D-AEBF-4A20-AD7E-104741C90AC8}">
       <dsp:nvSpPr>
         <dsp:cNvPr id="0" name=""/>
         <dsp:cNvSpPr/>
       </dsp:nvSpPr>
       <dsp:spPr>
         <a:xfrm>
-          <a:off x="8350858" y="3772651"/>
-          <a:ext cx="963059" cy="611542"/>
+          <a:off x="4990196" y="2923792"/>
+          <a:ext cx="801480" cy="508940"/>
         </a:xfrm>
         <a:prstGeom prst="roundRect">
           <a:avLst>
@@ -5193,12 +6022,12 @@
         <a:fontRef idx="minor"/>
       </dsp:style>
       <dsp:txBody>
-        <a:bodyPr spcFirstLastPara="0" vert="horz" wrap="square" lIns="34290" tIns="34290" rIns="34290" bIns="34290" numCol="1" spcCol="1270" anchor="ctr" anchorCtr="0">
+        <a:bodyPr spcFirstLastPara="0" vert="horz" wrap="square" lIns="26670" tIns="26670" rIns="26670" bIns="26670" numCol="1" spcCol="1270" anchor="ctr" anchorCtr="0">
           <a:noAutofit/>
         </a:bodyPr>
         <a:lstStyle/>
         <a:p>
-          <a:pPr lvl="0" algn="ctr" defTabSz="400050" latinLnBrk="1">
+          <a:pPr marL="0" lvl="0" indent="0" algn="ctr" defTabSz="311150" latinLnBrk="1">
             <a:lnSpc>
               <a:spcPct val="90000"/>
             </a:lnSpc>
@@ -5208,28 +6037,28 @@
             <a:spcAft>
               <a:spcPct val="35000"/>
             </a:spcAft>
+            <a:buNone/>
           </a:pPr>
           <a:r>
-            <a:rPr lang="ko-KR" altLang="en-US" sz="900" kern="1200" dirty="0" smtClean="0"/>
-            <a:t>검수결과조회</a:t>
+            <a:rPr lang="ko-KR" altLang="en-US" sz="700" kern="1200" dirty="0"/>
+            <a:t>자재등록</a:t>
           </a:r>
-          <a:endParaRPr lang="ko-KR" altLang="en-US" sz="900" kern="1200" dirty="0"/>
         </a:p>
       </dsp:txBody>
       <dsp:txXfrm>
-        <a:off x="8368769" y="3790562"/>
-        <a:ext cx="927237" cy="575720"/>
+        <a:off x="5005102" y="2938698"/>
+        <a:ext cx="771668" cy="479128"/>
       </dsp:txXfrm>
     </dsp:sp>
-    <dsp:sp modelId="{BEB98CDA-03B0-4130-9E9E-FCBEC2A2B953}">
+    <dsp:sp modelId="{15F26E11-76D4-4918-9E7D-551343B73B2D}">
       <dsp:nvSpPr>
         <dsp:cNvPr id="0" name=""/>
         <dsp:cNvSpPr/>
       </dsp:nvSpPr>
       <dsp:spPr>
         <a:xfrm>
-          <a:off x="9420924" y="2779362"/>
-          <a:ext cx="963059" cy="611542"/>
+          <a:off x="5880730" y="2097154"/>
+          <a:ext cx="801480" cy="508940"/>
         </a:xfrm>
         <a:prstGeom prst="roundRect">
           <a:avLst>
@@ -5273,15 +6102,15 @@
         </a:fontRef>
       </dsp:style>
     </dsp:sp>
-    <dsp:sp modelId="{62954BFA-279E-4EA6-BF04-802D4462BACB}">
+    <dsp:sp modelId="{9DA46FE7-1035-4D7A-B375-58D2EDA7257F}">
       <dsp:nvSpPr>
         <dsp:cNvPr id="0" name=""/>
         <dsp:cNvSpPr/>
       </dsp:nvSpPr>
       <dsp:spPr>
         <a:xfrm>
-          <a:off x="9527930" y="2881018"/>
-          <a:ext cx="963059" cy="611542"/>
+          <a:off x="5969784" y="2181754"/>
+          <a:ext cx="801480" cy="508940"/>
         </a:xfrm>
         <a:prstGeom prst="roundRect">
           <a:avLst>
@@ -5324,12 +6153,12 @@
         <a:fontRef idx="minor"/>
       </dsp:style>
       <dsp:txBody>
-        <a:bodyPr spcFirstLastPara="0" vert="horz" wrap="square" lIns="34290" tIns="34290" rIns="34290" bIns="34290" numCol="1" spcCol="1270" anchor="ctr" anchorCtr="0">
+        <a:bodyPr spcFirstLastPara="0" vert="horz" wrap="square" lIns="26670" tIns="26670" rIns="26670" bIns="26670" numCol="1" spcCol="1270" anchor="ctr" anchorCtr="0">
           <a:noAutofit/>
         </a:bodyPr>
         <a:lstStyle/>
         <a:p>
-          <a:pPr lvl="0" algn="ctr" defTabSz="400050" latinLnBrk="1">
+          <a:pPr marL="0" lvl="0" indent="0" algn="ctr" defTabSz="311150" latinLnBrk="1">
             <a:lnSpc>
               <a:spcPct val="90000"/>
             </a:lnSpc>
@@ -5339,28 +6168,28 @@
             <a:spcAft>
               <a:spcPct val="35000"/>
             </a:spcAft>
+            <a:buNone/>
           </a:pPr>
           <a:r>
-            <a:rPr lang="ko-KR" altLang="en-US" sz="900" kern="1200" dirty="0" smtClean="0"/>
-            <a:t>포장</a:t>
+            <a:rPr lang="ko-KR" altLang="en-US" sz="700" kern="1200" dirty="0"/>
+            <a:t>생산</a:t>
           </a:r>
-          <a:endParaRPr lang="ko-KR" altLang="en-US" sz="900" kern="1200" dirty="0"/>
         </a:p>
       </dsp:txBody>
       <dsp:txXfrm>
-        <a:off x="9545841" y="2898929"/>
-        <a:ext cx="927237" cy="575720"/>
+        <a:off x="5984690" y="2196660"/>
+        <a:ext cx="771668" cy="479128"/>
       </dsp:txXfrm>
     </dsp:sp>
-    <dsp:sp modelId="{8F429A0C-94C5-4EF4-9595-11FF22BD4C27}">
+    <dsp:sp modelId="{20C06CC4-2FB4-4C67-BB61-AC453B1BE50C}">
       <dsp:nvSpPr>
         <dsp:cNvPr id="0" name=""/>
         <dsp:cNvSpPr/>
       </dsp:nvSpPr>
       <dsp:spPr>
         <a:xfrm>
-          <a:off x="9420924" y="3670994"/>
-          <a:ext cx="963059" cy="611542"/>
+          <a:off x="5880730" y="2839191"/>
+          <a:ext cx="801480" cy="508940"/>
         </a:xfrm>
         <a:prstGeom prst="roundRect">
           <a:avLst>
@@ -5404,15 +6233,15 @@
         </a:fontRef>
       </dsp:style>
     </dsp:sp>
-    <dsp:sp modelId="{CC76AA8D-EDFD-4F00-A123-CCD1459F2D9C}">
+    <dsp:sp modelId="{4C0E51B6-CDE6-491E-A287-F778D0842043}">
       <dsp:nvSpPr>
         <dsp:cNvPr id="0" name=""/>
         <dsp:cNvSpPr/>
       </dsp:nvSpPr>
       <dsp:spPr>
         <a:xfrm>
-          <a:off x="9527930" y="3772651"/>
-          <a:ext cx="963059" cy="611542"/>
+          <a:off x="5969784" y="2923792"/>
+          <a:ext cx="801480" cy="508940"/>
         </a:xfrm>
         <a:prstGeom prst="roundRect">
           <a:avLst>
@@ -5455,12 +6284,12 @@
         <a:fontRef idx="minor"/>
       </dsp:style>
       <dsp:txBody>
-        <a:bodyPr spcFirstLastPara="0" vert="horz" wrap="square" lIns="34290" tIns="34290" rIns="34290" bIns="34290" numCol="1" spcCol="1270" anchor="ctr" anchorCtr="0">
+        <a:bodyPr spcFirstLastPara="0" vert="horz" wrap="square" lIns="26670" tIns="26670" rIns="26670" bIns="26670" numCol="1" spcCol="1270" anchor="ctr" anchorCtr="0">
           <a:noAutofit/>
         </a:bodyPr>
         <a:lstStyle/>
         <a:p>
-          <a:pPr lvl="0" algn="ctr" defTabSz="400050" latinLnBrk="1">
+          <a:pPr marL="0" lvl="0" indent="0" algn="ctr" defTabSz="311150" latinLnBrk="1">
             <a:lnSpc>
               <a:spcPct val="90000"/>
             </a:lnSpc>
@@ -5470,28 +6299,32 @@
             <a:spcAft>
               <a:spcPct val="35000"/>
             </a:spcAft>
+            <a:buNone/>
           </a:pPr>
           <a:r>
-            <a:rPr lang="ko-KR" altLang="en-US" sz="900" kern="1200" dirty="0" smtClean="0"/>
-            <a:t>포장리스트조회</a:t>
+            <a:rPr lang="ko-KR" altLang="en-US" sz="700" kern="1200" dirty="0" err="1"/>
+            <a:t>공정별</a:t>
           </a:r>
-          <a:endParaRPr lang="ko-KR" altLang="en-US" sz="900" kern="1200" dirty="0"/>
+          <a:r>
+            <a:rPr lang="ko-KR" altLang="en-US" sz="700" kern="1200" dirty="0"/>
+            <a:t> 생산현황</a:t>
+          </a:r>
         </a:p>
       </dsp:txBody>
       <dsp:txXfrm>
-        <a:off x="9545841" y="3790562"/>
-        <a:ext cx="927237" cy="575720"/>
+        <a:off x="5984690" y="2938698"/>
+        <a:ext cx="771668" cy="479128"/>
       </dsp:txXfrm>
     </dsp:sp>
-    <dsp:sp modelId="{EA3480C9-320A-4BF1-A6A2-28B1627D5CB6}">
+    <dsp:sp modelId="{A34A3EE9-E5FF-42AE-95A0-5E17293608E0}">
       <dsp:nvSpPr>
         <dsp:cNvPr id="0" name=""/>
         <dsp:cNvSpPr/>
       </dsp:nvSpPr>
       <dsp:spPr>
         <a:xfrm>
-          <a:off x="10597996" y="2779362"/>
-          <a:ext cx="963059" cy="611542"/>
+          <a:off x="7839905" y="2097154"/>
+          <a:ext cx="801480" cy="508940"/>
         </a:xfrm>
         <a:prstGeom prst="roundRect">
           <a:avLst>
@@ -5535,15 +6368,15 @@
         </a:fontRef>
       </dsp:style>
     </dsp:sp>
-    <dsp:sp modelId="{FAAE5956-B1AF-4DDB-A330-2E551C5237F9}">
+    <dsp:sp modelId="{9BC4579B-97C6-40DE-BBDE-4E1140409B32}">
       <dsp:nvSpPr>
         <dsp:cNvPr id="0" name=""/>
         <dsp:cNvSpPr/>
       </dsp:nvSpPr>
       <dsp:spPr>
         <a:xfrm>
-          <a:off x="10705003" y="2881018"/>
-          <a:ext cx="963059" cy="611542"/>
+          <a:off x="7928959" y="2181754"/>
+          <a:ext cx="801480" cy="508940"/>
         </a:xfrm>
         <a:prstGeom prst="roundRect">
           <a:avLst>
@@ -5586,12 +6419,12 @@
         <a:fontRef idx="minor"/>
       </dsp:style>
       <dsp:txBody>
-        <a:bodyPr spcFirstLastPara="0" vert="horz" wrap="square" lIns="34290" tIns="34290" rIns="34290" bIns="34290" numCol="1" spcCol="1270" anchor="ctr" anchorCtr="0">
+        <a:bodyPr spcFirstLastPara="0" vert="horz" wrap="square" lIns="26670" tIns="26670" rIns="26670" bIns="26670" numCol="1" spcCol="1270" anchor="ctr" anchorCtr="0">
           <a:noAutofit/>
         </a:bodyPr>
         <a:lstStyle/>
         <a:p>
-          <a:pPr lvl="0" algn="ctr" defTabSz="400050" latinLnBrk="1">
+          <a:pPr marL="0" lvl="0" indent="0" algn="ctr" defTabSz="311150" latinLnBrk="1">
             <a:lnSpc>
               <a:spcPct val="90000"/>
             </a:lnSpc>
@@ -5601,28 +6434,29 @@
             <a:spcAft>
               <a:spcPct val="35000"/>
             </a:spcAft>
+            <a:buNone/>
           </a:pPr>
           <a:r>
-            <a:rPr lang="ko-KR" altLang="en-US" sz="900" kern="1200" dirty="0" smtClean="0"/>
-            <a:t>창고</a:t>
+            <a:rPr lang="en-US" altLang="ko-KR" sz="700" kern="1200" dirty="0"/>
+            <a:t>OQC</a:t>
           </a:r>
-          <a:endParaRPr lang="ko-KR" altLang="en-US" sz="900" kern="1200" dirty="0"/>
+          <a:endParaRPr lang="ko-KR" altLang="en-US" sz="700" kern="1200" dirty="0"/>
         </a:p>
       </dsp:txBody>
       <dsp:txXfrm>
-        <a:off x="10722914" y="2898929"/>
-        <a:ext cx="927237" cy="575720"/>
+        <a:off x="7943865" y="2196660"/>
+        <a:ext cx="771668" cy="479128"/>
       </dsp:txXfrm>
     </dsp:sp>
-    <dsp:sp modelId="{07FEA034-3218-43A1-AEBC-16BA0C4BDB1D}">
+    <dsp:sp modelId="{DA7728D7-AA65-4AF8-AD83-5D75248614C5}">
       <dsp:nvSpPr>
         <dsp:cNvPr id="0" name=""/>
         <dsp:cNvSpPr/>
       </dsp:nvSpPr>
       <dsp:spPr>
         <a:xfrm>
-          <a:off x="10597996" y="3670994"/>
-          <a:ext cx="963059" cy="611542"/>
+          <a:off x="6860318" y="2839191"/>
+          <a:ext cx="801480" cy="508940"/>
         </a:xfrm>
         <a:prstGeom prst="roundRect">
           <a:avLst>
@@ -5666,15 +6500,15 @@
         </a:fontRef>
       </dsp:style>
     </dsp:sp>
-    <dsp:sp modelId="{0A8DA80C-05EA-4675-92CC-51D75EC8B01C}">
+    <dsp:sp modelId="{5E27AEBE-2089-4E22-B07E-2FA75A291F5C}">
       <dsp:nvSpPr>
         <dsp:cNvPr id="0" name=""/>
         <dsp:cNvSpPr/>
       </dsp:nvSpPr>
       <dsp:spPr>
         <a:xfrm>
-          <a:off x="10705003" y="3772651"/>
-          <a:ext cx="963059" cy="611542"/>
+          <a:off x="6949371" y="2923792"/>
+          <a:ext cx="801480" cy="508940"/>
         </a:xfrm>
         <a:prstGeom prst="roundRect">
           <a:avLst>
@@ -5717,12 +6551,12 @@
         <a:fontRef idx="minor"/>
       </dsp:style>
       <dsp:txBody>
-        <a:bodyPr spcFirstLastPara="0" vert="horz" wrap="square" lIns="34290" tIns="34290" rIns="34290" bIns="34290" numCol="1" spcCol="1270" anchor="ctr" anchorCtr="0">
+        <a:bodyPr spcFirstLastPara="0" vert="horz" wrap="square" lIns="26670" tIns="26670" rIns="26670" bIns="26670" numCol="1" spcCol="1270" anchor="ctr" anchorCtr="0">
           <a:noAutofit/>
         </a:bodyPr>
         <a:lstStyle/>
         <a:p>
-          <a:pPr lvl="0" algn="ctr" defTabSz="400050" latinLnBrk="1">
+          <a:pPr marL="0" lvl="0" indent="0" algn="ctr" defTabSz="311150" latinLnBrk="1">
             <a:lnSpc>
               <a:spcPct val="90000"/>
             </a:lnSpc>
@@ -5732,37 +6566,824 @@
             <a:spcAft>
               <a:spcPct val="35000"/>
             </a:spcAft>
+            <a:buNone/>
           </a:pPr>
           <a:r>
-            <a:rPr lang="ko-KR" altLang="en-US" sz="900" kern="1200" dirty="0" smtClean="0"/>
+            <a:rPr lang="ko-KR" altLang="en-US" sz="700" kern="1200" dirty="0"/>
+            <a:t>불량항목관리</a:t>
+          </a:r>
+        </a:p>
+      </dsp:txBody>
+      <dsp:txXfrm>
+        <a:off x="6964277" y="2938698"/>
+        <a:ext cx="771668" cy="479128"/>
+      </dsp:txXfrm>
+    </dsp:sp>
+    <dsp:sp modelId="{462B18F6-2C2B-450C-98CF-15DA7E60BB81}">
+      <dsp:nvSpPr>
+        <dsp:cNvPr id="0" name=""/>
+        <dsp:cNvSpPr/>
+      </dsp:nvSpPr>
+      <dsp:spPr>
+        <a:xfrm>
+          <a:off x="7839905" y="2839191"/>
+          <a:ext cx="801480" cy="508940"/>
+        </a:xfrm>
+        <a:prstGeom prst="roundRect">
+          <a:avLst>
+            <a:gd name="adj" fmla="val 10000"/>
+          </a:avLst>
+        </a:prstGeom>
+        <a:solidFill>
+          <a:schemeClr val="accent1">
+            <a:hueOff val="0"/>
+            <a:satOff val="0"/>
+            <a:lumOff val="0"/>
+            <a:alphaOff val="0"/>
+          </a:schemeClr>
+        </a:solidFill>
+        <a:ln w="12700" cap="flat" cmpd="sng" algn="ctr">
+          <a:solidFill>
+            <a:schemeClr val="lt1">
+              <a:hueOff val="0"/>
+              <a:satOff val="0"/>
+              <a:lumOff val="0"/>
+              <a:alphaOff val="0"/>
+            </a:schemeClr>
+          </a:solidFill>
+          <a:prstDash val="solid"/>
+          <a:miter lim="800000"/>
+        </a:ln>
+        <a:effectLst/>
+      </dsp:spPr>
+      <dsp:style>
+        <a:lnRef idx="2">
+          <a:scrgbClr r="0" g="0" b="0"/>
+        </a:lnRef>
+        <a:fillRef idx="1">
+          <a:scrgbClr r="0" g="0" b="0"/>
+        </a:fillRef>
+        <a:effectRef idx="0">
+          <a:scrgbClr r="0" g="0" b="0"/>
+        </a:effectRef>
+        <a:fontRef idx="minor">
+          <a:schemeClr val="lt1"/>
+        </a:fontRef>
+      </dsp:style>
+    </dsp:sp>
+    <dsp:sp modelId="{0CF6F964-8836-4474-95C6-91DE64FA15C1}">
+      <dsp:nvSpPr>
+        <dsp:cNvPr id="0" name=""/>
+        <dsp:cNvSpPr/>
+      </dsp:nvSpPr>
+      <dsp:spPr>
+        <a:xfrm>
+          <a:off x="7928959" y="2923792"/>
+          <a:ext cx="801480" cy="508940"/>
+        </a:xfrm>
+        <a:prstGeom prst="roundRect">
+          <a:avLst>
+            <a:gd name="adj" fmla="val 10000"/>
+          </a:avLst>
+        </a:prstGeom>
+        <a:solidFill>
+          <a:schemeClr val="lt1">
+            <a:alpha val="90000"/>
+            <a:hueOff val="0"/>
+            <a:satOff val="0"/>
+            <a:lumOff val="0"/>
+            <a:alphaOff val="0"/>
+          </a:schemeClr>
+        </a:solidFill>
+        <a:ln w="12700" cap="flat" cmpd="sng" algn="ctr">
+          <a:solidFill>
+            <a:schemeClr val="accent1">
+              <a:hueOff val="0"/>
+              <a:satOff val="0"/>
+              <a:lumOff val="0"/>
+              <a:alphaOff val="0"/>
+            </a:schemeClr>
+          </a:solidFill>
+          <a:prstDash val="solid"/>
+          <a:miter lim="800000"/>
+        </a:ln>
+        <a:effectLst/>
+      </dsp:spPr>
+      <dsp:style>
+        <a:lnRef idx="2">
+          <a:scrgbClr r="0" g="0" b="0"/>
+        </a:lnRef>
+        <a:fillRef idx="1">
+          <a:scrgbClr r="0" g="0" b="0"/>
+        </a:fillRef>
+        <a:effectRef idx="0">
+          <a:scrgbClr r="0" g="0" b="0"/>
+        </a:effectRef>
+        <a:fontRef idx="minor"/>
+      </dsp:style>
+      <dsp:txBody>
+        <a:bodyPr spcFirstLastPara="0" vert="horz" wrap="square" lIns="26670" tIns="26670" rIns="26670" bIns="26670" numCol="1" spcCol="1270" anchor="ctr" anchorCtr="0">
+          <a:noAutofit/>
+        </a:bodyPr>
+        <a:lstStyle/>
+        <a:p>
+          <a:pPr marL="0" lvl="0" indent="0" algn="ctr" defTabSz="311150" latinLnBrk="1">
+            <a:lnSpc>
+              <a:spcPct val="90000"/>
+            </a:lnSpc>
+            <a:spcBef>
+              <a:spcPct val="0"/>
+            </a:spcBef>
+            <a:spcAft>
+              <a:spcPct val="35000"/>
+            </a:spcAft>
+            <a:buNone/>
+          </a:pPr>
+          <a:r>
+            <a:rPr lang="ko-KR" altLang="en-US" sz="700" kern="1200" dirty="0"/>
+            <a:t>검수결과등록</a:t>
+          </a:r>
+        </a:p>
+      </dsp:txBody>
+      <dsp:txXfrm>
+        <a:off x="7943865" y="2938698"/>
+        <a:ext cx="771668" cy="479128"/>
+      </dsp:txXfrm>
+    </dsp:sp>
+    <dsp:sp modelId="{F5149346-3380-43D3-85EF-9A5FAF6883E5}">
+      <dsp:nvSpPr>
+        <dsp:cNvPr id="0" name=""/>
+        <dsp:cNvSpPr/>
+      </dsp:nvSpPr>
+      <dsp:spPr>
+        <a:xfrm>
+          <a:off x="8819493" y="2839191"/>
+          <a:ext cx="801480" cy="508940"/>
+        </a:xfrm>
+        <a:prstGeom prst="roundRect">
+          <a:avLst>
+            <a:gd name="adj" fmla="val 10000"/>
+          </a:avLst>
+        </a:prstGeom>
+        <a:solidFill>
+          <a:schemeClr val="accent1">
+            <a:hueOff val="0"/>
+            <a:satOff val="0"/>
+            <a:lumOff val="0"/>
+            <a:alphaOff val="0"/>
+          </a:schemeClr>
+        </a:solidFill>
+        <a:ln w="12700" cap="flat" cmpd="sng" algn="ctr">
+          <a:solidFill>
+            <a:schemeClr val="lt1">
+              <a:hueOff val="0"/>
+              <a:satOff val="0"/>
+              <a:lumOff val="0"/>
+              <a:alphaOff val="0"/>
+            </a:schemeClr>
+          </a:solidFill>
+          <a:prstDash val="solid"/>
+          <a:miter lim="800000"/>
+        </a:ln>
+        <a:effectLst/>
+      </dsp:spPr>
+      <dsp:style>
+        <a:lnRef idx="2">
+          <a:scrgbClr r="0" g="0" b="0"/>
+        </a:lnRef>
+        <a:fillRef idx="1">
+          <a:scrgbClr r="0" g="0" b="0"/>
+        </a:fillRef>
+        <a:effectRef idx="0">
+          <a:scrgbClr r="0" g="0" b="0"/>
+        </a:effectRef>
+        <a:fontRef idx="minor">
+          <a:schemeClr val="lt1"/>
+        </a:fontRef>
+      </dsp:style>
+    </dsp:sp>
+    <dsp:sp modelId="{B957DC59-D6F6-4FB6-A143-D1C418037A4D}">
+      <dsp:nvSpPr>
+        <dsp:cNvPr id="0" name=""/>
+        <dsp:cNvSpPr/>
+      </dsp:nvSpPr>
+      <dsp:spPr>
+        <a:xfrm>
+          <a:off x="8908546" y="2923792"/>
+          <a:ext cx="801480" cy="508940"/>
+        </a:xfrm>
+        <a:prstGeom prst="roundRect">
+          <a:avLst>
+            <a:gd name="adj" fmla="val 10000"/>
+          </a:avLst>
+        </a:prstGeom>
+        <a:solidFill>
+          <a:schemeClr val="lt1">
+            <a:alpha val="90000"/>
+            <a:hueOff val="0"/>
+            <a:satOff val="0"/>
+            <a:lumOff val="0"/>
+            <a:alphaOff val="0"/>
+          </a:schemeClr>
+        </a:solidFill>
+        <a:ln w="12700" cap="flat" cmpd="sng" algn="ctr">
+          <a:solidFill>
+            <a:schemeClr val="accent1">
+              <a:hueOff val="0"/>
+              <a:satOff val="0"/>
+              <a:lumOff val="0"/>
+              <a:alphaOff val="0"/>
+            </a:schemeClr>
+          </a:solidFill>
+          <a:prstDash val="solid"/>
+          <a:miter lim="800000"/>
+        </a:ln>
+        <a:effectLst/>
+      </dsp:spPr>
+      <dsp:style>
+        <a:lnRef idx="2">
+          <a:scrgbClr r="0" g="0" b="0"/>
+        </a:lnRef>
+        <a:fillRef idx="1">
+          <a:scrgbClr r="0" g="0" b="0"/>
+        </a:fillRef>
+        <a:effectRef idx="0">
+          <a:scrgbClr r="0" g="0" b="0"/>
+        </a:effectRef>
+        <a:fontRef idx="minor"/>
+      </dsp:style>
+      <dsp:txBody>
+        <a:bodyPr spcFirstLastPara="0" vert="horz" wrap="square" lIns="26670" tIns="26670" rIns="26670" bIns="26670" numCol="1" spcCol="1270" anchor="ctr" anchorCtr="0">
+          <a:noAutofit/>
+        </a:bodyPr>
+        <a:lstStyle/>
+        <a:p>
+          <a:pPr marL="0" lvl="0" indent="0" algn="ctr" defTabSz="311150" latinLnBrk="1">
+            <a:lnSpc>
+              <a:spcPct val="90000"/>
+            </a:lnSpc>
+            <a:spcBef>
+              <a:spcPct val="0"/>
+            </a:spcBef>
+            <a:spcAft>
+              <a:spcPct val="35000"/>
+            </a:spcAft>
+            <a:buNone/>
+          </a:pPr>
+          <a:r>
+            <a:rPr lang="ko-KR" altLang="en-US" sz="700" kern="1200" dirty="0"/>
+            <a:t>검수결과조회</a:t>
+          </a:r>
+        </a:p>
+      </dsp:txBody>
+      <dsp:txXfrm>
+        <a:off x="8923452" y="2938698"/>
+        <a:ext cx="771668" cy="479128"/>
+      </dsp:txXfrm>
+    </dsp:sp>
+    <dsp:sp modelId="{BEB98CDA-03B0-4130-9E9E-FCBEC2A2B953}">
+      <dsp:nvSpPr>
+        <dsp:cNvPr id="0" name=""/>
+        <dsp:cNvSpPr/>
+      </dsp:nvSpPr>
+      <dsp:spPr>
+        <a:xfrm>
+          <a:off x="9799080" y="2097154"/>
+          <a:ext cx="801480" cy="508940"/>
+        </a:xfrm>
+        <a:prstGeom prst="roundRect">
+          <a:avLst>
+            <a:gd name="adj" fmla="val 10000"/>
+          </a:avLst>
+        </a:prstGeom>
+        <a:solidFill>
+          <a:schemeClr val="accent1">
+            <a:hueOff val="0"/>
+            <a:satOff val="0"/>
+            <a:lumOff val="0"/>
+            <a:alphaOff val="0"/>
+          </a:schemeClr>
+        </a:solidFill>
+        <a:ln w="12700" cap="flat" cmpd="sng" algn="ctr">
+          <a:solidFill>
+            <a:schemeClr val="lt1">
+              <a:hueOff val="0"/>
+              <a:satOff val="0"/>
+              <a:lumOff val="0"/>
+              <a:alphaOff val="0"/>
+            </a:schemeClr>
+          </a:solidFill>
+          <a:prstDash val="solid"/>
+          <a:miter lim="800000"/>
+        </a:ln>
+        <a:effectLst/>
+      </dsp:spPr>
+      <dsp:style>
+        <a:lnRef idx="2">
+          <a:scrgbClr r="0" g="0" b="0"/>
+        </a:lnRef>
+        <a:fillRef idx="1">
+          <a:scrgbClr r="0" g="0" b="0"/>
+        </a:fillRef>
+        <a:effectRef idx="0">
+          <a:scrgbClr r="0" g="0" b="0"/>
+        </a:effectRef>
+        <a:fontRef idx="minor">
+          <a:schemeClr val="lt1"/>
+        </a:fontRef>
+      </dsp:style>
+    </dsp:sp>
+    <dsp:sp modelId="{62954BFA-279E-4EA6-BF04-802D4462BACB}">
+      <dsp:nvSpPr>
+        <dsp:cNvPr id="0" name=""/>
+        <dsp:cNvSpPr/>
+      </dsp:nvSpPr>
+      <dsp:spPr>
+        <a:xfrm>
+          <a:off x="9888133" y="2181754"/>
+          <a:ext cx="801480" cy="508940"/>
+        </a:xfrm>
+        <a:prstGeom prst="roundRect">
+          <a:avLst>
+            <a:gd name="adj" fmla="val 10000"/>
+          </a:avLst>
+        </a:prstGeom>
+        <a:solidFill>
+          <a:schemeClr val="lt1">
+            <a:alpha val="90000"/>
+            <a:hueOff val="0"/>
+            <a:satOff val="0"/>
+            <a:lumOff val="0"/>
+            <a:alphaOff val="0"/>
+          </a:schemeClr>
+        </a:solidFill>
+        <a:ln w="12700" cap="flat" cmpd="sng" algn="ctr">
+          <a:solidFill>
+            <a:schemeClr val="accent1">
+              <a:hueOff val="0"/>
+              <a:satOff val="0"/>
+              <a:lumOff val="0"/>
+              <a:alphaOff val="0"/>
+            </a:schemeClr>
+          </a:solidFill>
+          <a:prstDash val="solid"/>
+          <a:miter lim="800000"/>
+        </a:ln>
+        <a:effectLst/>
+      </dsp:spPr>
+      <dsp:style>
+        <a:lnRef idx="2">
+          <a:scrgbClr r="0" g="0" b="0"/>
+        </a:lnRef>
+        <a:fillRef idx="1">
+          <a:scrgbClr r="0" g="0" b="0"/>
+        </a:fillRef>
+        <a:effectRef idx="0">
+          <a:scrgbClr r="0" g="0" b="0"/>
+        </a:effectRef>
+        <a:fontRef idx="minor"/>
+      </dsp:style>
+      <dsp:txBody>
+        <a:bodyPr spcFirstLastPara="0" vert="horz" wrap="square" lIns="26670" tIns="26670" rIns="26670" bIns="26670" numCol="1" spcCol="1270" anchor="ctr" anchorCtr="0">
+          <a:noAutofit/>
+        </a:bodyPr>
+        <a:lstStyle/>
+        <a:p>
+          <a:pPr marL="0" lvl="0" indent="0" algn="ctr" defTabSz="311150" latinLnBrk="1">
+            <a:lnSpc>
+              <a:spcPct val="90000"/>
+            </a:lnSpc>
+            <a:spcBef>
+              <a:spcPct val="0"/>
+            </a:spcBef>
+            <a:spcAft>
+              <a:spcPct val="35000"/>
+            </a:spcAft>
+            <a:buNone/>
+          </a:pPr>
+          <a:r>
+            <a:rPr lang="ko-KR" altLang="en-US" sz="700" kern="1200" dirty="0"/>
+            <a:t>포장</a:t>
+          </a:r>
+        </a:p>
+      </dsp:txBody>
+      <dsp:txXfrm>
+        <a:off x="9903039" y="2196660"/>
+        <a:ext cx="771668" cy="479128"/>
+      </dsp:txXfrm>
+    </dsp:sp>
+    <dsp:sp modelId="{8F429A0C-94C5-4EF4-9595-11FF22BD4C27}">
+      <dsp:nvSpPr>
+        <dsp:cNvPr id="0" name=""/>
+        <dsp:cNvSpPr/>
+      </dsp:nvSpPr>
+      <dsp:spPr>
+        <a:xfrm>
+          <a:off x="9799080" y="2839191"/>
+          <a:ext cx="801480" cy="508940"/>
+        </a:xfrm>
+        <a:prstGeom prst="roundRect">
+          <a:avLst>
+            <a:gd name="adj" fmla="val 10000"/>
+          </a:avLst>
+        </a:prstGeom>
+        <a:solidFill>
+          <a:schemeClr val="accent1">
+            <a:hueOff val="0"/>
+            <a:satOff val="0"/>
+            <a:lumOff val="0"/>
+            <a:alphaOff val="0"/>
+          </a:schemeClr>
+        </a:solidFill>
+        <a:ln w="12700" cap="flat" cmpd="sng" algn="ctr">
+          <a:solidFill>
+            <a:schemeClr val="lt1">
+              <a:hueOff val="0"/>
+              <a:satOff val="0"/>
+              <a:lumOff val="0"/>
+              <a:alphaOff val="0"/>
+            </a:schemeClr>
+          </a:solidFill>
+          <a:prstDash val="solid"/>
+          <a:miter lim="800000"/>
+        </a:ln>
+        <a:effectLst/>
+      </dsp:spPr>
+      <dsp:style>
+        <a:lnRef idx="2">
+          <a:scrgbClr r="0" g="0" b="0"/>
+        </a:lnRef>
+        <a:fillRef idx="1">
+          <a:scrgbClr r="0" g="0" b="0"/>
+        </a:fillRef>
+        <a:effectRef idx="0">
+          <a:scrgbClr r="0" g="0" b="0"/>
+        </a:effectRef>
+        <a:fontRef idx="minor">
+          <a:schemeClr val="lt1"/>
+        </a:fontRef>
+      </dsp:style>
+    </dsp:sp>
+    <dsp:sp modelId="{CC76AA8D-EDFD-4F00-A123-CCD1459F2D9C}">
+      <dsp:nvSpPr>
+        <dsp:cNvPr id="0" name=""/>
+        <dsp:cNvSpPr/>
+      </dsp:nvSpPr>
+      <dsp:spPr>
+        <a:xfrm>
+          <a:off x="9888133" y="2923792"/>
+          <a:ext cx="801480" cy="508940"/>
+        </a:xfrm>
+        <a:prstGeom prst="roundRect">
+          <a:avLst>
+            <a:gd name="adj" fmla="val 10000"/>
+          </a:avLst>
+        </a:prstGeom>
+        <a:solidFill>
+          <a:schemeClr val="lt1">
+            <a:alpha val="90000"/>
+            <a:hueOff val="0"/>
+            <a:satOff val="0"/>
+            <a:lumOff val="0"/>
+            <a:alphaOff val="0"/>
+          </a:schemeClr>
+        </a:solidFill>
+        <a:ln w="12700" cap="flat" cmpd="sng" algn="ctr">
+          <a:solidFill>
+            <a:schemeClr val="accent1">
+              <a:hueOff val="0"/>
+              <a:satOff val="0"/>
+              <a:lumOff val="0"/>
+              <a:alphaOff val="0"/>
+            </a:schemeClr>
+          </a:solidFill>
+          <a:prstDash val="solid"/>
+          <a:miter lim="800000"/>
+        </a:ln>
+        <a:effectLst/>
+      </dsp:spPr>
+      <dsp:style>
+        <a:lnRef idx="2">
+          <a:scrgbClr r="0" g="0" b="0"/>
+        </a:lnRef>
+        <a:fillRef idx="1">
+          <a:scrgbClr r="0" g="0" b="0"/>
+        </a:fillRef>
+        <a:effectRef idx="0">
+          <a:scrgbClr r="0" g="0" b="0"/>
+        </a:effectRef>
+        <a:fontRef idx="minor"/>
+      </dsp:style>
+      <dsp:txBody>
+        <a:bodyPr spcFirstLastPara="0" vert="horz" wrap="square" lIns="26670" tIns="26670" rIns="26670" bIns="26670" numCol="1" spcCol="1270" anchor="ctr" anchorCtr="0">
+          <a:noAutofit/>
+        </a:bodyPr>
+        <a:lstStyle/>
+        <a:p>
+          <a:pPr marL="0" lvl="0" indent="0" algn="ctr" defTabSz="311150" latinLnBrk="1">
+            <a:lnSpc>
+              <a:spcPct val="90000"/>
+            </a:lnSpc>
+            <a:spcBef>
+              <a:spcPct val="0"/>
+            </a:spcBef>
+            <a:spcAft>
+              <a:spcPct val="35000"/>
+            </a:spcAft>
+            <a:buNone/>
+          </a:pPr>
+          <a:r>
+            <a:rPr lang="ko-KR" altLang="en-US" sz="700" kern="1200" dirty="0"/>
+            <a:t>포장리스트조회</a:t>
+          </a:r>
+        </a:p>
+      </dsp:txBody>
+      <dsp:txXfrm>
+        <a:off x="9903039" y="2938698"/>
+        <a:ext cx="771668" cy="479128"/>
+      </dsp:txXfrm>
+    </dsp:sp>
+    <dsp:sp modelId="{EA3480C9-320A-4BF1-A6A2-28B1627D5CB6}">
+      <dsp:nvSpPr>
+        <dsp:cNvPr id="0" name=""/>
+        <dsp:cNvSpPr/>
+      </dsp:nvSpPr>
+      <dsp:spPr>
+        <a:xfrm>
+          <a:off x="10778668" y="2097154"/>
+          <a:ext cx="801480" cy="508940"/>
+        </a:xfrm>
+        <a:prstGeom prst="roundRect">
+          <a:avLst>
+            <a:gd name="adj" fmla="val 10000"/>
+          </a:avLst>
+        </a:prstGeom>
+        <a:solidFill>
+          <a:schemeClr val="accent1">
+            <a:hueOff val="0"/>
+            <a:satOff val="0"/>
+            <a:lumOff val="0"/>
+            <a:alphaOff val="0"/>
+          </a:schemeClr>
+        </a:solidFill>
+        <a:ln w="12700" cap="flat" cmpd="sng" algn="ctr">
+          <a:solidFill>
+            <a:schemeClr val="lt1">
+              <a:hueOff val="0"/>
+              <a:satOff val="0"/>
+              <a:lumOff val="0"/>
+              <a:alphaOff val="0"/>
+            </a:schemeClr>
+          </a:solidFill>
+          <a:prstDash val="solid"/>
+          <a:miter lim="800000"/>
+        </a:ln>
+        <a:effectLst/>
+      </dsp:spPr>
+      <dsp:style>
+        <a:lnRef idx="2">
+          <a:scrgbClr r="0" g="0" b="0"/>
+        </a:lnRef>
+        <a:fillRef idx="1">
+          <a:scrgbClr r="0" g="0" b="0"/>
+        </a:fillRef>
+        <a:effectRef idx="0">
+          <a:scrgbClr r="0" g="0" b="0"/>
+        </a:effectRef>
+        <a:fontRef idx="minor">
+          <a:schemeClr val="lt1"/>
+        </a:fontRef>
+      </dsp:style>
+    </dsp:sp>
+    <dsp:sp modelId="{FAAE5956-B1AF-4DDB-A330-2E551C5237F9}">
+      <dsp:nvSpPr>
+        <dsp:cNvPr id="0" name=""/>
+        <dsp:cNvSpPr/>
+      </dsp:nvSpPr>
+      <dsp:spPr>
+        <a:xfrm>
+          <a:off x="10867721" y="2181754"/>
+          <a:ext cx="801480" cy="508940"/>
+        </a:xfrm>
+        <a:prstGeom prst="roundRect">
+          <a:avLst>
+            <a:gd name="adj" fmla="val 10000"/>
+          </a:avLst>
+        </a:prstGeom>
+        <a:solidFill>
+          <a:schemeClr val="lt1">
+            <a:alpha val="90000"/>
+            <a:hueOff val="0"/>
+            <a:satOff val="0"/>
+            <a:lumOff val="0"/>
+            <a:alphaOff val="0"/>
+          </a:schemeClr>
+        </a:solidFill>
+        <a:ln w="12700" cap="flat" cmpd="sng" algn="ctr">
+          <a:solidFill>
+            <a:schemeClr val="accent1">
+              <a:hueOff val="0"/>
+              <a:satOff val="0"/>
+              <a:lumOff val="0"/>
+              <a:alphaOff val="0"/>
+            </a:schemeClr>
+          </a:solidFill>
+          <a:prstDash val="solid"/>
+          <a:miter lim="800000"/>
+        </a:ln>
+        <a:effectLst/>
+      </dsp:spPr>
+      <dsp:style>
+        <a:lnRef idx="2">
+          <a:scrgbClr r="0" g="0" b="0"/>
+        </a:lnRef>
+        <a:fillRef idx="1">
+          <a:scrgbClr r="0" g="0" b="0"/>
+        </a:fillRef>
+        <a:effectRef idx="0">
+          <a:scrgbClr r="0" g="0" b="0"/>
+        </a:effectRef>
+        <a:fontRef idx="minor"/>
+      </dsp:style>
+      <dsp:txBody>
+        <a:bodyPr spcFirstLastPara="0" vert="horz" wrap="square" lIns="26670" tIns="26670" rIns="26670" bIns="26670" numCol="1" spcCol="1270" anchor="ctr" anchorCtr="0">
+          <a:noAutofit/>
+        </a:bodyPr>
+        <a:lstStyle/>
+        <a:p>
+          <a:pPr marL="0" lvl="0" indent="0" algn="ctr" defTabSz="311150" latinLnBrk="1">
+            <a:lnSpc>
+              <a:spcPct val="90000"/>
+            </a:lnSpc>
+            <a:spcBef>
+              <a:spcPct val="0"/>
+            </a:spcBef>
+            <a:spcAft>
+              <a:spcPct val="35000"/>
+            </a:spcAft>
+            <a:buNone/>
+          </a:pPr>
+          <a:r>
+            <a:rPr lang="ko-KR" altLang="en-US" sz="700" kern="1200" dirty="0"/>
+            <a:t>창고</a:t>
+          </a:r>
+        </a:p>
+      </dsp:txBody>
+      <dsp:txXfrm>
+        <a:off x="10882627" y="2196660"/>
+        <a:ext cx="771668" cy="479128"/>
+      </dsp:txXfrm>
+    </dsp:sp>
+    <dsp:sp modelId="{07FEA034-3218-43A1-AEBC-16BA0C4BDB1D}">
+      <dsp:nvSpPr>
+        <dsp:cNvPr id="0" name=""/>
+        <dsp:cNvSpPr/>
+      </dsp:nvSpPr>
+      <dsp:spPr>
+        <a:xfrm>
+          <a:off x="10778668" y="2839191"/>
+          <a:ext cx="801480" cy="508940"/>
+        </a:xfrm>
+        <a:prstGeom prst="roundRect">
+          <a:avLst>
+            <a:gd name="adj" fmla="val 10000"/>
+          </a:avLst>
+        </a:prstGeom>
+        <a:solidFill>
+          <a:schemeClr val="accent1">
+            <a:hueOff val="0"/>
+            <a:satOff val="0"/>
+            <a:lumOff val="0"/>
+            <a:alphaOff val="0"/>
+          </a:schemeClr>
+        </a:solidFill>
+        <a:ln w="12700" cap="flat" cmpd="sng" algn="ctr">
+          <a:solidFill>
+            <a:schemeClr val="lt1">
+              <a:hueOff val="0"/>
+              <a:satOff val="0"/>
+              <a:lumOff val="0"/>
+              <a:alphaOff val="0"/>
+            </a:schemeClr>
+          </a:solidFill>
+          <a:prstDash val="solid"/>
+          <a:miter lim="800000"/>
+        </a:ln>
+        <a:effectLst/>
+      </dsp:spPr>
+      <dsp:style>
+        <a:lnRef idx="2">
+          <a:scrgbClr r="0" g="0" b="0"/>
+        </a:lnRef>
+        <a:fillRef idx="1">
+          <a:scrgbClr r="0" g="0" b="0"/>
+        </a:fillRef>
+        <a:effectRef idx="0">
+          <a:scrgbClr r="0" g="0" b="0"/>
+        </a:effectRef>
+        <a:fontRef idx="minor">
+          <a:schemeClr val="lt1"/>
+        </a:fontRef>
+      </dsp:style>
+    </dsp:sp>
+    <dsp:sp modelId="{0A8DA80C-05EA-4675-92CC-51D75EC8B01C}">
+      <dsp:nvSpPr>
+        <dsp:cNvPr id="0" name=""/>
+        <dsp:cNvSpPr/>
+      </dsp:nvSpPr>
+      <dsp:spPr>
+        <a:xfrm>
+          <a:off x="10867721" y="2923792"/>
+          <a:ext cx="801480" cy="508940"/>
+        </a:xfrm>
+        <a:prstGeom prst="roundRect">
+          <a:avLst>
+            <a:gd name="adj" fmla="val 10000"/>
+          </a:avLst>
+        </a:prstGeom>
+        <a:solidFill>
+          <a:schemeClr val="lt1">
+            <a:alpha val="90000"/>
+            <a:hueOff val="0"/>
+            <a:satOff val="0"/>
+            <a:lumOff val="0"/>
+            <a:alphaOff val="0"/>
+          </a:schemeClr>
+        </a:solidFill>
+        <a:ln w="12700" cap="flat" cmpd="sng" algn="ctr">
+          <a:solidFill>
+            <a:schemeClr val="accent1">
+              <a:hueOff val="0"/>
+              <a:satOff val="0"/>
+              <a:lumOff val="0"/>
+              <a:alphaOff val="0"/>
+            </a:schemeClr>
+          </a:solidFill>
+          <a:prstDash val="solid"/>
+          <a:miter lim="800000"/>
+        </a:ln>
+        <a:effectLst/>
+      </dsp:spPr>
+      <dsp:style>
+        <a:lnRef idx="2">
+          <a:scrgbClr r="0" g="0" b="0"/>
+        </a:lnRef>
+        <a:fillRef idx="1">
+          <a:scrgbClr r="0" g="0" b="0"/>
+        </a:fillRef>
+        <a:effectRef idx="0">
+          <a:scrgbClr r="0" g="0" b="0"/>
+        </a:effectRef>
+        <a:fontRef idx="minor"/>
+      </dsp:style>
+      <dsp:txBody>
+        <a:bodyPr spcFirstLastPara="0" vert="horz" wrap="square" lIns="26670" tIns="26670" rIns="26670" bIns="26670" numCol="1" spcCol="1270" anchor="ctr" anchorCtr="0">
+          <a:noAutofit/>
+        </a:bodyPr>
+        <a:lstStyle/>
+        <a:p>
+          <a:pPr marL="0" lvl="0" indent="0" algn="ctr" defTabSz="311150" latinLnBrk="1">
+            <a:lnSpc>
+              <a:spcPct val="90000"/>
+            </a:lnSpc>
+            <a:spcBef>
+              <a:spcPct val="0"/>
+            </a:spcBef>
+            <a:spcAft>
+              <a:spcPct val="35000"/>
+            </a:spcAft>
+            <a:buNone/>
+          </a:pPr>
+          <a:r>
+            <a:rPr lang="ko-KR" altLang="en-US" sz="700" kern="1200" dirty="0"/>
             <a:t>리스트조회</a:t>
           </a:r>
           <a:r>
-            <a:rPr lang="en-US" altLang="ko-KR" sz="900" kern="1200" dirty="0" smtClean="0"/>
+            <a:rPr lang="en-US" altLang="ko-KR" sz="700" kern="1200" dirty="0"/>
             <a:t>(</a:t>
           </a:r>
           <a:r>
-            <a:rPr lang="ko-KR" altLang="en-US" sz="900" kern="1200" smtClean="0"/>
+            <a:rPr lang="ko-KR" altLang="en-US" sz="700" kern="1200"/>
             <a:t>모델별</a:t>
           </a:r>
           <a:r>
-            <a:rPr lang="en-US" altLang="ko-KR" sz="900" kern="1200" dirty="0" smtClean="0"/>
+            <a:rPr lang="en-US" altLang="ko-KR" sz="700" kern="1200" dirty="0"/>
             <a:t>/</a:t>
           </a:r>
           <a:r>
-            <a:rPr lang="ko-KR" altLang="en-US" sz="900" kern="1200" smtClean="0"/>
+            <a:rPr lang="ko-KR" altLang="en-US" sz="700" kern="1200"/>
             <a:t>거래처별 </a:t>
           </a:r>
           <a:r>
-            <a:rPr lang="en-US" altLang="ko-KR" sz="900" kern="1200" dirty="0" smtClean="0"/>
+            <a:rPr lang="en-US" altLang="ko-KR" sz="700" kern="1200" dirty="0"/>
             <a:t>..)</a:t>
           </a:r>
-          <a:endParaRPr lang="ko-KR" altLang="en-US" sz="900" kern="1200" dirty="0"/>
+          <a:endParaRPr lang="ko-KR" altLang="en-US" sz="700" kern="1200" dirty="0"/>
         </a:p>
       </dsp:txBody>
       <dsp:txXfrm>
-        <a:off x="10722914" y="3790562"/>
-        <a:ext cx="927237" cy="575720"/>
+        <a:off x="10882627" y="2938698"/>
+        <a:ext cx="771668" cy="479128"/>
       </dsp:txXfrm>
     </dsp:sp>
   </dsp:spTree>
@@ -7408,10 +9029,9 @@
           </a:lstStyle>
           <a:p>
             <a:r>
-              <a:rPr lang="ko-KR" altLang="en-US" smtClean="0"/>
+              <a:rPr lang="ko-KR" altLang="en-US"/>
               <a:t>마스터 제목 스타일 편집</a:t>
             </a:r>
-            <a:endParaRPr lang="ko-KR" altLang="en-US"/>
           </a:p>
         </p:txBody>
       </p:sp>
@@ -7473,10 +9093,9 @@
           </a:lstStyle>
           <a:p>
             <a:r>
-              <a:rPr lang="ko-KR" altLang="en-US" smtClean="0"/>
+              <a:rPr lang="ko-KR" altLang="en-US"/>
               <a:t>마스터 부제목 스타일 편집</a:t>
             </a:r>
-            <a:endParaRPr lang="ko-KR" altLang="en-US"/>
           </a:p>
         </p:txBody>
       </p:sp>
@@ -7497,7 +9116,7 @@
           <a:p>
             <a:fld id="{56CE609A-7F5D-4230-86C2-F23F791E2FD5}" type="datetimeFigureOut">
               <a:rPr lang="ko-KR" altLang="en-US" smtClean="0"/>
-              <a:t>2022-07-15</a:t>
+              <a:t>2022-07-26</a:t>
             </a:fld>
             <a:endParaRPr lang="ko-KR" altLang="en-US"/>
           </a:p>
@@ -7591,10 +9210,9 @@
           <a:lstStyle/>
           <a:p>
             <a:r>
-              <a:rPr lang="ko-KR" altLang="en-US" smtClean="0"/>
+              <a:rPr lang="ko-KR" altLang="en-US"/>
               <a:t>마스터 제목 스타일 편집</a:t>
             </a:r>
-            <a:endParaRPr lang="ko-KR" altLang="en-US"/>
           </a:p>
         </p:txBody>
       </p:sp>
@@ -7615,38 +9233,37 @@
           <a:p>
             <a:pPr lvl="0"/>
             <a:r>
-              <a:rPr lang="ko-KR" altLang="en-US" smtClean="0"/>
+              <a:rPr lang="ko-KR" altLang="en-US"/>
               <a:t>마스터 텍스트 스타일을 편집합니다</a:t>
             </a:r>
           </a:p>
           <a:p>
             <a:pPr lvl="1"/>
             <a:r>
-              <a:rPr lang="ko-KR" altLang="en-US" smtClean="0"/>
+              <a:rPr lang="ko-KR" altLang="en-US"/>
               <a:t>둘째 수준</a:t>
             </a:r>
           </a:p>
           <a:p>
             <a:pPr lvl="2"/>
             <a:r>
-              <a:rPr lang="ko-KR" altLang="en-US" smtClean="0"/>
+              <a:rPr lang="ko-KR" altLang="en-US"/>
               <a:t>셋째 수준</a:t>
             </a:r>
           </a:p>
           <a:p>
             <a:pPr lvl="3"/>
             <a:r>
-              <a:rPr lang="ko-KR" altLang="en-US" smtClean="0"/>
+              <a:rPr lang="ko-KR" altLang="en-US"/>
               <a:t>넷째 수준</a:t>
             </a:r>
           </a:p>
           <a:p>
             <a:pPr lvl="4"/>
             <a:r>
-              <a:rPr lang="ko-KR" altLang="en-US" smtClean="0"/>
+              <a:rPr lang="ko-KR" altLang="en-US"/>
               <a:t>다섯째 수준</a:t>
             </a:r>
-            <a:endParaRPr lang="ko-KR" altLang="en-US"/>
           </a:p>
         </p:txBody>
       </p:sp>
@@ -7667,7 +9284,7 @@
           <a:p>
             <a:fld id="{56CE609A-7F5D-4230-86C2-F23F791E2FD5}" type="datetimeFigureOut">
               <a:rPr lang="ko-KR" altLang="en-US" smtClean="0"/>
-              <a:t>2022-07-15</a:t>
+              <a:t>2022-07-26</a:t>
             </a:fld>
             <a:endParaRPr lang="ko-KR" altLang="en-US"/>
           </a:p>
@@ -7766,10 +9383,9 @@
           <a:lstStyle/>
           <a:p>
             <a:r>
-              <a:rPr lang="ko-KR" altLang="en-US" smtClean="0"/>
+              <a:rPr lang="ko-KR" altLang="en-US"/>
               <a:t>마스터 제목 스타일 편집</a:t>
             </a:r>
-            <a:endParaRPr lang="ko-KR" altLang="en-US"/>
           </a:p>
         </p:txBody>
       </p:sp>
@@ -7795,38 +9411,37 @@
           <a:p>
             <a:pPr lvl="0"/>
             <a:r>
-              <a:rPr lang="ko-KR" altLang="en-US" smtClean="0"/>
+              <a:rPr lang="ko-KR" altLang="en-US"/>
               <a:t>마스터 텍스트 스타일을 편집합니다</a:t>
             </a:r>
           </a:p>
           <a:p>
             <a:pPr lvl="1"/>
             <a:r>
-              <a:rPr lang="ko-KR" altLang="en-US" smtClean="0"/>
+              <a:rPr lang="ko-KR" altLang="en-US"/>
               <a:t>둘째 수준</a:t>
             </a:r>
           </a:p>
           <a:p>
             <a:pPr lvl="2"/>
             <a:r>
-              <a:rPr lang="ko-KR" altLang="en-US" smtClean="0"/>
+              <a:rPr lang="ko-KR" altLang="en-US"/>
               <a:t>셋째 수준</a:t>
             </a:r>
           </a:p>
           <a:p>
             <a:pPr lvl="3"/>
             <a:r>
-              <a:rPr lang="ko-KR" altLang="en-US" smtClean="0"/>
+              <a:rPr lang="ko-KR" altLang="en-US"/>
               <a:t>넷째 수준</a:t>
             </a:r>
           </a:p>
           <a:p>
             <a:pPr lvl="4"/>
             <a:r>
-              <a:rPr lang="ko-KR" altLang="en-US" smtClean="0"/>
+              <a:rPr lang="ko-KR" altLang="en-US"/>
               <a:t>다섯째 수준</a:t>
             </a:r>
-            <a:endParaRPr lang="ko-KR" altLang="en-US"/>
           </a:p>
         </p:txBody>
       </p:sp>
@@ -7847,7 +9462,7 @@
           <a:p>
             <a:fld id="{56CE609A-7F5D-4230-86C2-F23F791E2FD5}" type="datetimeFigureOut">
               <a:rPr lang="ko-KR" altLang="en-US" smtClean="0"/>
-              <a:t>2022-07-15</a:t>
+              <a:t>2022-07-26</a:t>
             </a:fld>
             <a:endParaRPr lang="ko-KR" altLang="en-US"/>
           </a:p>
@@ -7941,10 +9556,9 @@
           <a:lstStyle/>
           <a:p>
             <a:r>
-              <a:rPr lang="ko-KR" altLang="en-US" smtClean="0"/>
+              <a:rPr lang="ko-KR" altLang="en-US"/>
               <a:t>마스터 제목 스타일 편집</a:t>
             </a:r>
-            <a:endParaRPr lang="ko-KR" altLang="en-US"/>
           </a:p>
         </p:txBody>
       </p:sp>
@@ -7965,38 +9579,37 @@
           <a:p>
             <a:pPr lvl="0"/>
             <a:r>
-              <a:rPr lang="ko-KR" altLang="en-US" smtClean="0"/>
+              <a:rPr lang="ko-KR" altLang="en-US"/>
               <a:t>마스터 텍스트 스타일을 편집합니다</a:t>
             </a:r>
           </a:p>
           <a:p>
             <a:pPr lvl="1"/>
             <a:r>
-              <a:rPr lang="ko-KR" altLang="en-US" smtClean="0"/>
+              <a:rPr lang="ko-KR" altLang="en-US"/>
               <a:t>둘째 수준</a:t>
             </a:r>
           </a:p>
           <a:p>
             <a:pPr lvl="2"/>
             <a:r>
-              <a:rPr lang="ko-KR" altLang="en-US" smtClean="0"/>
+              <a:rPr lang="ko-KR" altLang="en-US"/>
               <a:t>셋째 수준</a:t>
             </a:r>
           </a:p>
           <a:p>
             <a:pPr lvl="3"/>
             <a:r>
-              <a:rPr lang="ko-KR" altLang="en-US" smtClean="0"/>
+              <a:rPr lang="ko-KR" altLang="en-US"/>
               <a:t>넷째 수준</a:t>
             </a:r>
           </a:p>
           <a:p>
             <a:pPr lvl="4"/>
             <a:r>
-              <a:rPr lang="ko-KR" altLang="en-US" smtClean="0"/>
+              <a:rPr lang="ko-KR" altLang="en-US"/>
               <a:t>다섯째 수준</a:t>
             </a:r>
-            <a:endParaRPr lang="ko-KR" altLang="en-US"/>
           </a:p>
         </p:txBody>
       </p:sp>
@@ -8017,7 +9630,7 @@
           <a:p>
             <a:fld id="{56CE609A-7F5D-4230-86C2-F23F791E2FD5}" type="datetimeFigureOut">
               <a:rPr lang="ko-KR" altLang="en-US" smtClean="0"/>
-              <a:t>2022-07-15</a:t>
+              <a:t>2022-07-26</a:t>
             </a:fld>
             <a:endParaRPr lang="ko-KR" altLang="en-US"/>
           </a:p>
@@ -8120,10 +9733,9 @@
           </a:lstStyle>
           <a:p>
             <a:r>
-              <a:rPr lang="ko-KR" altLang="en-US" smtClean="0"/>
+              <a:rPr lang="ko-KR" altLang="en-US"/>
               <a:t>마스터 제목 스타일 편집</a:t>
             </a:r>
-            <a:endParaRPr lang="ko-KR" altLang="en-US"/>
           </a:p>
         </p:txBody>
       </p:sp>
@@ -8240,7 +9852,7 @@
           <a:p>
             <a:pPr lvl="0"/>
             <a:r>
-              <a:rPr lang="ko-KR" altLang="en-US" smtClean="0"/>
+              <a:rPr lang="ko-KR" altLang="en-US"/>
               <a:t>마스터 텍스트 스타일을 편집합니다</a:t>
             </a:r>
           </a:p>
@@ -8263,7 +9875,7 @@
           <a:p>
             <a:fld id="{56CE609A-7F5D-4230-86C2-F23F791E2FD5}" type="datetimeFigureOut">
               <a:rPr lang="ko-KR" altLang="en-US" smtClean="0"/>
-              <a:t>2022-07-15</a:t>
+              <a:t>2022-07-26</a:t>
             </a:fld>
             <a:endParaRPr lang="ko-KR" altLang="en-US"/>
           </a:p>
@@ -8357,10 +9969,9 @@
           <a:lstStyle/>
           <a:p>
             <a:r>
-              <a:rPr lang="ko-KR" altLang="en-US" smtClean="0"/>
+              <a:rPr lang="ko-KR" altLang="en-US"/>
               <a:t>마스터 제목 스타일 편집</a:t>
             </a:r>
-            <a:endParaRPr lang="ko-KR" altLang="en-US"/>
           </a:p>
         </p:txBody>
       </p:sp>
@@ -8386,38 +9997,37 @@
           <a:p>
             <a:pPr lvl="0"/>
             <a:r>
-              <a:rPr lang="ko-KR" altLang="en-US" smtClean="0"/>
+              <a:rPr lang="ko-KR" altLang="en-US"/>
               <a:t>마스터 텍스트 스타일을 편집합니다</a:t>
             </a:r>
           </a:p>
           <a:p>
             <a:pPr lvl="1"/>
             <a:r>
-              <a:rPr lang="ko-KR" altLang="en-US" smtClean="0"/>
+              <a:rPr lang="ko-KR" altLang="en-US"/>
               <a:t>둘째 수준</a:t>
             </a:r>
           </a:p>
           <a:p>
             <a:pPr lvl="2"/>
             <a:r>
-              <a:rPr lang="ko-KR" altLang="en-US" smtClean="0"/>
+              <a:rPr lang="ko-KR" altLang="en-US"/>
               <a:t>셋째 수준</a:t>
             </a:r>
           </a:p>
           <a:p>
             <a:pPr lvl="3"/>
             <a:r>
-              <a:rPr lang="ko-KR" altLang="en-US" smtClean="0"/>
+              <a:rPr lang="ko-KR" altLang="en-US"/>
               <a:t>넷째 수준</a:t>
             </a:r>
           </a:p>
           <a:p>
             <a:pPr lvl="4"/>
             <a:r>
-              <a:rPr lang="ko-KR" altLang="en-US" smtClean="0"/>
+              <a:rPr lang="ko-KR" altLang="en-US"/>
               <a:t>다섯째 수준</a:t>
             </a:r>
-            <a:endParaRPr lang="ko-KR" altLang="en-US"/>
           </a:p>
         </p:txBody>
       </p:sp>
@@ -8443,38 +10053,37 @@
           <a:p>
             <a:pPr lvl="0"/>
             <a:r>
-              <a:rPr lang="ko-KR" altLang="en-US" smtClean="0"/>
+              <a:rPr lang="ko-KR" altLang="en-US"/>
               <a:t>마스터 텍스트 스타일을 편집합니다</a:t>
             </a:r>
           </a:p>
           <a:p>
             <a:pPr lvl="1"/>
             <a:r>
-              <a:rPr lang="ko-KR" altLang="en-US" smtClean="0"/>
+              <a:rPr lang="ko-KR" altLang="en-US"/>
               <a:t>둘째 수준</a:t>
             </a:r>
           </a:p>
           <a:p>
             <a:pPr lvl="2"/>
             <a:r>
-              <a:rPr lang="ko-KR" altLang="en-US" smtClean="0"/>
+              <a:rPr lang="ko-KR" altLang="en-US"/>
               <a:t>셋째 수준</a:t>
             </a:r>
           </a:p>
           <a:p>
             <a:pPr lvl="3"/>
             <a:r>
-              <a:rPr lang="ko-KR" altLang="en-US" smtClean="0"/>
+              <a:rPr lang="ko-KR" altLang="en-US"/>
               <a:t>넷째 수준</a:t>
             </a:r>
           </a:p>
           <a:p>
             <a:pPr lvl="4"/>
             <a:r>
-              <a:rPr lang="ko-KR" altLang="en-US" smtClean="0"/>
+              <a:rPr lang="ko-KR" altLang="en-US"/>
               <a:t>다섯째 수준</a:t>
             </a:r>
-            <a:endParaRPr lang="ko-KR" altLang="en-US"/>
           </a:p>
         </p:txBody>
       </p:sp>
@@ -8495,7 +10104,7 @@
           <a:p>
             <a:fld id="{56CE609A-7F5D-4230-86C2-F23F791E2FD5}" type="datetimeFigureOut">
               <a:rPr lang="ko-KR" altLang="en-US" smtClean="0"/>
-              <a:t>2022-07-15</a:t>
+              <a:t>2022-07-26</a:t>
             </a:fld>
             <a:endParaRPr lang="ko-KR" altLang="en-US"/>
           </a:p>
@@ -8594,10 +10203,9 @@
           <a:lstStyle/>
           <a:p>
             <a:r>
-              <a:rPr lang="ko-KR" altLang="en-US" smtClean="0"/>
+              <a:rPr lang="ko-KR" altLang="en-US"/>
               <a:t>마스터 제목 스타일 편집</a:t>
             </a:r>
-            <a:endParaRPr lang="ko-KR" altLang="en-US"/>
           </a:p>
         </p:txBody>
       </p:sp>
@@ -8660,7 +10268,7 @@
           <a:p>
             <a:pPr lvl="0"/>
             <a:r>
-              <a:rPr lang="ko-KR" altLang="en-US" smtClean="0"/>
+              <a:rPr lang="ko-KR" altLang="en-US"/>
               <a:t>마스터 텍스트 스타일을 편집합니다</a:t>
             </a:r>
           </a:p>
@@ -8688,38 +10296,37 @@
           <a:p>
             <a:pPr lvl="0"/>
             <a:r>
-              <a:rPr lang="ko-KR" altLang="en-US" smtClean="0"/>
+              <a:rPr lang="ko-KR" altLang="en-US"/>
               <a:t>마스터 텍스트 스타일을 편집합니다</a:t>
             </a:r>
           </a:p>
           <a:p>
             <a:pPr lvl="1"/>
             <a:r>
-              <a:rPr lang="ko-KR" altLang="en-US" smtClean="0"/>
+              <a:rPr lang="ko-KR" altLang="en-US"/>
               <a:t>둘째 수준</a:t>
             </a:r>
           </a:p>
           <a:p>
             <a:pPr lvl="2"/>
             <a:r>
-              <a:rPr lang="ko-KR" altLang="en-US" smtClean="0"/>
+              <a:rPr lang="ko-KR" altLang="en-US"/>
               <a:t>셋째 수준</a:t>
             </a:r>
           </a:p>
           <a:p>
             <a:pPr lvl="3"/>
             <a:r>
-              <a:rPr lang="ko-KR" altLang="en-US" smtClean="0"/>
+              <a:rPr lang="ko-KR" altLang="en-US"/>
               <a:t>넷째 수준</a:t>
             </a:r>
           </a:p>
           <a:p>
             <a:pPr lvl="4"/>
             <a:r>
-              <a:rPr lang="ko-KR" altLang="en-US" smtClean="0"/>
+              <a:rPr lang="ko-KR" altLang="en-US"/>
               <a:t>다섯째 수준</a:t>
             </a:r>
-            <a:endParaRPr lang="ko-KR" altLang="en-US"/>
           </a:p>
         </p:txBody>
       </p:sp>
@@ -8782,7 +10389,7 @@
           <a:p>
             <a:pPr lvl="0"/>
             <a:r>
-              <a:rPr lang="ko-KR" altLang="en-US" smtClean="0"/>
+              <a:rPr lang="ko-KR" altLang="en-US"/>
               <a:t>마스터 텍스트 스타일을 편집합니다</a:t>
             </a:r>
           </a:p>
@@ -8810,38 +10417,37 @@
           <a:p>
             <a:pPr lvl="0"/>
             <a:r>
-              <a:rPr lang="ko-KR" altLang="en-US" smtClean="0"/>
+              <a:rPr lang="ko-KR" altLang="en-US"/>
               <a:t>마스터 텍스트 스타일을 편집합니다</a:t>
             </a:r>
           </a:p>
           <a:p>
             <a:pPr lvl="1"/>
             <a:r>
-              <a:rPr lang="ko-KR" altLang="en-US" smtClean="0"/>
+              <a:rPr lang="ko-KR" altLang="en-US"/>
               <a:t>둘째 수준</a:t>
             </a:r>
           </a:p>
           <a:p>
             <a:pPr lvl="2"/>
             <a:r>
-              <a:rPr lang="ko-KR" altLang="en-US" smtClean="0"/>
+              <a:rPr lang="ko-KR" altLang="en-US"/>
               <a:t>셋째 수준</a:t>
             </a:r>
           </a:p>
           <a:p>
             <a:pPr lvl="3"/>
             <a:r>
-              <a:rPr lang="ko-KR" altLang="en-US" smtClean="0"/>
+              <a:rPr lang="ko-KR" altLang="en-US"/>
               <a:t>넷째 수준</a:t>
             </a:r>
           </a:p>
           <a:p>
             <a:pPr lvl="4"/>
             <a:r>
-              <a:rPr lang="ko-KR" altLang="en-US" smtClean="0"/>
+              <a:rPr lang="ko-KR" altLang="en-US"/>
               <a:t>다섯째 수준</a:t>
             </a:r>
-            <a:endParaRPr lang="ko-KR" altLang="en-US"/>
           </a:p>
         </p:txBody>
       </p:sp>
@@ -8862,7 +10468,7 @@
           <a:p>
             <a:fld id="{56CE609A-7F5D-4230-86C2-F23F791E2FD5}" type="datetimeFigureOut">
               <a:rPr lang="ko-KR" altLang="en-US" smtClean="0"/>
-              <a:t>2022-07-15</a:t>
+              <a:t>2022-07-26</a:t>
             </a:fld>
             <a:endParaRPr lang="ko-KR" altLang="en-US"/>
           </a:p>
@@ -8956,10 +10562,9 @@
           <a:lstStyle/>
           <a:p>
             <a:r>
-              <a:rPr lang="ko-KR" altLang="en-US" smtClean="0"/>
+              <a:rPr lang="ko-KR" altLang="en-US"/>
               <a:t>마스터 제목 스타일 편집</a:t>
             </a:r>
-            <a:endParaRPr lang="ko-KR" altLang="en-US"/>
           </a:p>
         </p:txBody>
       </p:sp>
@@ -8980,7 +10585,7 @@
           <a:p>
             <a:fld id="{56CE609A-7F5D-4230-86C2-F23F791E2FD5}" type="datetimeFigureOut">
               <a:rPr lang="ko-KR" altLang="en-US" smtClean="0"/>
-              <a:t>2022-07-15</a:t>
+              <a:t>2022-07-26</a:t>
             </a:fld>
             <a:endParaRPr lang="ko-KR" altLang="en-US"/>
           </a:p>
@@ -9075,7 +10680,7 @@
           <a:p>
             <a:fld id="{56CE609A-7F5D-4230-86C2-F23F791E2FD5}" type="datetimeFigureOut">
               <a:rPr lang="ko-KR" altLang="en-US" smtClean="0"/>
-              <a:t>2022-07-15</a:t>
+              <a:t>2022-07-26</a:t>
             </a:fld>
             <a:endParaRPr lang="ko-KR" altLang="en-US"/>
           </a:p>
@@ -9178,10 +10783,9 @@
           </a:lstStyle>
           <a:p>
             <a:r>
-              <a:rPr lang="ko-KR" altLang="en-US" smtClean="0"/>
+              <a:rPr lang="ko-KR" altLang="en-US"/>
               <a:t>마스터 제목 스타일 편집</a:t>
             </a:r>
-            <a:endParaRPr lang="ko-KR" altLang="en-US"/>
           </a:p>
         </p:txBody>
       </p:sp>
@@ -9235,38 +10839,37 @@
           <a:p>
             <a:pPr lvl="0"/>
             <a:r>
-              <a:rPr lang="ko-KR" altLang="en-US" smtClean="0"/>
+              <a:rPr lang="ko-KR" altLang="en-US"/>
               <a:t>마스터 텍스트 스타일을 편집합니다</a:t>
             </a:r>
           </a:p>
           <a:p>
             <a:pPr lvl="1"/>
             <a:r>
-              <a:rPr lang="ko-KR" altLang="en-US" smtClean="0"/>
+              <a:rPr lang="ko-KR" altLang="en-US"/>
               <a:t>둘째 수준</a:t>
             </a:r>
           </a:p>
           <a:p>
             <a:pPr lvl="2"/>
             <a:r>
-              <a:rPr lang="ko-KR" altLang="en-US" smtClean="0"/>
+              <a:rPr lang="ko-KR" altLang="en-US"/>
               <a:t>셋째 수준</a:t>
             </a:r>
           </a:p>
           <a:p>
             <a:pPr lvl="3"/>
             <a:r>
-              <a:rPr lang="ko-KR" altLang="en-US" smtClean="0"/>
+              <a:rPr lang="ko-KR" altLang="en-US"/>
               <a:t>넷째 수준</a:t>
             </a:r>
           </a:p>
           <a:p>
             <a:pPr lvl="4"/>
             <a:r>
-              <a:rPr lang="ko-KR" altLang="en-US" smtClean="0"/>
+              <a:rPr lang="ko-KR" altLang="en-US"/>
               <a:t>다섯째 수준</a:t>
             </a:r>
-            <a:endParaRPr lang="ko-KR" altLang="en-US"/>
           </a:p>
         </p:txBody>
       </p:sp>
@@ -9329,7 +10932,7 @@
           <a:p>
             <a:pPr lvl="0"/>
             <a:r>
-              <a:rPr lang="ko-KR" altLang="en-US" smtClean="0"/>
+              <a:rPr lang="ko-KR" altLang="en-US"/>
               <a:t>마스터 텍스트 스타일을 편집합니다</a:t>
             </a:r>
           </a:p>
@@ -9352,7 +10955,7 @@
           <a:p>
             <a:fld id="{56CE609A-7F5D-4230-86C2-F23F791E2FD5}" type="datetimeFigureOut">
               <a:rPr lang="ko-KR" altLang="en-US" smtClean="0"/>
-              <a:t>2022-07-15</a:t>
+              <a:t>2022-07-26</a:t>
             </a:fld>
             <a:endParaRPr lang="ko-KR" altLang="en-US"/>
           </a:p>
@@ -9455,10 +11058,9 @@
           </a:lstStyle>
           <a:p>
             <a:r>
-              <a:rPr lang="ko-KR" altLang="en-US" smtClean="0"/>
+              <a:rPr lang="ko-KR" altLang="en-US"/>
               <a:t>마스터 제목 스타일 편집</a:t>
             </a:r>
-            <a:endParaRPr lang="ko-KR" altLang="en-US"/>
           </a:p>
         </p:txBody>
       </p:sp>
@@ -9582,7 +11184,7 @@
           <a:p>
             <a:pPr lvl="0"/>
             <a:r>
-              <a:rPr lang="ko-KR" altLang="en-US" smtClean="0"/>
+              <a:rPr lang="ko-KR" altLang="en-US"/>
               <a:t>마스터 텍스트 스타일을 편집합니다</a:t>
             </a:r>
           </a:p>
@@ -9605,7 +11207,7 @@
           <a:p>
             <a:fld id="{56CE609A-7F5D-4230-86C2-F23F791E2FD5}" type="datetimeFigureOut">
               <a:rPr lang="ko-KR" altLang="en-US" smtClean="0"/>
-              <a:t>2022-07-15</a:t>
+              <a:t>2022-07-26</a:t>
             </a:fld>
             <a:endParaRPr lang="ko-KR" altLang="en-US"/>
           </a:p>
@@ -9714,10 +11316,9 @@
           <a:lstStyle/>
           <a:p>
             <a:r>
-              <a:rPr lang="ko-KR" altLang="en-US" smtClean="0"/>
+              <a:rPr lang="ko-KR" altLang="en-US"/>
               <a:t>마스터 제목 스타일 편집</a:t>
             </a:r>
-            <a:endParaRPr lang="ko-KR" altLang="en-US"/>
           </a:p>
         </p:txBody>
       </p:sp>
@@ -9748,38 +11349,37 @@
           <a:p>
             <a:pPr lvl="0"/>
             <a:r>
-              <a:rPr lang="ko-KR" altLang="en-US" smtClean="0"/>
+              <a:rPr lang="ko-KR" altLang="en-US"/>
               <a:t>마스터 텍스트 스타일을 편집합니다</a:t>
             </a:r>
           </a:p>
           <a:p>
             <a:pPr lvl="1"/>
             <a:r>
-              <a:rPr lang="ko-KR" altLang="en-US" smtClean="0"/>
+              <a:rPr lang="ko-KR" altLang="en-US"/>
               <a:t>둘째 수준</a:t>
             </a:r>
           </a:p>
           <a:p>
             <a:pPr lvl="2"/>
             <a:r>
-              <a:rPr lang="ko-KR" altLang="en-US" smtClean="0"/>
+              <a:rPr lang="ko-KR" altLang="en-US"/>
               <a:t>셋째 수준</a:t>
             </a:r>
           </a:p>
           <a:p>
             <a:pPr lvl="3"/>
             <a:r>
-              <a:rPr lang="ko-KR" altLang="en-US" smtClean="0"/>
+              <a:rPr lang="ko-KR" altLang="en-US"/>
               <a:t>넷째 수준</a:t>
             </a:r>
           </a:p>
           <a:p>
             <a:pPr lvl="4"/>
             <a:r>
-              <a:rPr lang="ko-KR" altLang="en-US" smtClean="0"/>
+              <a:rPr lang="ko-KR" altLang="en-US"/>
               <a:t>다섯째 수준</a:t>
             </a:r>
-            <a:endParaRPr lang="ko-KR" altLang="en-US"/>
           </a:p>
         </p:txBody>
       </p:sp>
@@ -9818,7 +11418,7 @@
           <a:p>
             <a:fld id="{56CE609A-7F5D-4230-86C2-F23F791E2FD5}" type="datetimeFigureOut">
               <a:rPr lang="ko-KR" altLang="en-US" smtClean="0"/>
-              <a:t>2022-07-15</a:t>
+              <a:t>2022-07-26</a:t>
             </a:fld>
             <a:endParaRPr lang="ko-KR" altLang="en-US"/>
           </a:p>
@@ -10260,7 +11860,7 @@
           <a:p>
             <a:pPr algn="ctr"/>
             <a:r>
-              <a:rPr lang="en-US" altLang="ko-KR" sz="1400" dirty="0" smtClean="0"/>
+              <a:rPr lang="en-US" altLang="ko-KR" sz="1400" dirty="0"/>
               <a:t>BOM</a:t>
             </a:r>
             <a:endParaRPr lang="ko-KR" altLang="en-US" sz="1400" dirty="0"/>
@@ -10304,7 +11904,7 @@
           <a:p>
             <a:pPr algn="ctr"/>
             <a:r>
-              <a:rPr lang="ko-KR" altLang="en-US" sz="1400" smtClean="0"/>
+              <a:rPr lang="ko-KR" altLang="en-US" sz="1400"/>
               <a:t>자재</a:t>
             </a:r>
             <a:endParaRPr lang="ko-KR" altLang="en-US" sz="1400" dirty="0"/>
@@ -10348,10 +11948,9 @@
           <a:p>
             <a:pPr algn="ctr"/>
             <a:r>
-              <a:rPr lang="ko-KR" altLang="en-US" sz="1400" dirty="0" smtClean="0"/>
+              <a:rPr lang="ko-KR" altLang="en-US" sz="1400" dirty="0"/>
               <a:t>생산관리</a:t>
             </a:r>
-            <a:endParaRPr lang="ko-KR" altLang="en-US" sz="1400" dirty="0"/>
           </a:p>
         </p:txBody>
       </p:sp>
@@ -10392,7 +11991,7 @@
           <a:p>
             <a:pPr algn="ctr"/>
             <a:r>
-              <a:rPr lang="en-US" altLang="ko-KR" sz="1400" dirty="0" smtClean="0"/>
+              <a:rPr lang="en-US" altLang="ko-KR" sz="1400" dirty="0"/>
               <a:t>OQC</a:t>
             </a:r>
             <a:endParaRPr lang="ko-KR" altLang="en-US" sz="1400" dirty="0"/>
@@ -10436,10 +12035,9 @@
           <a:p>
             <a:pPr algn="ctr"/>
             <a:r>
-              <a:rPr lang="ko-KR" altLang="en-US" sz="1400" dirty="0" smtClean="0"/>
+              <a:rPr lang="ko-KR" altLang="en-US" sz="1400" dirty="0"/>
               <a:t>생산</a:t>
             </a:r>
-            <a:endParaRPr lang="ko-KR" altLang="en-US" sz="1400" dirty="0"/>
           </a:p>
         </p:txBody>
       </p:sp>
@@ -10480,7 +12078,7 @@
           <a:p>
             <a:pPr algn="ctr"/>
             <a:r>
-              <a:rPr lang="ko-KR" altLang="en-US" sz="1400" smtClean="0"/>
+              <a:rPr lang="ko-KR" altLang="en-US" sz="1400"/>
               <a:t>포장</a:t>
             </a:r>
             <a:endParaRPr lang="ko-KR" altLang="en-US" sz="1400" dirty="0"/>
@@ -10524,10 +12122,9 @@
           <a:p>
             <a:pPr algn="ctr"/>
             <a:r>
-              <a:rPr lang="ko-KR" altLang="en-US" sz="1400" dirty="0" smtClean="0"/>
+              <a:rPr lang="ko-KR" altLang="en-US" sz="1400" dirty="0"/>
               <a:t>창고</a:t>
             </a:r>
-            <a:endParaRPr lang="ko-KR" altLang="en-US" sz="1400" dirty="0"/>
           </a:p>
         </p:txBody>
       </p:sp>
@@ -10604,7 +12201,7 @@
           <a:p>
             <a:pPr algn="ctr"/>
             <a:r>
-              <a:rPr lang="en-US" altLang="ko-KR" sz="1200" b="1" dirty="0" smtClean="0">
+              <a:rPr lang="en-US" altLang="ko-KR" sz="1200" b="1" dirty="0">
                 <a:solidFill>
                   <a:srgbClr val="0070C0"/>
                 </a:solidFill>
@@ -10662,18 +12259,13 @@
           <a:p>
             <a:pPr algn="ctr"/>
             <a:r>
-              <a:rPr lang="ko-KR" altLang="en-US" sz="1200" b="1" dirty="0" smtClean="0">
+              <a:rPr lang="ko-KR" altLang="en-US" sz="1200" b="1" dirty="0">
                 <a:solidFill>
                   <a:srgbClr val="0070C0"/>
                 </a:solidFill>
               </a:rPr>
               <a:t>영업</a:t>
             </a:r>
-            <a:endParaRPr lang="ko-KR" altLang="en-US" sz="1200" b="1" dirty="0">
-              <a:solidFill>
-                <a:srgbClr val="0070C0"/>
-              </a:solidFill>
-            </a:endParaRPr>
           </a:p>
         </p:txBody>
       </p:sp>
@@ -10759,18 +12351,13 @@
           <a:p>
             <a:pPr algn="ctr"/>
             <a:r>
-              <a:rPr lang="ko-KR" altLang="en-US" sz="1200" b="1" dirty="0" smtClean="0">
+              <a:rPr lang="ko-KR" altLang="en-US" sz="1200" b="1" dirty="0">
                 <a:solidFill>
                   <a:srgbClr val="0070C0"/>
                 </a:solidFill>
               </a:rPr>
               <a:t>구매</a:t>
             </a:r>
-            <a:endParaRPr lang="ko-KR" altLang="en-US" sz="1200" b="1" dirty="0">
-              <a:solidFill>
-                <a:srgbClr val="0070C0"/>
-              </a:solidFill>
-            </a:endParaRPr>
           </a:p>
         </p:txBody>
       </p:sp>
@@ -10817,18 +12404,13 @@
           <a:p>
             <a:pPr algn="ctr"/>
             <a:r>
-              <a:rPr lang="ko-KR" altLang="en-US" sz="1200" b="1" dirty="0" smtClean="0">
+              <a:rPr lang="ko-KR" altLang="en-US" sz="1200" b="1" dirty="0">
                 <a:solidFill>
                   <a:srgbClr val="0070C0"/>
                 </a:solidFill>
               </a:rPr>
               <a:t>생산관리</a:t>
             </a:r>
-            <a:endParaRPr lang="ko-KR" altLang="en-US" sz="1200" b="1" dirty="0">
-              <a:solidFill>
-                <a:srgbClr val="0070C0"/>
-              </a:solidFill>
-            </a:endParaRPr>
           </a:p>
         </p:txBody>
       </p:sp>
@@ -11045,7 +12627,7 @@
             <a:p>
               <a:pPr algn="ctr"/>
               <a:r>
-                <a:rPr lang="en-US" altLang="ko-KR" sz="900" b="1" dirty="0" smtClean="0">
+                <a:rPr lang="en-US" altLang="ko-KR" sz="900" b="1" dirty="0">
                   <a:solidFill>
                     <a:srgbClr val="0070C0"/>
                   </a:solidFill>
@@ -11103,7 +12685,7 @@
             <a:p>
               <a:pPr algn="ctr"/>
               <a:r>
-                <a:rPr lang="en-US" altLang="ko-KR" sz="1200" b="1" dirty="0" smtClean="0">
+                <a:rPr lang="en-US" altLang="ko-KR" sz="1200" b="1" dirty="0">
                   <a:solidFill>
                     <a:srgbClr val="0070C0"/>
                   </a:solidFill>
@@ -11200,7 +12782,7 @@
             <a:p>
               <a:pPr algn="ctr"/>
               <a:r>
-                <a:rPr lang="ko-KR" altLang="en-US" sz="1200" b="1" smtClean="0">
+                <a:rPr lang="ko-KR" altLang="en-US" sz="1200" b="1">
                   <a:solidFill>
                     <a:srgbClr val="0070C0"/>
                   </a:solidFill>
@@ -11258,18 +12840,13 @@
             <a:p>
               <a:pPr algn="ctr"/>
               <a:r>
-                <a:rPr lang="ko-KR" altLang="en-US" sz="1200" b="1" dirty="0" smtClean="0">
+                <a:rPr lang="ko-KR" altLang="en-US" sz="1200" b="1" dirty="0">
                   <a:solidFill>
                     <a:srgbClr val="0070C0"/>
                   </a:solidFill>
                 </a:rPr>
                 <a:t>생산</a:t>
               </a:r>
-              <a:endParaRPr lang="ko-KR" altLang="en-US" sz="1200" b="1" dirty="0">
-                <a:solidFill>
-                  <a:srgbClr val="0070C0"/>
-                </a:solidFill>
-              </a:endParaRPr>
             </a:p>
           </p:txBody>
         </p:sp>
@@ -11316,7 +12893,7 @@
             <a:p>
               <a:pPr algn="ctr"/>
               <a:r>
-                <a:rPr lang="en-US" altLang="ko-KR" sz="1200" b="1" dirty="0" smtClean="0">
+                <a:rPr lang="en-US" altLang="ko-KR" sz="1200" b="1" dirty="0">
                   <a:solidFill>
                     <a:srgbClr val="0070C0"/>
                   </a:solidFill>
@@ -11374,7 +12951,7 @@
             <a:p>
               <a:pPr algn="ctr"/>
               <a:r>
-                <a:rPr lang="ko-KR" altLang="en-US" sz="1200" b="1" smtClean="0">
+                <a:rPr lang="ko-KR" altLang="en-US" sz="1200" b="1">
                   <a:solidFill>
                     <a:srgbClr val="0070C0"/>
                   </a:solidFill>
@@ -11432,18 +13009,13 @@
             <a:p>
               <a:pPr algn="ctr"/>
               <a:r>
-                <a:rPr lang="ko-KR" altLang="en-US" sz="1200" b="1" dirty="0" smtClean="0">
+                <a:rPr lang="ko-KR" altLang="en-US" sz="1200" b="1" dirty="0">
                   <a:solidFill>
                     <a:srgbClr val="0070C0"/>
                   </a:solidFill>
                 </a:rPr>
                 <a:t>창고</a:t>
               </a:r>
-              <a:endParaRPr lang="ko-KR" altLang="en-US" sz="1200" b="1" dirty="0">
-                <a:solidFill>
-                  <a:srgbClr val="0070C0"/>
-                </a:solidFill>
-              </a:endParaRPr>
             </a:p>
           </p:txBody>
         </p:sp>
@@ -11685,7 +13257,7 @@
           <a:lstStyle/>
           <a:p>
             <a:r>
-              <a:rPr lang="en-US" altLang="ko-KR" sz="900" dirty="0" smtClean="0">
+              <a:rPr lang="en-US" altLang="ko-KR" sz="900" dirty="0">
                 <a:solidFill>
                   <a:schemeClr val="tx1"/>
                 </a:solidFill>
@@ -11693,14 +13265,14 @@
               <a:t>- </a:t>
             </a:r>
             <a:r>
-              <a:rPr lang="ko-KR" altLang="en-US" sz="900" smtClean="0">
+              <a:rPr lang="ko-KR" altLang="en-US" sz="900">
                 <a:solidFill>
                   <a:schemeClr val="tx1"/>
                 </a:solidFill>
               </a:rPr>
               <a:t>생산일정관리</a:t>
             </a:r>
-            <a:endParaRPr lang="en-US" altLang="ko-KR" sz="900" dirty="0" smtClean="0">
+            <a:endParaRPr lang="en-US" altLang="ko-KR" sz="900" dirty="0">
               <a:solidFill>
                 <a:schemeClr val="tx1"/>
               </a:solidFill>
@@ -11708,7 +13280,7 @@
           </a:p>
           <a:p>
             <a:r>
-              <a:rPr lang="en-US" altLang="ko-KR" sz="900" dirty="0" smtClean="0">
+              <a:rPr lang="en-US" altLang="ko-KR" sz="900" dirty="0">
                 <a:solidFill>
                   <a:schemeClr val="tx1"/>
                 </a:solidFill>
@@ -11716,7 +13288,7 @@
               <a:t>- </a:t>
             </a:r>
             <a:r>
-              <a:rPr lang="ko-KR" altLang="en-US" sz="900" smtClean="0">
+              <a:rPr lang="ko-KR" altLang="en-US" sz="900">
                 <a:solidFill>
                   <a:schemeClr val="tx1"/>
                 </a:solidFill>
@@ -11724,7 +13296,7 @@
               <a:t>거래처관리</a:t>
             </a:r>
             <a:r>
-              <a:rPr lang="en-US" altLang="ko-KR" sz="900" dirty="0" smtClean="0">
+              <a:rPr lang="en-US" altLang="ko-KR" sz="900" dirty="0">
                 <a:solidFill>
                   <a:schemeClr val="tx1"/>
                 </a:solidFill>
@@ -11732,7 +13304,7 @@
               <a:t>(</a:t>
             </a:r>
             <a:r>
-              <a:rPr lang="ko-KR" altLang="en-US" sz="900" smtClean="0">
+              <a:rPr lang="ko-KR" altLang="en-US" sz="900">
                 <a:solidFill>
                   <a:schemeClr val="tx1"/>
                 </a:solidFill>
@@ -11740,7 +13312,7 @@
               <a:t>구매자</a:t>
             </a:r>
             <a:r>
-              <a:rPr lang="en-US" altLang="ko-KR" sz="900" dirty="0" smtClean="0">
+              <a:rPr lang="en-US" altLang="ko-KR" sz="900" dirty="0">
                 <a:solidFill>
                   <a:schemeClr val="tx1"/>
                 </a:solidFill>
@@ -11748,7 +13320,7 @@
               <a:t>/</a:t>
             </a:r>
             <a:r>
-              <a:rPr lang="ko-KR" altLang="en-US" sz="900" smtClean="0">
+              <a:rPr lang="ko-KR" altLang="en-US" sz="900">
                 <a:solidFill>
                   <a:schemeClr val="tx1"/>
                 </a:solidFill>
@@ -11756,7 +13328,7 @@
               <a:t>공급자 관리</a:t>
             </a:r>
             <a:r>
-              <a:rPr lang="en-US" altLang="ko-KR" sz="900" dirty="0" smtClean="0">
+              <a:rPr lang="en-US" altLang="ko-KR" sz="900" dirty="0">
                 <a:solidFill>
                   <a:schemeClr val="tx1"/>
                 </a:solidFill>
@@ -11810,7 +13382,7 @@
           <p:nvPr>
             <p:extLst>
               <p:ext uri="{D42A27DB-BD31-4B8C-83A1-F6EECF244321}">
-                <p14:modId xmlns:p14="http://schemas.microsoft.com/office/powerpoint/2010/main" val="1131401323"/>
+                <p14:modId xmlns:p14="http://schemas.microsoft.com/office/powerpoint/2010/main" val="715804169"/>
               </p:ext>
             </p:extLst>
           </p:nvPr>
@@ -11835,13 +13407,6 @@
   <p:clrMapOvr>
     <a:masterClrMapping/>
   </p:clrMapOvr>
-  <p:timing>
-    <p:tnLst>
-      <p:par>
-        <p:cTn id="1" dur="indefinite" restart="never" nodeType="tmRoot"/>
-      </p:par>
-    </p:tnLst>
-  </p:timing>
 </p:sld>
 </file>
 
